--- a/세주Project/세주FA.pptx
+++ b/세주Project/세주FA.pptx
@@ -7,6 +7,10 @@
   <p:sldIdLst>
     <p:sldId id="257" r:id="rId2"/>
     <p:sldId id="258" r:id="rId3"/>
+    <p:sldId id="259" r:id="rId4"/>
+    <p:sldId id="260" r:id="rId5"/>
+    <p:sldId id="261" r:id="rId6"/>
+    <p:sldId id="262" r:id="rId7"/>
   </p:sldIdLst>
   <p:sldSz cx="9144000" cy="6858000" type="screen4x3"/>
   <p:notesSz cx="7099300" cy="10234613"/>
@@ -290,7 +294,7 @@
             <a:fld id="{D7B154A1-150D-4721-82AC-FAF37F169962}" type="datetimeFigureOut">
               <a:rPr lang="ko-KR" altLang="en-US" smtClean="0"/>
               <a:pPr/>
-              <a:t>2018-04-16</a:t>
+              <a:t>2018-04-18</a:t>
             </a:fld>
             <a:endParaRPr lang="ko-KR" altLang="en-US" dirty="0"/>
           </a:p>
@@ -342,7 +346,7 @@
     </p:spTree>
     <p:extLst>
       <p:ext uri="{BB962C8B-B14F-4D97-AF65-F5344CB8AC3E}">
-        <p14:creationId xmlns:p14="http://schemas.microsoft.com/office/powerpoint/2010/main" xmlns="" val="985844547"/>
+        <p14:creationId xmlns="" xmlns:p14="http://schemas.microsoft.com/office/powerpoint/2010/main" val="985844547"/>
       </p:ext>
     </p:extLst>
   </p:cSld>
@@ -462,7 +466,7 @@
             <a:fld id="{D7B154A1-150D-4721-82AC-FAF37F169962}" type="datetimeFigureOut">
               <a:rPr lang="ko-KR" altLang="en-US" smtClean="0"/>
               <a:pPr/>
-              <a:t>2018-04-16</a:t>
+              <a:t>2018-04-18</a:t>
             </a:fld>
             <a:endParaRPr lang="ko-KR" altLang="en-US" dirty="0"/>
           </a:p>
@@ -514,7 +518,7 @@
     </p:spTree>
     <p:extLst>
       <p:ext uri="{BB962C8B-B14F-4D97-AF65-F5344CB8AC3E}">
-        <p14:creationId xmlns:p14="http://schemas.microsoft.com/office/powerpoint/2010/main" xmlns="" val="3644806493"/>
+        <p14:creationId xmlns="" xmlns:p14="http://schemas.microsoft.com/office/powerpoint/2010/main" val="3644806493"/>
       </p:ext>
     </p:extLst>
   </p:cSld>
@@ -644,7 +648,7 @@
             <a:fld id="{D7B154A1-150D-4721-82AC-FAF37F169962}" type="datetimeFigureOut">
               <a:rPr lang="ko-KR" altLang="en-US" smtClean="0"/>
               <a:pPr/>
-              <a:t>2018-04-16</a:t>
+              <a:t>2018-04-18</a:t>
             </a:fld>
             <a:endParaRPr lang="ko-KR" altLang="en-US" dirty="0"/>
           </a:p>
@@ -696,7 +700,7 @@
     </p:spTree>
     <p:extLst>
       <p:ext uri="{BB962C8B-B14F-4D97-AF65-F5344CB8AC3E}">
-        <p14:creationId xmlns:p14="http://schemas.microsoft.com/office/powerpoint/2010/main" xmlns="" val="226203664"/>
+        <p14:creationId xmlns="" xmlns:p14="http://schemas.microsoft.com/office/powerpoint/2010/main" val="226203664"/>
       </p:ext>
     </p:extLst>
   </p:cSld>
@@ -816,7 +820,7 @@
             <a:fld id="{D7B154A1-150D-4721-82AC-FAF37F169962}" type="datetimeFigureOut">
               <a:rPr lang="ko-KR" altLang="en-US" smtClean="0"/>
               <a:pPr/>
-              <a:t>2018-04-16</a:t>
+              <a:t>2018-04-18</a:t>
             </a:fld>
             <a:endParaRPr lang="ko-KR" altLang="en-US" dirty="0"/>
           </a:p>
@@ -868,7 +872,7 @@
     </p:spTree>
     <p:extLst>
       <p:ext uri="{BB962C8B-B14F-4D97-AF65-F5344CB8AC3E}">
-        <p14:creationId xmlns:p14="http://schemas.microsoft.com/office/powerpoint/2010/main" xmlns="" val="3176582477"/>
+        <p14:creationId xmlns="" xmlns:p14="http://schemas.microsoft.com/office/powerpoint/2010/main" val="3176582477"/>
       </p:ext>
     </p:extLst>
   </p:cSld>
@@ -1064,7 +1068,7 @@
             <a:fld id="{D7B154A1-150D-4721-82AC-FAF37F169962}" type="datetimeFigureOut">
               <a:rPr lang="ko-KR" altLang="en-US" smtClean="0"/>
               <a:pPr/>
-              <a:t>2018-04-16</a:t>
+              <a:t>2018-04-18</a:t>
             </a:fld>
             <a:endParaRPr lang="ko-KR" altLang="en-US" dirty="0"/>
           </a:p>
@@ -1116,7 +1120,7 @@
     </p:spTree>
     <p:extLst>
       <p:ext uri="{BB962C8B-B14F-4D97-AF65-F5344CB8AC3E}">
-        <p14:creationId xmlns:p14="http://schemas.microsoft.com/office/powerpoint/2010/main" xmlns="" val="2666503031"/>
+        <p14:creationId xmlns="" xmlns:p14="http://schemas.microsoft.com/office/powerpoint/2010/main" val="2666503031"/>
       </p:ext>
     </p:extLst>
   </p:cSld>
@@ -1354,7 +1358,7 @@
             <a:fld id="{D7B154A1-150D-4721-82AC-FAF37F169962}" type="datetimeFigureOut">
               <a:rPr lang="ko-KR" altLang="en-US" smtClean="0"/>
               <a:pPr/>
-              <a:t>2018-04-16</a:t>
+              <a:t>2018-04-18</a:t>
             </a:fld>
             <a:endParaRPr lang="ko-KR" altLang="en-US" dirty="0"/>
           </a:p>
@@ -1406,7 +1410,7 @@
     </p:spTree>
     <p:extLst>
       <p:ext uri="{BB962C8B-B14F-4D97-AF65-F5344CB8AC3E}">
-        <p14:creationId xmlns:p14="http://schemas.microsoft.com/office/powerpoint/2010/main" xmlns="" val="552621391"/>
+        <p14:creationId xmlns="" xmlns:p14="http://schemas.microsoft.com/office/powerpoint/2010/main" val="552621391"/>
       </p:ext>
     </p:extLst>
   </p:cSld>
@@ -1778,7 +1782,7 @@
             <a:fld id="{D7B154A1-150D-4721-82AC-FAF37F169962}" type="datetimeFigureOut">
               <a:rPr lang="ko-KR" altLang="en-US" smtClean="0"/>
               <a:pPr/>
-              <a:t>2018-04-16</a:t>
+              <a:t>2018-04-18</a:t>
             </a:fld>
             <a:endParaRPr lang="ko-KR" altLang="en-US" dirty="0"/>
           </a:p>
@@ -1830,7 +1834,7 @@
     </p:spTree>
     <p:extLst>
       <p:ext uri="{BB962C8B-B14F-4D97-AF65-F5344CB8AC3E}">
-        <p14:creationId xmlns:p14="http://schemas.microsoft.com/office/powerpoint/2010/main" xmlns="" val="1359549139"/>
+        <p14:creationId xmlns="" xmlns:p14="http://schemas.microsoft.com/office/powerpoint/2010/main" val="1359549139"/>
       </p:ext>
     </p:extLst>
   </p:cSld>
@@ -1898,7 +1902,7 @@
             <a:fld id="{D7B154A1-150D-4721-82AC-FAF37F169962}" type="datetimeFigureOut">
               <a:rPr lang="ko-KR" altLang="en-US" smtClean="0"/>
               <a:pPr/>
-              <a:t>2018-04-16</a:t>
+              <a:t>2018-04-18</a:t>
             </a:fld>
             <a:endParaRPr lang="ko-KR" altLang="en-US" dirty="0"/>
           </a:p>
@@ -1950,7 +1954,7 @@
     </p:spTree>
     <p:extLst>
       <p:ext uri="{BB962C8B-B14F-4D97-AF65-F5344CB8AC3E}">
-        <p14:creationId xmlns:p14="http://schemas.microsoft.com/office/powerpoint/2010/main" xmlns="" val="3317700926"/>
+        <p14:creationId xmlns="" xmlns:p14="http://schemas.microsoft.com/office/powerpoint/2010/main" val="3317700926"/>
       </p:ext>
     </p:extLst>
   </p:cSld>
@@ -1995,7 +1999,7 @@
             <a:fld id="{D7B154A1-150D-4721-82AC-FAF37F169962}" type="datetimeFigureOut">
               <a:rPr lang="ko-KR" altLang="en-US" smtClean="0"/>
               <a:pPr/>
-              <a:t>2018-04-16</a:t>
+              <a:t>2018-04-18</a:t>
             </a:fld>
             <a:endParaRPr lang="ko-KR" altLang="en-US" dirty="0"/>
           </a:p>
@@ -2047,7 +2051,7 @@
     </p:spTree>
     <p:extLst>
       <p:ext uri="{BB962C8B-B14F-4D97-AF65-F5344CB8AC3E}">
-        <p14:creationId xmlns:p14="http://schemas.microsoft.com/office/powerpoint/2010/main" xmlns="" val="4158918755"/>
+        <p14:creationId xmlns="" xmlns:p14="http://schemas.microsoft.com/office/powerpoint/2010/main" val="4158918755"/>
       </p:ext>
     </p:extLst>
   </p:cSld>
@@ -2274,7 +2278,7 @@
             <a:fld id="{D7B154A1-150D-4721-82AC-FAF37F169962}" type="datetimeFigureOut">
               <a:rPr lang="ko-KR" altLang="en-US" smtClean="0"/>
               <a:pPr/>
-              <a:t>2018-04-16</a:t>
+              <a:t>2018-04-18</a:t>
             </a:fld>
             <a:endParaRPr lang="ko-KR" altLang="en-US" dirty="0"/>
           </a:p>
@@ -2326,7 +2330,7 @@
     </p:spTree>
     <p:extLst>
       <p:ext uri="{BB962C8B-B14F-4D97-AF65-F5344CB8AC3E}">
-        <p14:creationId xmlns:p14="http://schemas.microsoft.com/office/powerpoint/2010/main" xmlns="" val="3316137834"/>
+        <p14:creationId xmlns="" xmlns:p14="http://schemas.microsoft.com/office/powerpoint/2010/main" val="3316137834"/>
       </p:ext>
     </p:extLst>
   </p:cSld>
@@ -2529,7 +2533,7 @@
             <a:fld id="{D7B154A1-150D-4721-82AC-FAF37F169962}" type="datetimeFigureOut">
               <a:rPr lang="ko-KR" altLang="en-US" smtClean="0"/>
               <a:pPr/>
-              <a:t>2018-04-16</a:t>
+              <a:t>2018-04-18</a:t>
             </a:fld>
             <a:endParaRPr lang="ko-KR" altLang="en-US" dirty="0"/>
           </a:p>
@@ -2581,7 +2585,7 @@
     </p:spTree>
     <p:extLst>
       <p:ext uri="{BB962C8B-B14F-4D97-AF65-F5344CB8AC3E}">
-        <p14:creationId xmlns:p14="http://schemas.microsoft.com/office/powerpoint/2010/main" xmlns="" val="3635219009"/>
+        <p14:creationId xmlns="" xmlns:p14="http://schemas.microsoft.com/office/powerpoint/2010/main" val="3635219009"/>
       </p:ext>
     </p:extLst>
   </p:cSld>
@@ -2744,7 +2748,7 @@
             <a:fld id="{D7B154A1-150D-4721-82AC-FAF37F169962}" type="datetimeFigureOut">
               <a:rPr lang="ko-KR" altLang="en-US" smtClean="0"/>
               <a:pPr/>
-              <a:t>2018-04-16</a:t>
+              <a:t>2018-04-18</a:t>
             </a:fld>
             <a:endParaRPr lang="ko-KR" altLang="en-US" dirty="0"/>
           </a:p>
@@ -2832,7 +2836,7 @@
     </p:spTree>
     <p:extLst>
       <p:ext uri="{BB962C8B-B14F-4D97-AF65-F5344CB8AC3E}">
-        <p14:creationId xmlns:p14="http://schemas.microsoft.com/office/powerpoint/2010/main" xmlns="" val="2070912887"/>
+        <p14:creationId xmlns="" xmlns:p14="http://schemas.microsoft.com/office/powerpoint/2010/main" val="2070912887"/>
       </p:ext>
     </p:extLst>
   </p:cSld>
@@ -3576,7 +3580,7 @@
               </a:clrChange>
               <a:extLst>
                 <a:ext uri="{28A0092B-C50C-407E-A947-70E740481C1C}">
-                  <a14:useLocalDpi xmlns:a14="http://schemas.microsoft.com/office/drawing/2010/main" xmlns="" val="0"/>
+                  <a14:useLocalDpi xmlns="" xmlns:a14="http://schemas.microsoft.com/office/drawing/2010/main" val="0"/>
                 </a:ext>
               </a:extLst>
             </a:blip>
@@ -3594,7 +3598,7 @@
             <a:noFill/>
             <a:extLst>
               <a:ext uri="{909E8E84-426E-40DD-AFC4-6F175D3DCCD1}">
-                <a14:hiddenFill xmlns:a14="http://schemas.microsoft.com/office/drawing/2010/main" xmlns="">
+                <a14:hiddenFill xmlns="" xmlns:a14="http://schemas.microsoft.com/office/drawing/2010/main">
                   <a:solidFill>
                     <a:srgbClr val="FFFFFF"/>
                   </a:solidFill>
@@ -3615,7 +3619,7 @@
             <a:blip r:embed="rId3" cstate="print">
               <a:extLst>
                 <a:ext uri="{28A0092B-C50C-407E-A947-70E740481C1C}">
-                  <a14:useLocalDpi xmlns:a14="http://schemas.microsoft.com/office/drawing/2010/main" xmlns="" val="0"/>
+                  <a14:useLocalDpi xmlns="" xmlns:a14="http://schemas.microsoft.com/office/drawing/2010/main" val="0"/>
                 </a:ext>
               </a:extLst>
             </a:blip>
@@ -3638,14 +3642,14 @@
             </a:ln>
             <a:extLst>
               <a:ext uri="{909E8E84-426E-40DD-AFC4-6F175D3DCCD1}">
-                <a14:hiddenFill xmlns:a14="http://schemas.microsoft.com/office/drawing/2010/main" xmlns="">
+                <a14:hiddenFill xmlns="" xmlns:a14="http://schemas.microsoft.com/office/drawing/2010/main">
                   <a:solidFill>
                     <a:schemeClr val="accent1"/>
                   </a:solidFill>
                 </a14:hiddenFill>
               </a:ext>
               <a:ext uri="{91240B29-F687-4F45-9708-019B960494DF}">
-                <a14:hiddenLine xmlns:a14="http://schemas.microsoft.com/office/drawing/2010/main" xmlns="" w="9525">
+                <a14:hiddenLine xmlns="" xmlns:a14="http://schemas.microsoft.com/office/drawing/2010/main" w="9525">
                   <a:solidFill>
                     <a:schemeClr val="tx1"/>
                   </a:solidFill>
@@ -3682,7 +3686,7 @@
             </a:clrChange>
             <a:extLst>
               <a:ext uri="{28A0092B-C50C-407E-A947-70E740481C1C}">
-                <a14:useLocalDpi xmlns:a14="http://schemas.microsoft.com/office/drawing/2010/main" xmlns="" val="0"/>
+                <a14:useLocalDpi xmlns="" xmlns:a14="http://schemas.microsoft.com/office/drawing/2010/main" val="0"/>
               </a:ext>
             </a:extLst>
           </a:blip>
@@ -3702,7 +3706,7 @@
           <a:noFill/>
           <a:extLst>
             <a:ext uri="{909E8E84-426E-40DD-AFC4-6F175D3DCCD1}">
-              <a14:hiddenFill xmlns:a14="http://schemas.microsoft.com/office/drawing/2010/main" xmlns="">
+              <a14:hiddenFill xmlns="" xmlns:a14="http://schemas.microsoft.com/office/drawing/2010/main">
                 <a:solidFill>
                   <a:srgbClr val="FFFFFF"/>
                 </a:solidFill>
@@ -3735,7 +3739,7 @@
             </a:clrChange>
             <a:extLst>
               <a:ext uri="{28A0092B-C50C-407E-A947-70E740481C1C}">
-                <a14:useLocalDpi xmlns:a14="http://schemas.microsoft.com/office/drawing/2010/main" xmlns="" val="0"/>
+                <a14:useLocalDpi xmlns="" xmlns:a14="http://schemas.microsoft.com/office/drawing/2010/main" val="0"/>
               </a:ext>
             </a:extLst>
           </a:blip>
@@ -3755,7 +3759,7 @@
           <a:noFill/>
           <a:extLst>
             <a:ext uri="{909E8E84-426E-40DD-AFC4-6F175D3DCCD1}">
-              <a14:hiddenFill xmlns:a14="http://schemas.microsoft.com/office/drawing/2010/main" xmlns="">
+              <a14:hiddenFill xmlns="" xmlns:a14="http://schemas.microsoft.com/office/drawing/2010/main">
                 <a:solidFill>
                   <a:srgbClr val="FFFFFF"/>
                 </a:solidFill>
@@ -3869,7 +3873,7 @@
     </p:spTree>
     <p:extLst>
       <p:ext uri="{BB962C8B-B14F-4D97-AF65-F5344CB8AC3E}">
-        <p14:creationId xmlns:p14="http://schemas.microsoft.com/office/powerpoint/2010/main" xmlns="" val="3165772712"/>
+        <p14:creationId xmlns="" xmlns:p14="http://schemas.microsoft.com/office/powerpoint/2010/main" val="3165772712"/>
       </p:ext>
     </p:extLst>
   </p:cSld>
@@ -4071,6 +4075,3479 @@
             <a:r>
               <a:rPr lang="en-US" altLang="ko-KR" dirty="0" smtClean="0"/>
               <a:t>Hardware</a:t>
+            </a:r>
+            <a:endParaRPr lang="ko-KR" altLang="en-US" dirty="0"/>
+          </a:p>
+        </p:txBody>
+      </p:sp>
+    </p:spTree>
+  </p:cSld>
+  <p:clrMapOvr>
+    <a:masterClrMapping/>
+  </p:clrMapOvr>
+</p:sld>
+</file>
+
+<file path=ppt/slides/slide3.xml><?xml version="1.0" encoding="utf-8"?>
+<p:sld xmlns:a="http://schemas.openxmlformats.org/drawingml/2006/main" xmlns:r="http://schemas.openxmlformats.org/officeDocument/2006/relationships" xmlns:p="http://schemas.openxmlformats.org/presentationml/2006/main">
+  <p:cSld>
+    <p:spTree>
+      <p:nvGrpSpPr>
+        <p:cNvPr id="1" name=""/>
+        <p:cNvGrpSpPr/>
+        <p:nvPr/>
+      </p:nvGrpSpPr>
+      <p:grpSpPr>
+        <a:xfrm>
+          <a:off x="0" y="0"/>
+          <a:ext cx="0" cy="0"/>
+          <a:chOff x="0" y="0"/>
+          <a:chExt cx="0" cy="0"/>
+        </a:xfrm>
+      </p:grpSpPr>
+      <p:sp>
+        <p:nvSpPr>
+          <p:cNvPr id="2" name="제목 1"/>
+          <p:cNvSpPr>
+            <a:spLocks noGrp="1"/>
+          </p:cNvSpPr>
+          <p:nvPr>
+            <p:ph type="title"/>
+          </p:nvPr>
+        </p:nvSpPr>
+        <p:spPr/>
+        <p:txBody>
+          <a:bodyPr/>
+          <a:lstStyle/>
+          <a:p>
+            <a:r>
+              <a:rPr lang="ko-KR" altLang="en-US" dirty="0" smtClean="0"/>
+              <a:t>전체 </a:t>
+            </a:r>
+            <a:r>
+              <a:rPr lang="en-US" altLang="ko-KR" dirty="0" smtClean="0"/>
+              <a:t>System</a:t>
+            </a:r>
+            <a:r>
+              <a:rPr lang="ko-KR" altLang="en-US" dirty="0" smtClean="0"/>
+              <a:t>구성</a:t>
+            </a:r>
+            <a:endParaRPr lang="ko-KR" altLang="en-US" dirty="0"/>
+          </a:p>
+        </p:txBody>
+      </p:sp>
+      <p:sp>
+        <p:nvSpPr>
+          <p:cNvPr id="4" name="모서리가 둥근 직사각형 3"/>
+          <p:cNvSpPr/>
+          <p:nvPr/>
+        </p:nvSpPr>
+        <p:spPr>
+          <a:xfrm>
+            <a:off x="611560" y="3212976"/>
+            <a:ext cx="2448272" cy="2448272"/>
+          </a:xfrm>
+          <a:prstGeom prst="roundRect">
+            <a:avLst/>
+          </a:prstGeom>
+        </p:spPr>
+        <p:style>
+          <a:lnRef idx="2">
+            <a:schemeClr val="accent1">
+              <a:shade val="50000"/>
+            </a:schemeClr>
+          </a:lnRef>
+          <a:fillRef idx="1">
+            <a:schemeClr val="accent1"/>
+          </a:fillRef>
+          <a:effectRef idx="0">
+            <a:schemeClr val="accent1"/>
+          </a:effectRef>
+          <a:fontRef idx="minor">
+            <a:schemeClr val="lt1"/>
+          </a:fontRef>
+        </p:style>
+        <p:txBody>
+          <a:bodyPr rtlCol="0" anchor="ctr"/>
+          <a:lstStyle/>
+          <a:p>
+            <a:pPr algn="ctr"/>
+            <a:r>
+              <a:rPr lang="en-US" altLang="ko-KR" dirty="0" smtClean="0"/>
+              <a:t>Main Menu</a:t>
+            </a:r>
+          </a:p>
+          <a:p>
+            <a:pPr algn="ctr"/>
+            <a:r>
+              <a:rPr lang="en-US" altLang="ko-KR" dirty="0" smtClean="0"/>
+              <a:t>Server</a:t>
+            </a:r>
+            <a:endParaRPr lang="ko-KR" altLang="en-US" dirty="0"/>
+          </a:p>
+        </p:txBody>
+      </p:sp>
+      <p:sp>
+        <p:nvSpPr>
+          <p:cNvPr id="5" name="타원 4"/>
+          <p:cNvSpPr/>
+          <p:nvPr/>
+        </p:nvSpPr>
+        <p:spPr>
+          <a:xfrm>
+            <a:off x="3923928" y="3068960"/>
+            <a:ext cx="2376264" cy="2520280"/>
+          </a:xfrm>
+          <a:prstGeom prst="ellipse">
+            <a:avLst/>
+          </a:prstGeom>
+        </p:spPr>
+        <p:style>
+          <a:lnRef idx="2">
+            <a:schemeClr val="accent1">
+              <a:shade val="50000"/>
+            </a:schemeClr>
+          </a:lnRef>
+          <a:fillRef idx="1">
+            <a:schemeClr val="accent1"/>
+          </a:fillRef>
+          <a:effectRef idx="0">
+            <a:schemeClr val="accent1"/>
+          </a:effectRef>
+          <a:fontRef idx="minor">
+            <a:schemeClr val="lt1"/>
+          </a:fontRef>
+        </p:style>
+        <p:txBody>
+          <a:bodyPr rtlCol="0" anchor="ctr"/>
+          <a:lstStyle/>
+          <a:p>
+            <a:pPr algn="ctr"/>
+            <a:r>
+              <a:rPr lang="en-US" altLang="ko-KR" dirty="0" err="1" smtClean="0"/>
+              <a:t>Wifi</a:t>
+            </a:r>
+            <a:endParaRPr lang="en-US" altLang="ko-KR" dirty="0" smtClean="0"/>
+          </a:p>
+        </p:txBody>
+      </p:sp>
+      <p:sp>
+        <p:nvSpPr>
+          <p:cNvPr id="6" name="직사각형 5"/>
+          <p:cNvSpPr/>
+          <p:nvPr/>
+        </p:nvSpPr>
+        <p:spPr>
+          <a:xfrm>
+            <a:off x="7020272" y="1700808"/>
+            <a:ext cx="1800200" cy="720080"/>
+          </a:xfrm>
+          <a:prstGeom prst="rect">
+            <a:avLst/>
+          </a:prstGeom>
+        </p:spPr>
+        <p:style>
+          <a:lnRef idx="2">
+            <a:schemeClr val="accent1">
+              <a:shade val="50000"/>
+            </a:schemeClr>
+          </a:lnRef>
+          <a:fillRef idx="1">
+            <a:schemeClr val="accent1"/>
+          </a:fillRef>
+          <a:effectRef idx="0">
+            <a:schemeClr val="accent1"/>
+          </a:effectRef>
+          <a:fontRef idx="minor">
+            <a:schemeClr val="lt1"/>
+          </a:fontRef>
+        </p:style>
+        <p:txBody>
+          <a:bodyPr rtlCol="0" anchor="ctr"/>
+          <a:lstStyle/>
+          <a:p>
+            <a:pPr algn="ctr"/>
+            <a:r>
+              <a:rPr lang="en-US" altLang="ko-KR" dirty="0" smtClean="0"/>
+              <a:t>Machine 2</a:t>
+            </a:r>
+          </a:p>
+          <a:p>
+            <a:pPr algn="ctr"/>
+            <a:r>
+              <a:rPr lang="en-US" altLang="ko-KR" dirty="0" smtClean="0"/>
+              <a:t>Server</a:t>
+            </a:r>
+            <a:endParaRPr lang="ko-KR" altLang="en-US" dirty="0"/>
+          </a:p>
+        </p:txBody>
+      </p:sp>
+      <p:sp>
+        <p:nvSpPr>
+          <p:cNvPr id="7" name="직사각형 6"/>
+          <p:cNvSpPr/>
+          <p:nvPr/>
+        </p:nvSpPr>
+        <p:spPr>
+          <a:xfrm>
+            <a:off x="7020272" y="692696"/>
+            <a:ext cx="1800200" cy="720080"/>
+          </a:xfrm>
+          <a:prstGeom prst="rect">
+            <a:avLst/>
+          </a:prstGeom>
+        </p:spPr>
+        <p:style>
+          <a:lnRef idx="2">
+            <a:schemeClr val="accent1">
+              <a:shade val="50000"/>
+            </a:schemeClr>
+          </a:lnRef>
+          <a:fillRef idx="1">
+            <a:schemeClr val="accent1"/>
+          </a:fillRef>
+          <a:effectRef idx="0">
+            <a:schemeClr val="accent1"/>
+          </a:effectRef>
+          <a:fontRef idx="minor">
+            <a:schemeClr val="lt1"/>
+          </a:fontRef>
+        </p:style>
+        <p:txBody>
+          <a:bodyPr rtlCol="0" anchor="ctr"/>
+          <a:lstStyle/>
+          <a:p>
+            <a:pPr algn="ctr"/>
+            <a:r>
+              <a:rPr lang="en-US" altLang="ko-KR" dirty="0" smtClean="0"/>
+              <a:t>Machine 1</a:t>
+            </a:r>
+          </a:p>
+          <a:p>
+            <a:pPr algn="ctr"/>
+            <a:r>
+              <a:rPr lang="en-US" altLang="ko-KR" dirty="0" smtClean="0"/>
+              <a:t>Server</a:t>
+            </a:r>
+            <a:endParaRPr lang="ko-KR" altLang="en-US" dirty="0"/>
+          </a:p>
+        </p:txBody>
+      </p:sp>
+      <p:sp>
+        <p:nvSpPr>
+          <p:cNvPr id="8" name="직사각형 7"/>
+          <p:cNvSpPr/>
+          <p:nvPr/>
+        </p:nvSpPr>
+        <p:spPr>
+          <a:xfrm>
+            <a:off x="7020272" y="2636912"/>
+            <a:ext cx="1800200" cy="720080"/>
+          </a:xfrm>
+          <a:prstGeom prst="rect">
+            <a:avLst/>
+          </a:prstGeom>
+        </p:spPr>
+        <p:style>
+          <a:lnRef idx="2">
+            <a:schemeClr val="accent1">
+              <a:shade val="50000"/>
+            </a:schemeClr>
+          </a:lnRef>
+          <a:fillRef idx="1">
+            <a:schemeClr val="accent1"/>
+          </a:fillRef>
+          <a:effectRef idx="0">
+            <a:schemeClr val="accent1"/>
+          </a:effectRef>
+          <a:fontRef idx="minor">
+            <a:schemeClr val="lt1"/>
+          </a:fontRef>
+        </p:style>
+        <p:txBody>
+          <a:bodyPr rtlCol="0" anchor="ctr"/>
+          <a:lstStyle/>
+          <a:p>
+            <a:pPr algn="ctr"/>
+            <a:r>
+              <a:rPr lang="en-US" altLang="ko-KR" dirty="0" smtClean="0"/>
+              <a:t>Machine 3</a:t>
+            </a:r>
+          </a:p>
+          <a:p>
+            <a:pPr algn="ctr"/>
+            <a:r>
+              <a:rPr lang="en-US" altLang="ko-KR" dirty="0" smtClean="0"/>
+              <a:t>Server</a:t>
+            </a:r>
+            <a:endParaRPr lang="ko-KR" altLang="en-US" dirty="0"/>
+          </a:p>
+        </p:txBody>
+      </p:sp>
+      <p:sp>
+        <p:nvSpPr>
+          <p:cNvPr id="9" name="직사각형 8"/>
+          <p:cNvSpPr/>
+          <p:nvPr/>
+        </p:nvSpPr>
+        <p:spPr>
+          <a:xfrm>
+            <a:off x="7020272" y="3645024"/>
+            <a:ext cx="1800200" cy="720080"/>
+          </a:xfrm>
+          <a:prstGeom prst="rect">
+            <a:avLst/>
+          </a:prstGeom>
+        </p:spPr>
+        <p:style>
+          <a:lnRef idx="2">
+            <a:schemeClr val="accent1">
+              <a:shade val="50000"/>
+            </a:schemeClr>
+          </a:lnRef>
+          <a:fillRef idx="1">
+            <a:schemeClr val="accent1"/>
+          </a:fillRef>
+          <a:effectRef idx="0">
+            <a:schemeClr val="accent1"/>
+          </a:effectRef>
+          <a:fontRef idx="minor">
+            <a:schemeClr val="lt1"/>
+          </a:fontRef>
+        </p:style>
+        <p:txBody>
+          <a:bodyPr rtlCol="0" anchor="ctr"/>
+          <a:lstStyle/>
+          <a:p>
+            <a:pPr algn="ctr"/>
+            <a:r>
+              <a:rPr lang="en-US" altLang="ko-KR" dirty="0" smtClean="0"/>
+              <a:t>Machine 4</a:t>
+            </a:r>
+          </a:p>
+          <a:p>
+            <a:pPr algn="ctr"/>
+            <a:r>
+              <a:rPr lang="en-US" altLang="ko-KR" dirty="0" smtClean="0"/>
+              <a:t>Server</a:t>
+            </a:r>
+            <a:endParaRPr lang="ko-KR" altLang="en-US" dirty="0"/>
+          </a:p>
+        </p:txBody>
+      </p:sp>
+      <p:sp>
+        <p:nvSpPr>
+          <p:cNvPr id="10" name="직사각형 9"/>
+          <p:cNvSpPr/>
+          <p:nvPr/>
+        </p:nvSpPr>
+        <p:spPr>
+          <a:xfrm>
+            <a:off x="7020272" y="5589240"/>
+            <a:ext cx="1800200" cy="720080"/>
+          </a:xfrm>
+          <a:prstGeom prst="rect">
+            <a:avLst/>
+          </a:prstGeom>
+        </p:spPr>
+        <p:style>
+          <a:lnRef idx="2">
+            <a:schemeClr val="accent1">
+              <a:shade val="50000"/>
+            </a:schemeClr>
+          </a:lnRef>
+          <a:fillRef idx="1">
+            <a:schemeClr val="accent1"/>
+          </a:fillRef>
+          <a:effectRef idx="0">
+            <a:schemeClr val="accent1"/>
+          </a:effectRef>
+          <a:fontRef idx="minor">
+            <a:schemeClr val="lt1"/>
+          </a:fontRef>
+        </p:style>
+        <p:txBody>
+          <a:bodyPr rtlCol="0" anchor="ctr"/>
+          <a:lstStyle/>
+          <a:p>
+            <a:pPr algn="ctr"/>
+            <a:r>
+              <a:rPr lang="en-US" altLang="ko-KR" dirty="0" smtClean="0"/>
+              <a:t>Machine 5</a:t>
+            </a:r>
+          </a:p>
+          <a:p>
+            <a:pPr algn="ctr"/>
+            <a:r>
+              <a:rPr lang="en-US" altLang="ko-KR" dirty="0" smtClean="0"/>
+              <a:t>Server</a:t>
+            </a:r>
+            <a:endParaRPr lang="ko-KR" altLang="en-US" dirty="0"/>
+          </a:p>
+        </p:txBody>
+      </p:sp>
+      <p:sp>
+        <p:nvSpPr>
+          <p:cNvPr id="11" name="직사각형 10"/>
+          <p:cNvSpPr/>
+          <p:nvPr/>
+        </p:nvSpPr>
+        <p:spPr>
+          <a:xfrm>
+            <a:off x="2699792" y="1196752"/>
+            <a:ext cx="2016224" cy="1944216"/>
+          </a:xfrm>
+          <a:prstGeom prst="rect">
+            <a:avLst/>
+          </a:prstGeom>
+        </p:spPr>
+        <p:style>
+          <a:lnRef idx="2">
+            <a:schemeClr val="accent1">
+              <a:shade val="50000"/>
+            </a:schemeClr>
+          </a:lnRef>
+          <a:fillRef idx="1">
+            <a:schemeClr val="accent1"/>
+          </a:fillRef>
+          <a:effectRef idx="0">
+            <a:schemeClr val="accent1"/>
+          </a:effectRef>
+          <a:fontRef idx="minor">
+            <a:schemeClr val="lt1"/>
+          </a:fontRef>
+        </p:style>
+        <p:txBody>
+          <a:bodyPr rtlCol="0" anchor="ctr"/>
+          <a:lstStyle/>
+          <a:p>
+            <a:pPr algn="ctr"/>
+            <a:endParaRPr lang="ko-KR" altLang="en-US"/>
+          </a:p>
+        </p:txBody>
+      </p:sp>
+      <p:sp>
+        <p:nvSpPr>
+          <p:cNvPr id="12" name="TextBox 11"/>
+          <p:cNvSpPr txBox="1"/>
+          <p:nvPr/>
+        </p:nvSpPr>
+        <p:spPr>
+          <a:xfrm>
+            <a:off x="1115616" y="1412776"/>
+            <a:ext cx="1512168" cy="369332"/>
+          </a:xfrm>
+          <a:prstGeom prst="rect">
+            <a:avLst/>
+          </a:prstGeom>
+          <a:noFill/>
+        </p:spPr>
+        <p:txBody>
+          <a:bodyPr wrap="square" rtlCol="0">
+            <a:spAutoFit/>
+          </a:bodyPr>
+          <a:lstStyle/>
+          <a:p>
+            <a:r>
+              <a:rPr lang="en-US" altLang="ko-KR" smtClean="0"/>
+              <a:t>User </a:t>
+            </a:r>
+            <a:r>
+              <a:rPr lang="ko-KR" altLang="en-US" dirty="0" smtClean="0"/>
+              <a:t>핸드폰</a:t>
+            </a:r>
+            <a:endParaRPr lang="ko-KR" altLang="en-US" dirty="0"/>
+          </a:p>
+        </p:txBody>
+      </p:sp>
+      <p:sp>
+        <p:nvSpPr>
+          <p:cNvPr id="13" name="모서리가 둥근 직사각형 12"/>
+          <p:cNvSpPr/>
+          <p:nvPr/>
+        </p:nvSpPr>
+        <p:spPr>
+          <a:xfrm>
+            <a:off x="2843808" y="1412776"/>
+            <a:ext cx="720080" cy="360040"/>
+          </a:xfrm>
+          <a:prstGeom prst="roundRect">
+            <a:avLst/>
+          </a:prstGeom>
+        </p:spPr>
+        <p:style>
+          <a:lnRef idx="2">
+            <a:schemeClr val="accent1">
+              <a:shade val="50000"/>
+            </a:schemeClr>
+          </a:lnRef>
+          <a:fillRef idx="1">
+            <a:schemeClr val="accent1"/>
+          </a:fillRef>
+          <a:effectRef idx="0">
+            <a:schemeClr val="accent1"/>
+          </a:effectRef>
+          <a:fontRef idx="minor">
+            <a:schemeClr val="lt1"/>
+          </a:fontRef>
+        </p:style>
+        <p:txBody>
+          <a:bodyPr rtlCol="0" anchor="ctr"/>
+          <a:lstStyle/>
+          <a:p>
+            <a:pPr algn="ctr"/>
+            <a:r>
+              <a:rPr lang="en-US" altLang="ko-KR" dirty="0" smtClean="0"/>
+              <a:t>M1</a:t>
+            </a:r>
+            <a:endParaRPr lang="ko-KR" altLang="en-US" dirty="0"/>
+          </a:p>
+        </p:txBody>
+      </p:sp>
+      <p:sp>
+        <p:nvSpPr>
+          <p:cNvPr id="14" name="모서리가 둥근 직사각형 13"/>
+          <p:cNvSpPr/>
+          <p:nvPr/>
+        </p:nvSpPr>
+        <p:spPr>
+          <a:xfrm>
+            <a:off x="2843808" y="1916832"/>
+            <a:ext cx="720080" cy="360040"/>
+          </a:xfrm>
+          <a:prstGeom prst="roundRect">
+            <a:avLst/>
+          </a:prstGeom>
+        </p:spPr>
+        <p:style>
+          <a:lnRef idx="2">
+            <a:schemeClr val="accent1">
+              <a:shade val="50000"/>
+            </a:schemeClr>
+          </a:lnRef>
+          <a:fillRef idx="1">
+            <a:schemeClr val="accent1"/>
+          </a:fillRef>
+          <a:effectRef idx="0">
+            <a:schemeClr val="accent1"/>
+          </a:effectRef>
+          <a:fontRef idx="minor">
+            <a:schemeClr val="lt1"/>
+          </a:fontRef>
+        </p:style>
+        <p:txBody>
+          <a:bodyPr rtlCol="0" anchor="ctr"/>
+          <a:lstStyle/>
+          <a:p>
+            <a:pPr algn="ctr"/>
+            <a:r>
+              <a:rPr lang="en-US" altLang="ko-KR" dirty="0" smtClean="0"/>
+              <a:t>M3</a:t>
+            </a:r>
+            <a:endParaRPr lang="ko-KR" altLang="en-US" dirty="0"/>
+          </a:p>
+        </p:txBody>
+      </p:sp>
+      <p:sp>
+        <p:nvSpPr>
+          <p:cNvPr id="15" name="모서리가 둥근 직사각형 14"/>
+          <p:cNvSpPr/>
+          <p:nvPr/>
+        </p:nvSpPr>
+        <p:spPr>
+          <a:xfrm>
+            <a:off x="3851920" y="1412776"/>
+            <a:ext cx="720080" cy="360040"/>
+          </a:xfrm>
+          <a:prstGeom prst="roundRect">
+            <a:avLst/>
+          </a:prstGeom>
+        </p:spPr>
+        <p:style>
+          <a:lnRef idx="2">
+            <a:schemeClr val="accent1">
+              <a:shade val="50000"/>
+            </a:schemeClr>
+          </a:lnRef>
+          <a:fillRef idx="1">
+            <a:schemeClr val="accent1"/>
+          </a:fillRef>
+          <a:effectRef idx="0">
+            <a:schemeClr val="accent1"/>
+          </a:effectRef>
+          <a:fontRef idx="minor">
+            <a:schemeClr val="lt1"/>
+          </a:fontRef>
+        </p:style>
+        <p:txBody>
+          <a:bodyPr rtlCol="0" anchor="ctr"/>
+          <a:lstStyle/>
+          <a:p>
+            <a:pPr algn="ctr"/>
+            <a:r>
+              <a:rPr lang="en-US" altLang="ko-KR" dirty="0" smtClean="0"/>
+              <a:t>M2</a:t>
+            </a:r>
+            <a:endParaRPr lang="ko-KR" altLang="en-US" dirty="0"/>
+          </a:p>
+        </p:txBody>
+      </p:sp>
+      <p:sp>
+        <p:nvSpPr>
+          <p:cNvPr id="16" name="모서리가 둥근 직사각형 15"/>
+          <p:cNvSpPr/>
+          <p:nvPr/>
+        </p:nvSpPr>
+        <p:spPr>
+          <a:xfrm>
+            <a:off x="2843808" y="2492896"/>
+            <a:ext cx="720080" cy="360040"/>
+          </a:xfrm>
+          <a:prstGeom prst="roundRect">
+            <a:avLst/>
+          </a:prstGeom>
+        </p:spPr>
+        <p:style>
+          <a:lnRef idx="2">
+            <a:schemeClr val="accent1">
+              <a:shade val="50000"/>
+            </a:schemeClr>
+          </a:lnRef>
+          <a:fillRef idx="1">
+            <a:schemeClr val="accent1"/>
+          </a:fillRef>
+          <a:effectRef idx="0">
+            <a:schemeClr val="accent1"/>
+          </a:effectRef>
+          <a:fontRef idx="minor">
+            <a:schemeClr val="lt1"/>
+          </a:fontRef>
+        </p:style>
+        <p:txBody>
+          <a:bodyPr rtlCol="0" anchor="ctr"/>
+          <a:lstStyle/>
+          <a:p>
+            <a:pPr algn="ctr"/>
+            <a:r>
+              <a:rPr lang="en-US" altLang="ko-KR" dirty="0" smtClean="0"/>
+              <a:t>M5</a:t>
+            </a:r>
+            <a:endParaRPr lang="ko-KR" altLang="en-US" dirty="0"/>
+          </a:p>
+        </p:txBody>
+      </p:sp>
+      <p:sp>
+        <p:nvSpPr>
+          <p:cNvPr id="17" name="모서리가 둥근 직사각형 16"/>
+          <p:cNvSpPr/>
+          <p:nvPr/>
+        </p:nvSpPr>
+        <p:spPr>
+          <a:xfrm>
+            <a:off x="3851920" y="1916832"/>
+            <a:ext cx="720080" cy="360040"/>
+          </a:xfrm>
+          <a:prstGeom prst="roundRect">
+            <a:avLst/>
+          </a:prstGeom>
+        </p:spPr>
+        <p:style>
+          <a:lnRef idx="2">
+            <a:schemeClr val="accent1">
+              <a:shade val="50000"/>
+            </a:schemeClr>
+          </a:lnRef>
+          <a:fillRef idx="1">
+            <a:schemeClr val="accent1"/>
+          </a:fillRef>
+          <a:effectRef idx="0">
+            <a:schemeClr val="accent1"/>
+          </a:effectRef>
+          <a:fontRef idx="minor">
+            <a:schemeClr val="lt1"/>
+          </a:fontRef>
+        </p:style>
+        <p:txBody>
+          <a:bodyPr rtlCol="0" anchor="ctr"/>
+          <a:lstStyle/>
+          <a:p>
+            <a:pPr algn="ctr"/>
+            <a:r>
+              <a:rPr lang="en-US" altLang="ko-KR" dirty="0" smtClean="0"/>
+              <a:t>M4</a:t>
+            </a:r>
+            <a:endParaRPr lang="ko-KR" altLang="en-US" dirty="0"/>
+          </a:p>
+        </p:txBody>
+      </p:sp>
+      <p:sp>
+        <p:nvSpPr>
+          <p:cNvPr id="18" name="모서리가 둥근 직사각형 17"/>
+          <p:cNvSpPr/>
+          <p:nvPr/>
+        </p:nvSpPr>
+        <p:spPr>
+          <a:xfrm>
+            <a:off x="3851920" y="2492896"/>
+            <a:ext cx="720080" cy="360040"/>
+          </a:xfrm>
+          <a:prstGeom prst="roundRect">
+            <a:avLst/>
+          </a:prstGeom>
+        </p:spPr>
+        <p:style>
+          <a:lnRef idx="2">
+            <a:schemeClr val="accent1">
+              <a:shade val="50000"/>
+            </a:schemeClr>
+          </a:lnRef>
+          <a:fillRef idx="1">
+            <a:schemeClr val="accent1"/>
+          </a:fillRef>
+          <a:effectRef idx="0">
+            <a:schemeClr val="accent1"/>
+          </a:effectRef>
+          <a:fontRef idx="minor">
+            <a:schemeClr val="lt1"/>
+          </a:fontRef>
+        </p:style>
+        <p:txBody>
+          <a:bodyPr rtlCol="0" anchor="ctr"/>
+          <a:lstStyle/>
+          <a:p>
+            <a:pPr algn="ctr"/>
+            <a:r>
+              <a:rPr lang="en-US" altLang="ko-KR" dirty="0" smtClean="0"/>
+              <a:t>M6</a:t>
+            </a:r>
+            <a:endParaRPr lang="ko-KR" altLang="en-US" dirty="0"/>
+          </a:p>
+        </p:txBody>
+      </p:sp>
+      <p:sp>
+        <p:nvSpPr>
+          <p:cNvPr id="19" name="직사각형 18"/>
+          <p:cNvSpPr/>
+          <p:nvPr/>
+        </p:nvSpPr>
+        <p:spPr>
+          <a:xfrm>
+            <a:off x="7020272" y="4581128"/>
+            <a:ext cx="1800200" cy="720080"/>
+          </a:xfrm>
+          <a:prstGeom prst="rect">
+            <a:avLst/>
+          </a:prstGeom>
+        </p:spPr>
+        <p:style>
+          <a:lnRef idx="2">
+            <a:schemeClr val="accent1">
+              <a:shade val="50000"/>
+            </a:schemeClr>
+          </a:lnRef>
+          <a:fillRef idx="1">
+            <a:schemeClr val="accent1"/>
+          </a:fillRef>
+          <a:effectRef idx="0">
+            <a:schemeClr val="accent1"/>
+          </a:effectRef>
+          <a:fontRef idx="minor">
+            <a:schemeClr val="lt1"/>
+          </a:fontRef>
+        </p:style>
+        <p:txBody>
+          <a:bodyPr rtlCol="0" anchor="ctr"/>
+          <a:lstStyle/>
+          <a:p>
+            <a:pPr algn="ctr"/>
+            <a:r>
+              <a:rPr lang="en-US" altLang="ko-KR" dirty="0" smtClean="0"/>
+              <a:t>Machine 5</a:t>
+            </a:r>
+          </a:p>
+          <a:p>
+            <a:pPr algn="ctr"/>
+            <a:r>
+              <a:rPr lang="en-US" altLang="ko-KR" dirty="0" smtClean="0"/>
+              <a:t>Server</a:t>
+            </a:r>
+            <a:endParaRPr lang="ko-KR" altLang="en-US" dirty="0"/>
+          </a:p>
+        </p:txBody>
+      </p:sp>
+    </p:spTree>
+  </p:cSld>
+  <p:clrMapOvr>
+    <a:masterClrMapping/>
+  </p:clrMapOvr>
+</p:sld>
+</file>
+
+<file path=ppt/slides/slide4.xml><?xml version="1.0" encoding="utf-8"?>
+<p:sld xmlns:a="http://schemas.openxmlformats.org/drawingml/2006/main" xmlns:r="http://schemas.openxmlformats.org/officeDocument/2006/relationships" xmlns:p="http://schemas.openxmlformats.org/presentationml/2006/main">
+  <p:cSld>
+    <p:spTree>
+      <p:nvGrpSpPr>
+        <p:cNvPr id="1" name=""/>
+        <p:cNvGrpSpPr/>
+        <p:nvPr/>
+      </p:nvGrpSpPr>
+      <p:grpSpPr>
+        <a:xfrm>
+          <a:off x="0" y="0"/>
+          <a:ext cx="0" cy="0"/>
+          <a:chOff x="0" y="0"/>
+          <a:chExt cx="0" cy="0"/>
+        </a:xfrm>
+      </p:grpSpPr>
+      <p:sp>
+        <p:nvSpPr>
+          <p:cNvPr id="2" name="제목 1"/>
+          <p:cNvSpPr>
+            <a:spLocks noGrp="1"/>
+          </p:cNvSpPr>
+          <p:nvPr>
+            <p:ph type="title"/>
+          </p:nvPr>
+        </p:nvSpPr>
+        <p:spPr/>
+        <p:txBody>
+          <a:bodyPr/>
+          <a:lstStyle/>
+          <a:p>
+            <a:r>
+              <a:rPr lang="ko-KR" altLang="en-US" dirty="0" smtClean="0"/>
+              <a:t>전체 </a:t>
+            </a:r>
+            <a:r>
+              <a:rPr lang="en-US" altLang="ko-KR" dirty="0" smtClean="0"/>
+              <a:t>System</a:t>
+            </a:r>
+            <a:r>
+              <a:rPr lang="ko-KR" altLang="en-US" dirty="0" smtClean="0"/>
+              <a:t>구성</a:t>
+            </a:r>
+            <a:endParaRPr lang="ko-KR" altLang="en-US" dirty="0"/>
+          </a:p>
+        </p:txBody>
+      </p:sp>
+      <p:sp>
+        <p:nvSpPr>
+          <p:cNvPr id="4" name="모서리가 둥근 직사각형 3"/>
+          <p:cNvSpPr/>
+          <p:nvPr/>
+        </p:nvSpPr>
+        <p:spPr>
+          <a:xfrm>
+            <a:off x="611560" y="3212976"/>
+            <a:ext cx="2448272" cy="2448272"/>
+          </a:xfrm>
+          <a:prstGeom prst="roundRect">
+            <a:avLst/>
+          </a:prstGeom>
+        </p:spPr>
+        <p:style>
+          <a:lnRef idx="2">
+            <a:schemeClr val="accent1">
+              <a:shade val="50000"/>
+            </a:schemeClr>
+          </a:lnRef>
+          <a:fillRef idx="1">
+            <a:schemeClr val="accent1"/>
+          </a:fillRef>
+          <a:effectRef idx="0">
+            <a:schemeClr val="accent1"/>
+          </a:effectRef>
+          <a:fontRef idx="minor">
+            <a:schemeClr val="lt1"/>
+          </a:fontRef>
+        </p:style>
+        <p:txBody>
+          <a:bodyPr rtlCol="0" anchor="ctr"/>
+          <a:lstStyle/>
+          <a:p>
+            <a:pPr algn="ctr"/>
+            <a:r>
+              <a:rPr lang="en-US" altLang="ko-KR" dirty="0" smtClean="0"/>
+              <a:t>Main Menu</a:t>
+            </a:r>
+          </a:p>
+          <a:p>
+            <a:pPr algn="ctr"/>
+            <a:r>
+              <a:rPr lang="en-US" altLang="ko-KR" dirty="0" smtClean="0"/>
+              <a:t>Server</a:t>
+            </a:r>
+            <a:endParaRPr lang="ko-KR" altLang="en-US" dirty="0"/>
+          </a:p>
+        </p:txBody>
+      </p:sp>
+      <p:sp>
+        <p:nvSpPr>
+          <p:cNvPr id="5" name="타원 4"/>
+          <p:cNvSpPr/>
+          <p:nvPr/>
+        </p:nvSpPr>
+        <p:spPr>
+          <a:xfrm>
+            <a:off x="3923928" y="3068960"/>
+            <a:ext cx="2376264" cy="2520280"/>
+          </a:xfrm>
+          <a:prstGeom prst="ellipse">
+            <a:avLst/>
+          </a:prstGeom>
+        </p:spPr>
+        <p:style>
+          <a:lnRef idx="2">
+            <a:schemeClr val="accent1">
+              <a:shade val="50000"/>
+            </a:schemeClr>
+          </a:lnRef>
+          <a:fillRef idx="1">
+            <a:schemeClr val="accent1"/>
+          </a:fillRef>
+          <a:effectRef idx="0">
+            <a:schemeClr val="accent1"/>
+          </a:effectRef>
+          <a:fontRef idx="minor">
+            <a:schemeClr val="lt1"/>
+          </a:fontRef>
+        </p:style>
+        <p:txBody>
+          <a:bodyPr rtlCol="0" anchor="ctr"/>
+          <a:lstStyle/>
+          <a:p>
+            <a:pPr algn="ctr"/>
+            <a:r>
+              <a:rPr lang="en-US" altLang="ko-KR" dirty="0" err="1" smtClean="0"/>
+              <a:t>Wifi</a:t>
+            </a:r>
+            <a:endParaRPr lang="en-US" altLang="ko-KR" dirty="0" smtClean="0"/>
+          </a:p>
+        </p:txBody>
+      </p:sp>
+      <p:sp>
+        <p:nvSpPr>
+          <p:cNvPr id="6" name="직사각형 5"/>
+          <p:cNvSpPr/>
+          <p:nvPr/>
+        </p:nvSpPr>
+        <p:spPr>
+          <a:xfrm>
+            <a:off x="7020272" y="1700808"/>
+            <a:ext cx="1800200" cy="720080"/>
+          </a:xfrm>
+          <a:prstGeom prst="rect">
+            <a:avLst/>
+          </a:prstGeom>
+        </p:spPr>
+        <p:style>
+          <a:lnRef idx="2">
+            <a:schemeClr val="accent1">
+              <a:shade val="50000"/>
+            </a:schemeClr>
+          </a:lnRef>
+          <a:fillRef idx="1">
+            <a:schemeClr val="accent1"/>
+          </a:fillRef>
+          <a:effectRef idx="0">
+            <a:schemeClr val="accent1"/>
+          </a:effectRef>
+          <a:fontRef idx="minor">
+            <a:schemeClr val="lt1"/>
+          </a:fontRef>
+        </p:style>
+        <p:txBody>
+          <a:bodyPr rtlCol="0" anchor="ctr"/>
+          <a:lstStyle/>
+          <a:p>
+            <a:pPr algn="ctr"/>
+            <a:r>
+              <a:rPr lang="en-US" altLang="ko-KR" dirty="0" smtClean="0"/>
+              <a:t>Machine 2</a:t>
+            </a:r>
+          </a:p>
+          <a:p>
+            <a:pPr algn="ctr"/>
+            <a:r>
+              <a:rPr lang="en-US" altLang="ko-KR" dirty="0" smtClean="0"/>
+              <a:t>Server</a:t>
+            </a:r>
+            <a:endParaRPr lang="ko-KR" altLang="en-US" dirty="0"/>
+          </a:p>
+        </p:txBody>
+      </p:sp>
+      <p:sp>
+        <p:nvSpPr>
+          <p:cNvPr id="7" name="직사각형 6"/>
+          <p:cNvSpPr/>
+          <p:nvPr/>
+        </p:nvSpPr>
+        <p:spPr>
+          <a:xfrm>
+            <a:off x="7020272" y="692696"/>
+            <a:ext cx="1800200" cy="720080"/>
+          </a:xfrm>
+          <a:prstGeom prst="rect">
+            <a:avLst/>
+          </a:prstGeom>
+        </p:spPr>
+        <p:style>
+          <a:lnRef idx="2">
+            <a:schemeClr val="accent1">
+              <a:shade val="50000"/>
+            </a:schemeClr>
+          </a:lnRef>
+          <a:fillRef idx="1">
+            <a:schemeClr val="accent1"/>
+          </a:fillRef>
+          <a:effectRef idx="0">
+            <a:schemeClr val="accent1"/>
+          </a:effectRef>
+          <a:fontRef idx="minor">
+            <a:schemeClr val="lt1"/>
+          </a:fontRef>
+        </p:style>
+        <p:txBody>
+          <a:bodyPr rtlCol="0" anchor="ctr"/>
+          <a:lstStyle/>
+          <a:p>
+            <a:pPr algn="ctr"/>
+            <a:r>
+              <a:rPr lang="en-US" altLang="ko-KR" dirty="0" smtClean="0"/>
+              <a:t>Machine 1</a:t>
+            </a:r>
+          </a:p>
+          <a:p>
+            <a:pPr algn="ctr"/>
+            <a:r>
+              <a:rPr lang="en-US" altLang="ko-KR" dirty="0" smtClean="0"/>
+              <a:t>Server</a:t>
+            </a:r>
+            <a:endParaRPr lang="ko-KR" altLang="en-US" dirty="0"/>
+          </a:p>
+        </p:txBody>
+      </p:sp>
+      <p:sp>
+        <p:nvSpPr>
+          <p:cNvPr id="8" name="직사각형 7"/>
+          <p:cNvSpPr/>
+          <p:nvPr/>
+        </p:nvSpPr>
+        <p:spPr>
+          <a:xfrm>
+            <a:off x="7020272" y="2636912"/>
+            <a:ext cx="1800200" cy="720080"/>
+          </a:xfrm>
+          <a:prstGeom prst="rect">
+            <a:avLst/>
+          </a:prstGeom>
+        </p:spPr>
+        <p:style>
+          <a:lnRef idx="2">
+            <a:schemeClr val="accent1">
+              <a:shade val="50000"/>
+            </a:schemeClr>
+          </a:lnRef>
+          <a:fillRef idx="1">
+            <a:schemeClr val="accent1"/>
+          </a:fillRef>
+          <a:effectRef idx="0">
+            <a:schemeClr val="accent1"/>
+          </a:effectRef>
+          <a:fontRef idx="minor">
+            <a:schemeClr val="lt1"/>
+          </a:fontRef>
+        </p:style>
+        <p:txBody>
+          <a:bodyPr rtlCol="0" anchor="ctr"/>
+          <a:lstStyle/>
+          <a:p>
+            <a:pPr algn="ctr"/>
+            <a:r>
+              <a:rPr lang="en-US" altLang="ko-KR" dirty="0" smtClean="0"/>
+              <a:t>Machine 3</a:t>
+            </a:r>
+          </a:p>
+          <a:p>
+            <a:pPr algn="ctr"/>
+            <a:r>
+              <a:rPr lang="en-US" altLang="ko-KR" dirty="0" smtClean="0"/>
+              <a:t>Server</a:t>
+            </a:r>
+            <a:endParaRPr lang="ko-KR" altLang="en-US" dirty="0"/>
+          </a:p>
+        </p:txBody>
+      </p:sp>
+      <p:sp>
+        <p:nvSpPr>
+          <p:cNvPr id="9" name="직사각형 8"/>
+          <p:cNvSpPr/>
+          <p:nvPr/>
+        </p:nvSpPr>
+        <p:spPr>
+          <a:xfrm>
+            <a:off x="7020272" y="3645024"/>
+            <a:ext cx="1800200" cy="720080"/>
+          </a:xfrm>
+          <a:prstGeom prst="rect">
+            <a:avLst/>
+          </a:prstGeom>
+        </p:spPr>
+        <p:style>
+          <a:lnRef idx="2">
+            <a:schemeClr val="accent1">
+              <a:shade val="50000"/>
+            </a:schemeClr>
+          </a:lnRef>
+          <a:fillRef idx="1">
+            <a:schemeClr val="accent1"/>
+          </a:fillRef>
+          <a:effectRef idx="0">
+            <a:schemeClr val="accent1"/>
+          </a:effectRef>
+          <a:fontRef idx="minor">
+            <a:schemeClr val="lt1"/>
+          </a:fontRef>
+        </p:style>
+        <p:txBody>
+          <a:bodyPr rtlCol="0" anchor="ctr"/>
+          <a:lstStyle/>
+          <a:p>
+            <a:pPr algn="ctr"/>
+            <a:r>
+              <a:rPr lang="en-US" altLang="ko-KR" dirty="0" smtClean="0"/>
+              <a:t>Machine 4</a:t>
+            </a:r>
+          </a:p>
+          <a:p>
+            <a:pPr algn="ctr"/>
+            <a:r>
+              <a:rPr lang="en-US" altLang="ko-KR" dirty="0" smtClean="0"/>
+              <a:t>Server</a:t>
+            </a:r>
+            <a:endParaRPr lang="ko-KR" altLang="en-US" dirty="0"/>
+          </a:p>
+        </p:txBody>
+      </p:sp>
+      <p:sp>
+        <p:nvSpPr>
+          <p:cNvPr id="10" name="직사각형 9"/>
+          <p:cNvSpPr/>
+          <p:nvPr/>
+        </p:nvSpPr>
+        <p:spPr>
+          <a:xfrm>
+            <a:off x="7020272" y="5589240"/>
+            <a:ext cx="1800200" cy="720080"/>
+          </a:xfrm>
+          <a:prstGeom prst="rect">
+            <a:avLst/>
+          </a:prstGeom>
+        </p:spPr>
+        <p:style>
+          <a:lnRef idx="2">
+            <a:schemeClr val="accent1">
+              <a:shade val="50000"/>
+            </a:schemeClr>
+          </a:lnRef>
+          <a:fillRef idx="1">
+            <a:schemeClr val="accent1"/>
+          </a:fillRef>
+          <a:effectRef idx="0">
+            <a:schemeClr val="accent1"/>
+          </a:effectRef>
+          <a:fontRef idx="minor">
+            <a:schemeClr val="lt1"/>
+          </a:fontRef>
+        </p:style>
+        <p:txBody>
+          <a:bodyPr rtlCol="0" anchor="ctr"/>
+          <a:lstStyle/>
+          <a:p>
+            <a:pPr algn="ctr"/>
+            <a:r>
+              <a:rPr lang="en-US" altLang="ko-KR" dirty="0" smtClean="0"/>
+              <a:t>Machine 5</a:t>
+            </a:r>
+          </a:p>
+          <a:p>
+            <a:pPr algn="ctr"/>
+            <a:r>
+              <a:rPr lang="en-US" altLang="ko-KR" dirty="0" smtClean="0"/>
+              <a:t>Server</a:t>
+            </a:r>
+            <a:endParaRPr lang="ko-KR" altLang="en-US" dirty="0"/>
+          </a:p>
+        </p:txBody>
+      </p:sp>
+      <p:sp>
+        <p:nvSpPr>
+          <p:cNvPr id="11" name="직사각형 10"/>
+          <p:cNvSpPr/>
+          <p:nvPr/>
+        </p:nvSpPr>
+        <p:spPr>
+          <a:xfrm>
+            <a:off x="2699792" y="1196752"/>
+            <a:ext cx="2016224" cy="1944216"/>
+          </a:xfrm>
+          <a:prstGeom prst="rect">
+            <a:avLst/>
+          </a:prstGeom>
+        </p:spPr>
+        <p:style>
+          <a:lnRef idx="2">
+            <a:schemeClr val="accent1">
+              <a:shade val="50000"/>
+            </a:schemeClr>
+          </a:lnRef>
+          <a:fillRef idx="1">
+            <a:schemeClr val="accent1"/>
+          </a:fillRef>
+          <a:effectRef idx="0">
+            <a:schemeClr val="accent1"/>
+          </a:effectRef>
+          <a:fontRef idx="minor">
+            <a:schemeClr val="lt1"/>
+          </a:fontRef>
+        </p:style>
+        <p:txBody>
+          <a:bodyPr rtlCol="0" anchor="ctr"/>
+          <a:lstStyle/>
+          <a:p>
+            <a:pPr algn="ctr"/>
+            <a:endParaRPr lang="ko-KR" altLang="en-US"/>
+          </a:p>
+        </p:txBody>
+      </p:sp>
+      <p:sp>
+        <p:nvSpPr>
+          <p:cNvPr id="12" name="TextBox 11"/>
+          <p:cNvSpPr txBox="1"/>
+          <p:nvPr/>
+        </p:nvSpPr>
+        <p:spPr>
+          <a:xfrm>
+            <a:off x="1115616" y="1412776"/>
+            <a:ext cx="1512168" cy="369332"/>
+          </a:xfrm>
+          <a:prstGeom prst="rect">
+            <a:avLst/>
+          </a:prstGeom>
+          <a:noFill/>
+        </p:spPr>
+        <p:txBody>
+          <a:bodyPr wrap="square" rtlCol="0">
+            <a:spAutoFit/>
+          </a:bodyPr>
+          <a:lstStyle/>
+          <a:p>
+            <a:r>
+              <a:rPr lang="en-US" altLang="ko-KR" smtClean="0"/>
+              <a:t>User </a:t>
+            </a:r>
+            <a:r>
+              <a:rPr lang="ko-KR" altLang="en-US" dirty="0" smtClean="0"/>
+              <a:t>핸드폰</a:t>
+            </a:r>
+            <a:endParaRPr lang="ko-KR" altLang="en-US" dirty="0"/>
+          </a:p>
+        </p:txBody>
+      </p:sp>
+      <p:sp>
+        <p:nvSpPr>
+          <p:cNvPr id="13" name="모서리가 둥근 직사각형 12"/>
+          <p:cNvSpPr/>
+          <p:nvPr/>
+        </p:nvSpPr>
+        <p:spPr>
+          <a:xfrm>
+            <a:off x="2843808" y="1412776"/>
+            <a:ext cx="720080" cy="360040"/>
+          </a:xfrm>
+          <a:prstGeom prst="roundRect">
+            <a:avLst/>
+          </a:prstGeom>
+        </p:spPr>
+        <p:style>
+          <a:lnRef idx="2">
+            <a:schemeClr val="accent1">
+              <a:shade val="50000"/>
+            </a:schemeClr>
+          </a:lnRef>
+          <a:fillRef idx="1">
+            <a:schemeClr val="accent1"/>
+          </a:fillRef>
+          <a:effectRef idx="0">
+            <a:schemeClr val="accent1"/>
+          </a:effectRef>
+          <a:fontRef idx="minor">
+            <a:schemeClr val="lt1"/>
+          </a:fontRef>
+        </p:style>
+        <p:txBody>
+          <a:bodyPr rtlCol="0" anchor="ctr"/>
+          <a:lstStyle/>
+          <a:p>
+            <a:pPr algn="ctr"/>
+            <a:r>
+              <a:rPr lang="en-US" altLang="ko-KR" dirty="0" smtClean="0"/>
+              <a:t>M1</a:t>
+            </a:r>
+            <a:endParaRPr lang="ko-KR" altLang="en-US" dirty="0"/>
+          </a:p>
+        </p:txBody>
+      </p:sp>
+      <p:sp>
+        <p:nvSpPr>
+          <p:cNvPr id="14" name="모서리가 둥근 직사각형 13"/>
+          <p:cNvSpPr/>
+          <p:nvPr/>
+        </p:nvSpPr>
+        <p:spPr>
+          <a:xfrm>
+            <a:off x="2843808" y="1916832"/>
+            <a:ext cx="720080" cy="360040"/>
+          </a:xfrm>
+          <a:prstGeom prst="roundRect">
+            <a:avLst/>
+          </a:prstGeom>
+        </p:spPr>
+        <p:style>
+          <a:lnRef idx="2">
+            <a:schemeClr val="accent1">
+              <a:shade val="50000"/>
+            </a:schemeClr>
+          </a:lnRef>
+          <a:fillRef idx="1">
+            <a:schemeClr val="accent1"/>
+          </a:fillRef>
+          <a:effectRef idx="0">
+            <a:schemeClr val="accent1"/>
+          </a:effectRef>
+          <a:fontRef idx="minor">
+            <a:schemeClr val="lt1"/>
+          </a:fontRef>
+        </p:style>
+        <p:txBody>
+          <a:bodyPr rtlCol="0" anchor="ctr"/>
+          <a:lstStyle/>
+          <a:p>
+            <a:pPr algn="ctr"/>
+            <a:r>
+              <a:rPr lang="en-US" altLang="ko-KR" dirty="0" smtClean="0"/>
+              <a:t>M3</a:t>
+            </a:r>
+            <a:endParaRPr lang="ko-KR" altLang="en-US" dirty="0"/>
+          </a:p>
+        </p:txBody>
+      </p:sp>
+      <p:sp>
+        <p:nvSpPr>
+          <p:cNvPr id="15" name="모서리가 둥근 직사각형 14"/>
+          <p:cNvSpPr/>
+          <p:nvPr/>
+        </p:nvSpPr>
+        <p:spPr>
+          <a:xfrm>
+            <a:off x="3851920" y="1412776"/>
+            <a:ext cx="720080" cy="360040"/>
+          </a:xfrm>
+          <a:prstGeom prst="roundRect">
+            <a:avLst/>
+          </a:prstGeom>
+        </p:spPr>
+        <p:style>
+          <a:lnRef idx="2">
+            <a:schemeClr val="accent1">
+              <a:shade val="50000"/>
+            </a:schemeClr>
+          </a:lnRef>
+          <a:fillRef idx="1">
+            <a:schemeClr val="accent1"/>
+          </a:fillRef>
+          <a:effectRef idx="0">
+            <a:schemeClr val="accent1"/>
+          </a:effectRef>
+          <a:fontRef idx="minor">
+            <a:schemeClr val="lt1"/>
+          </a:fontRef>
+        </p:style>
+        <p:txBody>
+          <a:bodyPr rtlCol="0" anchor="ctr"/>
+          <a:lstStyle/>
+          <a:p>
+            <a:pPr algn="ctr"/>
+            <a:r>
+              <a:rPr lang="en-US" altLang="ko-KR" dirty="0" smtClean="0"/>
+              <a:t>M2</a:t>
+            </a:r>
+            <a:endParaRPr lang="ko-KR" altLang="en-US" dirty="0"/>
+          </a:p>
+        </p:txBody>
+      </p:sp>
+      <p:sp>
+        <p:nvSpPr>
+          <p:cNvPr id="16" name="모서리가 둥근 직사각형 15"/>
+          <p:cNvSpPr/>
+          <p:nvPr/>
+        </p:nvSpPr>
+        <p:spPr>
+          <a:xfrm>
+            <a:off x="2843808" y="2492896"/>
+            <a:ext cx="720080" cy="360040"/>
+          </a:xfrm>
+          <a:prstGeom prst="roundRect">
+            <a:avLst/>
+          </a:prstGeom>
+        </p:spPr>
+        <p:style>
+          <a:lnRef idx="2">
+            <a:schemeClr val="accent1">
+              <a:shade val="50000"/>
+            </a:schemeClr>
+          </a:lnRef>
+          <a:fillRef idx="1">
+            <a:schemeClr val="accent1"/>
+          </a:fillRef>
+          <a:effectRef idx="0">
+            <a:schemeClr val="accent1"/>
+          </a:effectRef>
+          <a:fontRef idx="minor">
+            <a:schemeClr val="lt1"/>
+          </a:fontRef>
+        </p:style>
+        <p:txBody>
+          <a:bodyPr rtlCol="0" anchor="ctr"/>
+          <a:lstStyle/>
+          <a:p>
+            <a:pPr algn="ctr"/>
+            <a:r>
+              <a:rPr lang="en-US" altLang="ko-KR" dirty="0" smtClean="0"/>
+              <a:t>M5</a:t>
+            </a:r>
+            <a:endParaRPr lang="ko-KR" altLang="en-US" dirty="0"/>
+          </a:p>
+        </p:txBody>
+      </p:sp>
+      <p:sp>
+        <p:nvSpPr>
+          <p:cNvPr id="17" name="모서리가 둥근 직사각형 16"/>
+          <p:cNvSpPr/>
+          <p:nvPr/>
+        </p:nvSpPr>
+        <p:spPr>
+          <a:xfrm>
+            <a:off x="3851920" y="1916832"/>
+            <a:ext cx="720080" cy="360040"/>
+          </a:xfrm>
+          <a:prstGeom prst="roundRect">
+            <a:avLst/>
+          </a:prstGeom>
+        </p:spPr>
+        <p:style>
+          <a:lnRef idx="2">
+            <a:schemeClr val="accent1">
+              <a:shade val="50000"/>
+            </a:schemeClr>
+          </a:lnRef>
+          <a:fillRef idx="1">
+            <a:schemeClr val="accent1"/>
+          </a:fillRef>
+          <a:effectRef idx="0">
+            <a:schemeClr val="accent1"/>
+          </a:effectRef>
+          <a:fontRef idx="minor">
+            <a:schemeClr val="lt1"/>
+          </a:fontRef>
+        </p:style>
+        <p:txBody>
+          <a:bodyPr rtlCol="0" anchor="ctr"/>
+          <a:lstStyle/>
+          <a:p>
+            <a:pPr algn="ctr"/>
+            <a:r>
+              <a:rPr lang="en-US" altLang="ko-KR" dirty="0" smtClean="0"/>
+              <a:t>M4</a:t>
+            </a:r>
+            <a:endParaRPr lang="ko-KR" altLang="en-US" dirty="0"/>
+          </a:p>
+        </p:txBody>
+      </p:sp>
+      <p:sp>
+        <p:nvSpPr>
+          <p:cNvPr id="18" name="모서리가 둥근 직사각형 17"/>
+          <p:cNvSpPr/>
+          <p:nvPr/>
+        </p:nvSpPr>
+        <p:spPr>
+          <a:xfrm>
+            <a:off x="3851920" y="2492896"/>
+            <a:ext cx="720080" cy="360040"/>
+          </a:xfrm>
+          <a:prstGeom prst="roundRect">
+            <a:avLst/>
+          </a:prstGeom>
+        </p:spPr>
+        <p:style>
+          <a:lnRef idx="2">
+            <a:schemeClr val="accent1">
+              <a:shade val="50000"/>
+            </a:schemeClr>
+          </a:lnRef>
+          <a:fillRef idx="1">
+            <a:schemeClr val="accent1"/>
+          </a:fillRef>
+          <a:effectRef idx="0">
+            <a:schemeClr val="accent1"/>
+          </a:effectRef>
+          <a:fontRef idx="minor">
+            <a:schemeClr val="lt1"/>
+          </a:fontRef>
+        </p:style>
+        <p:txBody>
+          <a:bodyPr rtlCol="0" anchor="ctr"/>
+          <a:lstStyle/>
+          <a:p>
+            <a:pPr algn="ctr"/>
+            <a:r>
+              <a:rPr lang="en-US" altLang="ko-KR" dirty="0" smtClean="0"/>
+              <a:t>M6</a:t>
+            </a:r>
+            <a:endParaRPr lang="ko-KR" altLang="en-US" dirty="0"/>
+          </a:p>
+        </p:txBody>
+      </p:sp>
+      <p:sp>
+        <p:nvSpPr>
+          <p:cNvPr id="19" name="직사각형 18"/>
+          <p:cNvSpPr/>
+          <p:nvPr/>
+        </p:nvSpPr>
+        <p:spPr>
+          <a:xfrm>
+            <a:off x="7020272" y="4581128"/>
+            <a:ext cx="1800200" cy="720080"/>
+          </a:xfrm>
+          <a:prstGeom prst="rect">
+            <a:avLst/>
+          </a:prstGeom>
+        </p:spPr>
+        <p:style>
+          <a:lnRef idx="2">
+            <a:schemeClr val="accent1">
+              <a:shade val="50000"/>
+            </a:schemeClr>
+          </a:lnRef>
+          <a:fillRef idx="1">
+            <a:schemeClr val="accent1"/>
+          </a:fillRef>
+          <a:effectRef idx="0">
+            <a:schemeClr val="accent1"/>
+          </a:effectRef>
+          <a:fontRef idx="minor">
+            <a:schemeClr val="lt1"/>
+          </a:fontRef>
+        </p:style>
+        <p:txBody>
+          <a:bodyPr rtlCol="0" anchor="ctr"/>
+          <a:lstStyle/>
+          <a:p>
+            <a:pPr algn="ctr"/>
+            <a:r>
+              <a:rPr lang="en-US" altLang="ko-KR" dirty="0" smtClean="0"/>
+              <a:t>Machine 5</a:t>
+            </a:r>
+          </a:p>
+          <a:p>
+            <a:pPr algn="ctr"/>
+            <a:r>
+              <a:rPr lang="en-US" altLang="ko-KR" dirty="0" smtClean="0"/>
+              <a:t>Server</a:t>
+            </a:r>
+            <a:endParaRPr lang="ko-KR" altLang="en-US" dirty="0"/>
+          </a:p>
+        </p:txBody>
+      </p:sp>
+      <p:sp>
+        <p:nvSpPr>
+          <p:cNvPr id="20" name="TextBox 19"/>
+          <p:cNvSpPr txBox="1"/>
+          <p:nvPr/>
+        </p:nvSpPr>
+        <p:spPr>
+          <a:xfrm>
+            <a:off x="755576" y="5733256"/>
+            <a:ext cx="2160240" cy="369332"/>
+          </a:xfrm>
+          <a:prstGeom prst="rect">
+            <a:avLst/>
+          </a:prstGeom>
+          <a:noFill/>
+        </p:spPr>
+        <p:txBody>
+          <a:bodyPr wrap="square" rtlCol="0">
+            <a:spAutoFit/>
+          </a:bodyPr>
+          <a:lstStyle/>
+          <a:p>
+            <a:r>
+              <a:rPr lang="en-US" altLang="ko-KR" dirty="0" smtClean="0"/>
+              <a:t>192.168.185.10</a:t>
+            </a:r>
+            <a:endParaRPr lang="ko-KR" altLang="en-US" dirty="0"/>
+          </a:p>
+        </p:txBody>
+      </p:sp>
+      <p:sp>
+        <p:nvSpPr>
+          <p:cNvPr id="21" name="TextBox 20"/>
+          <p:cNvSpPr txBox="1"/>
+          <p:nvPr/>
+        </p:nvSpPr>
+        <p:spPr>
+          <a:xfrm>
+            <a:off x="6804248" y="1412776"/>
+            <a:ext cx="2160240" cy="369332"/>
+          </a:xfrm>
+          <a:prstGeom prst="rect">
+            <a:avLst/>
+          </a:prstGeom>
+          <a:noFill/>
+        </p:spPr>
+        <p:txBody>
+          <a:bodyPr wrap="square" rtlCol="0">
+            <a:spAutoFit/>
+          </a:bodyPr>
+          <a:lstStyle/>
+          <a:p>
+            <a:r>
+              <a:rPr lang="en-US" altLang="ko-KR" dirty="0" smtClean="0"/>
+              <a:t>192.168.185.11</a:t>
+            </a:r>
+            <a:endParaRPr lang="ko-KR" altLang="en-US" dirty="0"/>
+          </a:p>
+        </p:txBody>
+      </p:sp>
+      <p:sp>
+        <p:nvSpPr>
+          <p:cNvPr id="22" name="TextBox 21"/>
+          <p:cNvSpPr txBox="1"/>
+          <p:nvPr/>
+        </p:nvSpPr>
+        <p:spPr>
+          <a:xfrm>
+            <a:off x="6804248" y="2276872"/>
+            <a:ext cx="2160240" cy="369332"/>
+          </a:xfrm>
+          <a:prstGeom prst="rect">
+            <a:avLst/>
+          </a:prstGeom>
+          <a:noFill/>
+        </p:spPr>
+        <p:txBody>
+          <a:bodyPr wrap="square" rtlCol="0">
+            <a:spAutoFit/>
+          </a:bodyPr>
+          <a:lstStyle/>
+          <a:p>
+            <a:r>
+              <a:rPr lang="en-US" altLang="ko-KR" dirty="0" smtClean="0"/>
+              <a:t>192.168.185.12</a:t>
+            </a:r>
+            <a:endParaRPr lang="ko-KR" altLang="en-US" dirty="0"/>
+          </a:p>
+        </p:txBody>
+      </p:sp>
+      <p:sp>
+        <p:nvSpPr>
+          <p:cNvPr id="23" name="TextBox 22"/>
+          <p:cNvSpPr txBox="1"/>
+          <p:nvPr/>
+        </p:nvSpPr>
+        <p:spPr>
+          <a:xfrm>
+            <a:off x="6732240" y="3284984"/>
+            <a:ext cx="2160240" cy="369332"/>
+          </a:xfrm>
+          <a:prstGeom prst="rect">
+            <a:avLst/>
+          </a:prstGeom>
+          <a:noFill/>
+        </p:spPr>
+        <p:txBody>
+          <a:bodyPr wrap="square" rtlCol="0">
+            <a:spAutoFit/>
+          </a:bodyPr>
+          <a:lstStyle/>
+          <a:p>
+            <a:r>
+              <a:rPr lang="en-US" altLang="ko-KR" dirty="0" smtClean="0"/>
+              <a:t>192.168.185.13</a:t>
+            </a:r>
+            <a:endParaRPr lang="ko-KR" altLang="en-US" dirty="0"/>
+          </a:p>
+        </p:txBody>
+      </p:sp>
+      <p:sp>
+        <p:nvSpPr>
+          <p:cNvPr id="24" name="TextBox 23"/>
+          <p:cNvSpPr txBox="1"/>
+          <p:nvPr/>
+        </p:nvSpPr>
+        <p:spPr>
+          <a:xfrm>
+            <a:off x="6804248" y="4221088"/>
+            <a:ext cx="2160240" cy="369332"/>
+          </a:xfrm>
+          <a:prstGeom prst="rect">
+            <a:avLst/>
+          </a:prstGeom>
+          <a:noFill/>
+        </p:spPr>
+        <p:txBody>
+          <a:bodyPr wrap="square" rtlCol="0">
+            <a:spAutoFit/>
+          </a:bodyPr>
+          <a:lstStyle/>
+          <a:p>
+            <a:r>
+              <a:rPr lang="en-US" altLang="ko-KR" dirty="0" smtClean="0"/>
+              <a:t>192.168.185.14</a:t>
+            </a:r>
+            <a:endParaRPr lang="ko-KR" altLang="en-US" dirty="0"/>
+          </a:p>
+        </p:txBody>
+      </p:sp>
+      <p:sp>
+        <p:nvSpPr>
+          <p:cNvPr id="25" name="TextBox 24"/>
+          <p:cNvSpPr txBox="1"/>
+          <p:nvPr/>
+        </p:nvSpPr>
+        <p:spPr>
+          <a:xfrm>
+            <a:off x="6804248" y="5229200"/>
+            <a:ext cx="2160240" cy="369332"/>
+          </a:xfrm>
+          <a:prstGeom prst="rect">
+            <a:avLst/>
+          </a:prstGeom>
+          <a:noFill/>
+        </p:spPr>
+        <p:txBody>
+          <a:bodyPr wrap="square" rtlCol="0">
+            <a:spAutoFit/>
+          </a:bodyPr>
+          <a:lstStyle/>
+          <a:p>
+            <a:r>
+              <a:rPr lang="en-US" altLang="ko-KR" dirty="0" smtClean="0"/>
+              <a:t>192.168.185.15</a:t>
+            </a:r>
+            <a:endParaRPr lang="ko-KR" altLang="en-US" dirty="0"/>
+          </a:p>
+        </p:txBody>
+      </p:sp>
+      <p:sp>
+        <p:nvSpPr>
+          <p:cNvPr id="26" name="TextBox 25"/>
+          <p:cNvSpPr txBox="1"/>
+          <p:nvPr/>
+        </p:nvSpPr>
+        <p:spPr>
+          <a:xfrm>
+            <a:off x="6804248" y="6237312"/>
+            <a:ext cx="2160240" cy="369332"/>
+          </a:xfrm>
+          <a:prstGeom prst="rect">
+            <a:avLst/>
+          </a:prstGeom>
+          <a:noFill/>
+        </p:spPr>
+        <p:txBody>
+          <a:bodyPr wrap="square" rtlCol="0">
+            <a:spAutoFit/>
+          </a:bodyPr>
+          <a:lstStyle/>
+          <a:p>
+            <a:r>
+              <a:rPr lang="en-US" altLang="ko-KR" dirty="0" smtClean="0"/>
+              <a:t>192.168.185.16</a:t>
+            </a:r>
+            <a:endParaRPr lang="ko-KR" altLang="en-US" dirty="0"/>
+          </a:p>
+        </p:txBody>
+      </p:sp>
+      <p:sp>
+        <p:nvSpPr>
+          <p:cNvPr id="27" name="TextBox 26"/>
+          <p:cNvSpPr txBox="1"/>
+          <p:nvPr/>
+        </p:nvSpPr>
+        <p:spPr>
+          <a:xfrm>
+            <a:off x="611560" y="1844824"/>
+            <a:ext cx="2088232" cy="369332"/>
+          </a:xfrm>
+          <a:prstGeom prst="rect">
+            <a:avLst/>
+          </a:prstGeom>
+          <a:noFill/>
+        </p:spPr>
+        <p:txBody>
+          <a:bodyPr wrap="square" rtlCol="0">
+            <a:spAutoFit/>
+          </a:bodyPr>
+          <a:lstStyle/>
+          <a:p>
+            <a:r>
+              <a:rPr lang="en-US" altLang="ko-KR" dirty="0" smtClean="0"/>
+              <a:t>192.168.185.17</a:t>
+            </a:r>
+            <a:endParaRPr lang="ko-KR" altLang="en-US" dirty="0"/>
+          </a:p>
+        </p:txBody>
+      </p:sp>
+      <p:sp>
+        <p:nvSpPr>
+          <p:cNvPr id="28" name="TextBox 27"/>
+          <p:cNvSpPr txBox="1"/>
+          <p:nvPr/>
+        </p:nvSpPr>
+        <p:spPr>
+          <a:xfrm>
+            <a:off x="3419872" y="5589240"/>
+            <a:ext cx="2952328" cy="1200329"/>
+          </a:xfrm>
+          <a:prstGeom prst="rect">
+            <a:avLst/>
+          </a:prstGeom>
+          <a:noFill/>
+        </p:spPr>
+        <p:txBody>
+          <a:bodyPr wrap="square" rtlCol="0">
+            <a:spAutoFit/>
+          </a:bodyPr>
+          <a:lstStyle/>
+          <a:p>
+            <a:r>
+              <a:rPr lang="en-US" altLang="ko-KR" dirty="0" smtClean="0"/>
+              <a:t>*</a:t>
+            </a:r>
+            <a:r>
+              <a:rPr lang="ko-KR" altLang="en-US" dirty="0" smtClean="0"/>
+              <a:t>초기에 </a:t>
+            </a:r>
+            <a:r>
+              <a:rPr lang="en-US" altLang="ko-KR" dirty="0" smtClean="0"/>
+              <a:t>User H/P</a:t>
+            </a:r>
+            <a:r>
+              <a:rPr lang="ko-KR" altLang="en-US" dirty="0" smtClean="0"/>
+              <a:t>이 </a:t>
+            </a:r>
+            <a:r>
+              <a:rPr lang="en-US" altLang="ko-KR" dirty="0" smtClean="0"/>
+              <a:t>Main Menu Server 192.168.185.10</a:t>
+            </a:r>
+            <a:r>
+              <a:rPr lang="ko-KR" altLang="en-US" dirty="0" smtClean="0"/>
+              <a:t>에 접속 </a:t>
+            </a:r>
+            <a:r>
+              <a:rPr lang="en-US" altLang="ko-KR" dirty="0" smtClean="0"/>
+              <a:t>Main</a:t>
+            </a:r>
+            <a:r>
+              <a:rPr lang="ko-KR" altLang="en-US" dirty="0" smtClean="0"/>
+              <a:t>화면 </a:t>
+            </a:r>
+            <a:r>
+              <a:rPr lang="en-US" altLang="ko-KR" dirty="0" smtClean="0"/>
+              <a:t>Display</a:t>
+            </a:r>
+            <a:endParaRPr lang="ko-KR" altLang="en-US" dirty="0"/>
+          </a:p>
+        </p:txBody>
+      </p:sp>
+    </p:spTree>
+  </p:cSld>
+  <p:clrMapOvr>
+    <a:masterClrMapping/>
+  </p:clrMapOvr>
+</p:sld>
+</file>
+
+<file path=ppt/slides/slide5.xml><?xml version="1.0" encoding="utf-8"?>
+<p:sld xmlns:a="http://schemas.openxmlformats.org/drawingml/2006/main" xmlns:r="http://schemas.openxmlformats.org/officeDocument/2006/relationships" xmlns:p="http://schemas.openxmlformats.org/presentationml/2006/main">
+  <p:cSld>
+    <p:spTree>
+      <p:nvGrpSpPr>
+        <p:cNvPr id="1" name=""/>
+        <p:cNvGrpSpPr/>
+        <p:nvPr/>
+      </p:nvGrpSpPr>
+      <p:grpSpPr>
+        <a:xfrm>
+          <a:off x="0" y="0"/>
+          <a:ext cx="0" cy="0"/>
+          <a:chOff x="0" y="0"/>
+          <a:chExt cx="0" cy="0"/>
+        </a:xfrm>
+      </p:grpSpPr>
+      <p:sp>
+        <p:nvSpPr>
+          <p:cNvPr id="2" name="제목 1"/>
+          <p:cNvSpPr>
+            <a:spLocks noGrp="1"/>
+          </p:cNvSpPr>
+          <p:nvPr>
+            <p:ph type="title"/>
+          </p:nvPr>
+        </p:nvSpPr>
+        <p:spPr/>
+        <p:txBody>
+          <a:bodyPr/>
+          <a:lstStyle/>
+          <a:p>
+            <a:r>
+              <a:rPr lang="ko-KR" altLang="en-US" dirty="0" smtClean="0"/>
+              <a:t>전체 </a:t>
+            </a:r>
+            <a:r>
+              <a:rPr lang="en-US" altLang="ko-KR" dirty="0" smtClean="0"/>
+              <a:t>System</a:t>
+            </a:r>
+            <a:r>
+              <a:rPr lang="ko-KR" altLang="en-US" dirty="0" smtClean="0"/>
+              <a:t>구성</a:t>
+            </a:r>
+            <a:endParaRPr lang="ko-KR" altLang="en-US" dirty="0"/>
+          </a:p>
+        </p:txBody>
+      </p:sp>
+      <p:sp>
+        <p:nvSpPr>
+          <p:cNvPr id="4" name="모서리가 둥근 직사각형 3"/>
+          <p:cNvSpPr/>
+          <p:nvPr/>
+        </p:nvSpPr>
+        <p:spPr>
+          <a:xfrm>
+            <a:off x="611560" y="3212976"/>
+            <a:ext cx="2448272" cy="2448272"/>
+          </a:xfrm>
+          <a:prstGeom prst="roundRect">
+            <a:avLst/>
+          </a:prstGeom>
+        </p:spPr>
+        <p:style>
+          <a:lnRef idx="2">
+            <a:schemeClr val="accent1">
+              <a:shade val="50000"/>
+            </a:schemeClr>
+          </a:lnRef>
+          <a:fillRef idx="1">
+            <a:schemeClr val="accent1"/>
+          </a:fillRef>
+          <a:effectRef idx="0">
+            <a:schemeClr val="accent1"/>
+          </a:effectRef>
+          <a:fontRef idx="minor">
+            <a:schemeClr val="lt1"/>
+          </a:fontRef>
+        </p:style>
+        <p:txBody>
+          <a:bodyPr rtlCol="0" anchor="ctr"/>
+          <a:lstStyle/>
+          <a:p>
+            <a:pPr algn="ctr"/>
+            <a:r>
+              <a:rPr lang="en-US" altLang="ko-KR" dirty="0" smtClean="0"/>
+              <a:t>Main Menu</a:t>
+            </a:r>
+          </a:p>
+          <a:p>
+            <a:pPr algn="ctr"/>
+            <a:r>
+              <a:rPr lang="en-US" altLang="ko-KR" dirty="0" smtClean="0"/>
+              <a:t>Server</a:t>
+            </a:r>
+            <a:endParaRPr lang="ko-KR" altLang="en-US" dirty="0"/>
+          </a:p>
+        </p:txBody>
+      </p:sp>
+      <p:sp>
+        <p:nvSpPr>
+          <p:cNvPr id="5" name="타원 4"/>
+          <p:cNvSpPr/>
+          <p:nvPr/>
+        </p:nvSpPr>
+        <p:spPr>
+          <a:xfrm>
+            <a:off x="3923928" y="3068960"/>
+            <a:ext cx="2376264" cy="2520280"/>
+          </a:xfrm>
+          <a:prstGeom prst="ellipse">
+            <a:avLst/>
+          </a:prstGeom>
+        </p:spPr>
+        <p:style>
+          <a:lnRef idx="2">
+            <a:schemeClr val="accent1">
+              <a:shade val="50000"/>
+            </a:schemeClr>
+          </a:lnRef>
+          <a:fillRef idx="1">
+            <a:schemeClr val="accent1"/>
+          </a:fillRef>
+          <a:effectRef idx="0">
+            <a:schemeClr val="accent1"/>
+          </a:effectRef>
+          <a:fontRef idx="minor">
+            <a:schemeClr val="lt1"/>
+          </a:fontRef>
+        </p:style>
+        <p:txBody>
+          <a:bodyPr rtlCol="0" anchor="ctr"/>
+          <a:lstStyle/>
+          <a:p>
+            <a:pPr algn="ctr"/>
+            <a:r>
+              <a:rPr lang="en-US" altLang="ko-KR" dirty="0" err="1" smtClean="0"/>
+              <a:t>Wifi</a:t>
+            </a:r>
+            <a:endParaRPr lang="en-US" altLang="ko-KR" dirty="0" smtClean="0"/>
+          </a:p>
+        </p:txBody>
+      </p:sp>
+      <p:sp>
+        <p:nvSpPr>
+          <p:cNvPr id="6" name="직사각형 5"/>
+          <p:cNvSpPr/>
+          <p:nvPr/>
+        </p:nvSpPr>
+        <p:spPr>
+          <a:xfrm>
+            <a:off x="7020272" y="1700808"/>
+            <a:ext cx="1800200" cy="720080"/>
+          </a:xfrm>
+          <a:prstGeom prst="rect">
+            <a:avLst/>
+          </a:prstGeom>
+        </p:spPr>
+        <p:style>
+          <a:lnRef idx="2">
+            <a:schemeClr val="accent1">
+              <a:shade val="50000"/>
+            </a:schemeClr>
+          </a:lnRef>
+          <a:fillRef idx="1">
+            <a:schemeClr val="accent1"/>
+          </a:fillRef>
+          <a:effectRef idx="0">
+            <a:schemeClr val="accent1"/>
+          </a:effectRef>
+          <a:fontRef idx="minor">
+            <a:schemeClr val="lt1"/>
+          </a:fontRef>
+        </p:style>
+        <p:txBody>
+          <a:bodyPr rtlCol="0" anchor="ctr"/>
+          <a:lstStyle/>
+          <a:p>
+            <a:pPr algn="ctr"/>
+            <a:r>
+              <a:rPr lang="en-US" altLang="ko-KR" dirty="0" smtClean="0"/>
+              <a:t>Machine 2</a:t>
+            </a:r>
+          </a:p>
+          <a:p>
+            <a:pPr algn="ctr"/>
+            <a:r>
+              <a:rPr lang="en-US" altLang="ko-KR" dirty="0" smtClean="0"/>
+              <a:t>Server</a:t>
+            </a:r>
+            <a:endParaRPr lang="ko-KR" altLang="en-US" dirty="0"/>
+          </a:p>
+        </p:txBody>
+      </p:sp>
+      <p:sp>
+        <p:nvSpPr>
+          <p:cNvPr id="7" name="직사각형 6"/>
+          <p:cNvSpPr/>
+          <p:nvPr/>
+        </p:nvSpPr>
+        <p:spPr>
+          <a:xfrm>
+            <a:off x="7020272" y="692696"/>
+            <a:ext cx="1800200" cy="720080"/>
+          </a:xfrm>
+          <a:prstGeom prst="rect">
+            <a:avLst/>
+          </a:prstGeom>
+        </p:spPr>
+        <p:style>
+          <a:lnRef idx="2">
+            <a:schemeClr val="accent1">
+              <a:shade val="50000"/>
+            </a:schemeClr>
+          </a:lnRef>
+          <a:fillRef idx="1">
+            <a:schemeClr val="accent1"/>
+          </a:fillRef>
+          <a:effectRef idx="0">
+            <a:schemeClr val="accent1"/>
+          </a:effectRef>
+          <a:fontRef idx="minor">
+            <a:schemeClr val="lt1"/>
+          </a:fontRef>
+        </p:style>
+        <p:txBody>
+          <a:bodyPr rtlCol="0" anchor="ctr"/>
+          <a:lstStyle/>
+          <a:p>
+            <a:pPr algn="ctr"/>
+            <a:r>
+              <a:rPr lang="en-US" altLang="ko-KR" dirty="0" smtClean="0"/>
+              <a:t>Machine 1</a:t>
+            </a:r>
+          </a:p>
+          <a:p>
+            <a:pPr algn="ctr"/>
+            <a:r>
+              <a:rPr lang="en-US" altLang="ko-KR" dirty="0" smtClean="0"/>
+              <a:t>Server</a:t>
+            </a:r>
+            <a:endParaRPr lang="ko-KR" altLang="en-US" dirty="0"/>
+          </a:p>
+        </p:txBody>
+      </p:sp>
+      <p:sp>
+        <p:nvSpPr>
+          <p:cNvPr id="8" name="직사각형 7"/>
+          <p:cNvSpPr/>
+          <p:nvPr/>
+        </p:nvSpPr>
+        <p:spPr>
+          <a:xfrm>
+            <a:off x="7020272" y="2636912"/>
+            <a:ext cx="1800200" cy="720080"/>
+          </a:xfrm>
+          <a:prstGeom prst="rect">
+            <a:avLst/>
+          </a:prstGeom>
+        </p:spPr>
+        <p:style>
+          <a:lnRef idx="2">
+            <a:schemeClr val="accent1">
+              <a:shade val="50000"/>
+            </a:schemeClr>
+          </a:lnRef>
+          <a:fillRef idx="1">
+            <a:schemeClr val="accent1"/>
+          </a:fillRef>
+          <a:effectRef idx="0">
+            <a:schemeClr val="accent1"/>
+          </a:effectRef>
+          <a:fontRef idx="minor">
+            <a:schemeClr val="lt1"/>
+          </a:fontRef>
+        </p:style>
+        <p:txBody>
+          <a:bodyPr rtlCol="0" anchor="ctr"/>
+          <a:lstStyle/>
+          <a:p>
+            <a:pPr algn="ctr"/>
+            <a:r>
+              <a:rPr lang="en-US" altLang="ko-KR" dirty="0" smtClean="0"/>
+              <a:t>Machine 3</a:t>
+            </a:r>
+          </a:p>
+          <a:p>
+            <a:pPr algn="ctr"/>
+            <a:r>
+              <a:rPr lang="en-US" altLang="ko-KR" dirty="0" smtClean="0"/>
+              <a:t>Server</a:t>
+            </a:r>
+            <a:endParaRPr lang="ko-KR" altLang="en-US" dirty="0"/>
+          </a:p>
+        </p:txBody>
+      </p:sp>
+      <p:sp>
+        <p:nvSpPr>
+          <p:cNvPr id="9" name="직사각형 8"/>
+          <p:cNvSpPr/>
+          <p:nvPr/>
+        </p:nvSpPr>
+        <p:spPr>
+          <a:xfrm>
+            <a:off x="7020272" y="3645024"/>
+            <a:ext cx="1800200" cy="720080"/>
+          </a:xfrm>
+          <a:prstGeom prst="rect">
+            <a:avLst/>
+          </a:prstGeom>
+        </p:spPr>
+        <p:style>
+          <a:lnRef idx="2">
+            <a:schemeClr val="accent1">
+              <a:shade val="50000"/>
+            </a:schemeClr>
+          </a:lnRef>
+          <a:fillRef idx="1">
+            <a:schemeClr val="accent1"/>
+          </a:fillRef>
+          <a:effectRef idx="0">
+            <a:schemeClr val="accent1"/>
+          </a:effectRef>
+          <a:fontRef idx="minor">
+            <a:schemeClr val="lt1"/>
+          </a:fontRef>
+        </p:style>
+        <p:txBody>
+          <a:bodyPr rtlCol="0" anchor="ctr"/>
+          <a:lstStyle/>
+          <a:p>
+            <a:pPr algn="ctr"/>
+            <a:r>
+              <a:rPr lang="en-US" altLang="ko-KR" dirty="0" smtClean="0"/>
+              <a:t>Machine 4</a:t>
+            </a:r>
+          </a:p>
+          <a:p>
+            <a:pPr algn="ctr"/>
+            <a:r>
+              <a:rPr lang="en-US" altLang="ko-KR" dirty="0" smtClean="0"/>
+              <a:t>Server</a:t>
+            </a:r>
+            <a:endParaRPr lang="ko-KR" altLang="en-US" dirty="0"/>
+          </a:p>
+        </p:txBody>
+      </p:sp>
+      <p:sp>
+        <p:nvSpPr>
+          <p:cNvPr id="10" name="직사각형 9"/>
+          <p:cNvSpPr/>
+          <p:nvPr/>
+        </p:nvSpPr>
+        <p:spPr>
+          <a:xfrm>
+            <a:off x="7020272" y="5589240"/>
+            <a:ext cx="1800200" cy="720080"/>
+          </a:xfrm>
+          <a:prstGeom prst="rect">
+            <a:avLst/>
+          </a:prstGeom>
+        </p:spPr>
+        <p:style>
+          <a:lnRef idx="2">
+            <a:schemeClr val="accent1">
+              <a:shade val="50000"/>
+            </a:schemeClr>
+          </a:lnRef>
+          <a:fillRef idx="1">
+            <a:schemeClr val="accent1"/>
+          </a:fillRef>
+          <a:effectRef idx="0">
+            <a:schemeClr val="accent1"/>
+          </a:effectRef>
+          <a:fontRef idx="minor">
+            <a:schemeClr val="lt1"/>
+          </a:fontRef>
+        </p:style>
+        <p:txBody>
+          <a:bodyPr rtlCol="0" anchor="ctr"/>
+          <a:lstStyle/>
+          <a:p>
+            <a:pPr algn="ctr"/>
+            <a:r>
+              <a:rPr lang="en-US" altLang="ko-KR" dirty="0" smtClean="0"/>
+              <a:t>Machine 5</a:t>
+            </a:r>
+          </a:p>
+          <a:p>
+            <a:pPr algn="ctr"/>
+            <a:r>
+              <a:rPr lang="en-US" altLang="ko-KR" dirty="0" smtClean="0"/>
+              <a:t>Server</a:t>
+            </a:r>
+            <a:endParaRPr lang="ko-KR" altLang="en-US" dirty="0"/>
+          </a:p>
+        </p:txBody>
+      </p:sp>
+      <p:sp>
+        <p:nvSpPr>
+          <p:cNvPr id="11" name="직사각형 10"/>
+          <p:cNvSpPr/>
+          <p:nvPr/>
+        </p:nvSpPr>
+        <p:spPr>
+          <a:xfrm>
+            <a:off x="2699792" y="1196752"/>
+            <a:ext cx="2016224" cy="1944216"/>
+          </a:xfrm>
+          <a:prstGeom prst="rect">
+            <a:avLst/>
+          </a:prstGeom>
+        </p:spPr>
+        <p:style>
+          <a:lnRef idx="2">
+            <a:schemeClr val="accent1">
+              <a:shade val="50000"/>
+            </a:schemeClr>
+          </a:lnRef>
+          <a:fillRef idx="1">
+            <a:schemeClr val="accent1"/>
+          </a:fillRef>
+          <a:effectRef idx="0">
+            <a:schemeClr val="accent1"/>
+          </a:effectRef>
+          <a:fontRef idx="minor">
+            <a:schemeClr val="lt1"/>
+          </a:fontRef>
+        </p:style>
+        <p:txBody>
+          <a:bodyPr rtlCol="0" anchor="ctr"/>
+          <a:lstStyle/>
+          <a:p>
+            <a:pPr algn="ctr"/>
+            <a:endParaRPr lang="ko-KR" altLang="en-US"/>
+          </a:p>
+        </p:txBody>
+      </p:sp>
+      <p:sp>
+        <p:nvSpPr>
+          <p:cNvPr id="12" name="TextBox 11"/>
+          <p:cNvSpPr txBox="1"/>
+          <p:nvPr/>
+        </p:nvSpPr>
+        <p:spPr>
+          <a:xfrm>
+            <a:off x="1115616" y="1412776"/>
+            <a:ext cx="1512168" cy="369332"/>
+          </a:xfrm>
+          <a:prstGeom prst="rect">
+            <a:avLst/>
+          </a:prstGeom>
+          <a:noFill/>
+        </p:spPr>
+        <p:txBody>
+          <a:bodyPr wrap="square" rtlCol="0">
+            <a:spAutoFit/>
+          </a:bodyPr>
+          <a:lstStyle/>
+          <a:p>
+            <a:r>
+              <a:rPr lang="en-US" altLang="ko-KR" smtClean="0"/>
+              <a:t>User </a:t>
+            </a:r>
+            <a:r>
+              <a:rPr lang="ko-KR" altLang="en-US" dirty="0" smtClean="0"/>
+              <a:t>핸드폰</a:t>
+            </a:r>
+            <a:endParaRPr lang="ko-KR" altLang="en-US" dirty="0"/>
+          </a:p>
+        </p:txBody>
+      </p:sp>
+      <p:sp>
+        <p:nvSpPr>
+          <p:cNvPr id="13" name="모서리가 둥근 직사각형 12"/>
+          <p:cNvSpPr/>
+          <p:nvPr/>
+        </p:nvSpPr>
+        <p:spPr>
+          <a:xfrm>
+            <a:off x="2843808" y="1412776"/>
+            <a:ext cx="720080" cy="360040"/>
+          </a:xfrm>
+          <a:prstGeom prst="roundRect">
+            <a:avLst/>
+          </a:prstGeom>
+        </p:spPr>
+        <p:style>
+          <a:lnRef idx="2">
+            <a:schemeClr val="accent1">
+              <a:shade val="50000"/>
+            </a:schemeClr>
+          </a:lnRef>
+          <a:fillRef idx="1">
+            <a:schemeClr val="accent1"/>
+          </a:fillRef>
+          <a:effectRef idx="0">
+            <a:schemeClr val="accent1"/>
+          </a:effectRef>
+          <a:fontRef idx="minor">
+            <a:schemeClr val="lt1"/>
+          </a:fontRef>
+        </p:style>
+        <p:txBody>
+          <a:bodyPr rtlCol="0" anchor="ctr"/>
+          <a:lstStyle/>
+          <a:p>
+            <a:pPr algn="ctr"/>
+            <a:r>
+              <a:rPr lang="en-US" altLang="ko-KR" dirty="0" smtClean="0"/>
+              <a:t>M1</a:t>
+            </a:r>
+            <a:endParaRPr lang="ko-KR" altLang="en-US" dirty="0"/>
+          </a:p>
+        </p:txBody>
+      </p:sp>
+      <p:sp>
+        <p:nvSpPr>
+          <p:cNvPr id="14" name="모서리가 둥근 직사각형 13"/>
+          <p:cNvSpPr/>
+          <p:nvPr/>
+        </p:nvSpPr>
+        <p:spPr>
+          <a:xfrm>
+            <a:off x="2843808" y="1916832"/>
+            <a:ext cx="720080" cy="360040"/>
+          </a:xfrm>
+          <a:prstGeom prst="roundRect">
+            <a:avLst/>
+          </a:prstGeom>
+        </p:spPr>
+        <p:style>
+          <a:lnRef idx="2">
+            <a:schemeClr val="accent1">
+              <a:shade val="50000"/>
+            </a:schemeClr>
+          </a:lnRef>
+          <a:fillRef idx="1">
+            <a:schemeClr val="accent1"/>
+          </a:fillRef>
+          <a:effectRef idx="0">
+            <a:schemeClr val="accent1"/>
+          </a:effectRef>
+          <a:fontRef idx="minor">
+            <a:schemeClr val="lt1"/>
+          </a:fontRef>
+        </p:style>
+        <p:txBody>
+          <a:bodyPr rtlCol="0" anchor="ctr"/>
+          <a:lstStyle/>
+          <a:p>
+            <a:pPr algn="ctr"/>
+            <a:r>
+              <a:rPr lang="en-US" altLang="ko-KR" dirty="0" smtClean="0"/>
+              <a:t>M3</a:t>
+            </a:r>
+            <a:endParaRPr lang="ko-KR" altLang="en-US" dirty="0"/>
+          </a:p>
+        </p:txBody>
+      </p:sp>
+      <p:sp>
+        <p:nvSpPr>
+          <p:cNvPr id="15" name="모서리가 둥근 직사각형 14"/>
+          <p:cNvSpPr/>
+          <p:nvPr/>
+        </p:nvSpPr>
+        <p:spPr>
+          <a:xfrm>
+            <a:off x="3851920" y="1412776"/>
+            <a:ext cx="720080" cy="360040"/>
+          </a:xfrm>
+          <a:prstGeom prst="roundRect">
+            <a:avLst/>
+          </a:prstGeom>
+        </p:spPr>
+        <p:style>
+          <a:lnRef idx="2">
+            <a:schemeClr val="accent1">
+              <a:shade val="50000"/>
+            </a:schemeClr>
+          </a:lnRef>
+          <a:fillRef idx="1">
+            <a:schemeClr val="accent1"/>
+          </a:fillRef>
+          <a:effectRef idx="0">
+            <a:schemeClr val="accent1"/>
+          </a:effectRef>
+          <a:fontRef idx="minor">
+            <a:schemeClr val="lt1"/>
+          </a:fontRef>
+        </p:style>
+        <p:txBody>
+          <a:bodyPr rtlCol="0" anchor="ctr"/>
+          <a:lstStyle/>
+          <a:p>
+            <a:pPr algn="ctr"/>
+            <a:r>
+              <a:rPr lang="en-US" altLang="ko-KR" dirty="0" smtClean="0"/>
+              <a:t>M2</a:t>
+            </a:r>
+            <a:endParaRPr lang="ko-KR" altLang="en-US" dirty="0"/>
+          </a:p>
+        </p:txBody>
+      </p:sp>
+      <p:sp>
+        <p:nvSpPr>
+          <p:cNvPr id="16" name="모서리가 둥근 직사각형 15"/>
+          <p:cNvSpPr/>
+          <p:nvPr/>
+        </p:nvSpPr>
+        <p:spPr>
+          <a:xfrm>
+            <a:off x="2843808" y="2492896"/>
+            <a:ext cx="720080" cy="360040"/>
+          </a:xfrm>
+          <a:prstGeom prst="roundRect">
+            <a:avLst/>
+          </a:prstGeom>
+        </p:spPr>
+        <p:style>
+          <a:lnRef idx="2">
+            <a:schemeClr val="accent1">
+              <a:shade val="50000"/>
+            </a:schemeClr>
+          </a:lnRef>
+          <a:fillRef idx="1">
+            <a:schemeClr val="accent1"/>
+          </a:fillRef>
+          <a:effectRef idx="0">
+            <a:schemeClr val="accent1"/>
+          </a:effectRef>
+          <a:fontRef idx="minor">
+            <a:schemeClr val="lt1"/>
+          </a:fontRef>
+        </p:style>
+        <p:txBody>
+          <a:bodyPr rtlCol="0" anchor="ctr"/>
+          <a:lstStyle/>
+          <a:p>
+            <a:pPr algn="ctr"/>
+            <a:r>
+              <a:rPr lang="en-US" altLang="ko-KR" dirty="0" smtClean="0"/>
+              <a:t>M5</a:t>
+            </a:r>
+            <a:endParaRPr lang="ko-KR" altLang="en-US" dirty="0"/>
+          </a:p>
+        </p:txBody>
+      </p:sp>
+      <p:sp>
+        <p:nvSpPr>
+          <p:cNvPr id="17" name="모서리가 둥근 직사각형 16"/>
+          <p:cNvSpPr/>
+          <p:nvPr/>
+        </p:nvSpPr>
+        <p:spPr>
+          <a:xfrm>
+            <a:off x="3851920" y="1916832"/>
+            <a:ext cx="720080" cy="360040"/>
+          </a:xfrm>
+          <a:prstGeom prst="roundRect">
+            <a:avLst/>
+          </a:prstGeom>
+        </p:spPr>
+        <p:style>
+          <a:lnRef idx="2">
+            <a:schemeClr val="accent1">
+              <a:shade val="50000"/>
+            </a:schemeClr>
+          </a:lnRef>
+          <a:fillRef idx="1">
+            <a:schemeClr val="accent1"/>
+          </a:fillRef>
+          <a:effectRef idx="0">
+            <a:schemeClr val="accent1"/>
+          </a:effectRef>
+          <a:fontRef idx="minor">
+            <a:schemeClr val="lt1"/>
+          </a:fontRef>
+        </p:style>
+        <p:txBody>
+          <a:bodyPr rtlCol="0" anchor="ctr"/>
+          <a:lstStyle/>
+          <a:p>
+            <a:pPr algn="ctr"/>
+            <a:r>
+              <a:rPr lang="en-US" altLang="ko-KR" dirty="0" smtClean="0"/>
+              <a:t>M4</a:t>
+            </a:r>
+            <a:endParaRPr lang="ko-KR" altLang="en-US" dirty="0"/>
+          </a:p>
+        </p:txBody>
+      </p:sp>
+      <p:sp>
+        <p:nvSpPr>
+          <p:cNvPr id="18" name="모서리가 둥근 직사각형 17"/>
+          <p:cNvSpPr/>
+          <p:nvPr/>
+        </p:nvSpPr>
+        <p:spPr>
+          <a:xfrm>
+            <a:off x="3851920" y="2492896"/>
+            <a:ext cx="720080" cy="360040"/>
+          </a:xfrm>
+          <a:prstGeom prst="roundRect">
+            <a:avLst/>
+          </a:prstGeom>
+        </p:spPr>
+        <p:style>
+          <a:lnRef idx="2">
+            <a:schemeClr val="accent1">
+              <a:shade val="50000"/>
+            </a:schemeClr>
+          </a:lnRef>
+          <a:fillRef idx="1">
+            <a:schemeClr val="accent1"/>
+          </a:fillRef>
+          <a:effectRef idx="0">
+            <a:schemeClr val="accent1"/>
+          </a:effectRef>
+          <a:fontRef idx="minor">
+            <a:schemeClr val="lt1"/>
+          </a:fontRef>
+        </p:style>
+        <p:txBody>
+          <a:bodyPr rtlCol="0" anchor="ctr"/>
+          <a:lstStyle/>
+          <a:p>
+            <a:pPr algn="ctr"/>
+            <a:r>
+              <a:rPr lang="en-US" altLang="ko-KR" dirty="0" smtClean="0"/>
+              <a:t>M6</a:t>
+            </a:r>
+            <a:endParaRPr lang="ko-KR" altLang="en-US" dirty="0"/>
+          </a:p>
+        </p:txBody>
+      </p:sp>
+      <p:sp>
+        <p:nvSpPr>
+          <p:cNvPr id="19" name="직사각형 18"/>
+          <p:cNvSpPr/>
+          <p:nvPr/>
+        </p:nvSpPr>
+        <p:spPr>
+          <a:xfrm>
+            <a:off x="7020272" y="4581128"/>
+            <a:ext cx="1800200" cy="720080"/>
+          </a:xfrm>
+          <a:prstGeom prst="rect">
+            <a:avLst/>
+          </a:prstGeom>
+        </p:spPr>
+        <p:style>
+          <a:lnRef idx="2">
+            <a:schemeClr val="accent1">
+              <a:shade val="50000"/>
+            </a:schemeClr>
+          </a:lnRef>
+          <a:fillRef idx="1">
+            <a:schemeClr val="accent1"/>
+          </a:fillRef>
+          <a:effectRef idx="0">
+            <a:schemeClr val="accent1"/>
+          </a:effectRef>
+          <a:fontRef idx="minor">
+            <a:schemeClr val="lt1"/>
+          </a:fontRef>
+        </p:style>
+        <p:txBody>
+          <a:bodyPr rtlCol="0" anchor="ctr"/>
+          <a:lstStyle/>
+          <a:p>
+            <a:pPr algn="ctr"/>
+            <a:r>
+              <a:rPr lang="en-US" altLang="ko-KR" dirty="0" smtClean="0"/>
+              <a:t>Machine 5</a:t>
+            </a:r>
+          </a:p>
+          <a:p>
+            <a:pPr algn="ctr"/>
+            <a:r>
+              <a:rPr lang="en-US" altLang="ko-KR" dirty="0" smtClean="0"/>
+              <a:t>Server</a:t>
+            </a:r>
+            <a:endParaRPr lang="ko-KR" altLang="en-US" dirty="0"/>
+          </a:p>
+        </p:txBody>
+      </p:sp>
+      <p:sp>
+        <p:nvSpPr>
+          <p:cNvPr id="20" name="TextBox 19"/>
+          <p:cNvSpPr txBox="1"/>
+          <p:nvPr/>
+        </p:nvSpPr>
+        <p:spPr>
+          <a:xfrm>
+            <a:off x="755576" y="5733256"/>
+            <a:ext cx="2160240" cy="369332"/>
+          </a:xfrm>
+          <a:prstGeom prst="rect">
+            <a:avLst/>
+          </a:prstGeom>
+          <a:noFill/>
+        </p:spPr>
+        <p:txBody>
+          <a:bodyPr wrap="square" rtlCol="0">
+            <a:spAutoFit/>
+          </a:bodyPr>
+          <a:lstStyle/>
+          <a:p>
+            <a:r>
+              <a:rPr lang="en-US" altLang="ko-KR" dirty="0" smtClean="0"/>
+              <a:t>192.168.185.10</a:t>
+            </a:r>
+            <a:endParaRPr lang="ko-KR" altLang="en-US" dirty="0"/>
+          </a:p>
+        </p:txBody>
+      </p:sp>
+      <p:sp>
+        <p:nvSpPr>
+          <p:cNvPr id="21" name="TextBox 20"/>
+          <p:cNvSpPr txBox="1"/>
+          <p:nvPr/>
+        </p:nvSpPr>
+        <p:spPr>
+          <a:xfrm>
+            <a:off x="6804248" y="1412776"/>
+            <a:ext cx="2160240" cy="369332"/>
+          </a:xfrm>
+          <a:prstGeom prst="rect">
+            <a:avLst/>
+          </a:prstGeom>
+          <a:noFill/>
+        </p:spPr>
+        <p:txBody>
+          <a:bodyPr wrap="square" rtlCol="0">
+            <a:spAutoFit/>
+          </a:bodyPr>
+          <a:lstStyle/>
+          <a:p>
+            <a:r>
+              <a:rPr lang="en-US" altLang="ko-KR" dirty="0" smtClean="0"/>
+              <a:t>192.168.185.11</a:t>
+            </a:r>
+            <a:endParaRPr lang="ko-KR" altLang="en-US" dirty="0"/>
+          </a:p>
+        </p:txBody>
+      </p:sp>
+      <p:sp>
+        <p:nvSpPr>
+          <p:cNvPr id="22" name="TextBox 21"/>
+          <p:cNvSpPr txBox="1"/>
+          <p:nvPr/>
+        </p:nvSpPr>
+        <p:spPr>
+          <a:xfrm>
+            <a:off x="6804248" y="2276872"/>
+            <a:ext cx="2160240" cy="369332"/>
+          </a:xfrm>
+          <a:prstGeom prst="rect">
+            <a:avLst/>
+          </a:prstGeom>
+          <a:noFill/>
+        </p:spPr>
+        <p:txBody>
+          <a:bodyPr wrap="square" rtlCol="0">
+            <a:spAutoFit/>
+          </a:bodyPr>
+          <a:lstStyle/>
+          <a:p>
+            <a:r>
+              <a:rPr lang="en-US" altLang="ko-KR" dirty="0" smtClean="0"/>
+              <a:t>192.168.185.12</a:t>
+            </a:r>
+            <a:endParaRPr lang="ko-KR" altLang="en-US" dirty="0"/>
+          </a:p>
+        </p:txBody>
+      </p:sp>
+      <p:sp>
+        <p:nvSpPr>
+          <p:cNvPr id="23" name="TextBox 22"/>
+          <p:cNvSpPr txBox="1"/>
+          <p:nvPr/>
+        </p:nvSpPr>
+        <p:spPr>
+          <a:xfrm>
+            <a:off x="6732240" y="3284984"/>
+            <a:ext cx="2160240" cy="369332"/>
+          </a:xfrm>
+          <a:prstGeom prst="rect">
+            <a:avLst/>
+          </a:prstGeom>
+          <a:noFill/>
+        </p:spPr>
+        <p:txBody>
+          <a:bodyPr wrap="square" rtlCol="0">
+            <a:spAutoFit/>
+          </a:bodyPr>
+          <a:lstStyle/>
+          <a:p>
+            <a:r>
+              <a:rPr lang="en-US" altLang="ko-KR" dirty="0" smtClean="0"/>
+              <a:t>192.168.185.13</a:t>
+            </a:r>
+            <a:endParaRPr lang="ko-KR" altLang="en-US" dirty="0"/>
+          </a:p>
+        </p:txBody>
+      </p:sp>
+      <p:sp>
+        <p:nvSpPr>
+          <p:cNvPr id="24" name="TextBox 23"/>
+          <p:cNvSpPr txBox="1"/>
+          <p:nvPr/>
+        </p:nvSpPr>
+        <p:spPr>
+          <a:xfrm>
+            <a:off x="6804248" y="4221088"/>
+            <a:ext cx="2160240" cy="369332"/>
+          </a:xfrm>
+          <a:prstGeom prst="rect">
+            <a:avLst/>
+          </a:prstGeom>
+          <a:noFill/>
+        </p:spPr>
+        <p:txBody>
+          <a:bodyPr wrap="square" rtlCol="0">
+            <a:spAutoFit/>
+          </a:bodyPr>
+          <a:lstStyle/>
+          <a:p>
+            <a:r>
+              <a:rPr lang="en-US" altLang="ko-KR" dirty="0" smtClean="0"/>
+              <a:t>192.168.185.14</a:t>
+            </a:r>
+            <a:endParaRPr lang="ko-KR" altLang="en-US" dirty="0"/>
+          </a:p>
+        </p:txBody>
+      </p:sp>
+      <p:sp>
+        <p:nvSpPr>
+          <p:cNvPr id="25" name="TextBox 24"/>
+          <p:cNvSpPr txBox="1"/>
+          <p:nvPr/>
+        </p:nvSpPr>
+        <p:spPr>
+          <a:xfrm>
+            <a:off x="6804248" y="5229200"/>
+            <a:ext cx="2160240" cy="369332"/>
+          </a:xfrm>
+          <a:prstGeom prst="rect">
+            <a:avLst/>
+          </a:prstGeom>
+          <a:noFill/>
+        </p:spPr>
+        <p:txBody>
+          <a:bodyPr wrap="square" rtlCol="0">
+            <a:spAutoFit/>
+          </a:bodyPr>
+          <a:lstStyle/>
+          <a:p>
+            <a:r>
+              <a:rPr lang="en-US" altLang="ko-KR" dirty="0" smtClean="0"/>
+              <a:t>192.168.185.15</a:t>
+            </a:r>
+            <a:endParaRPr lang="ko-KR" altLang="en-US" dirty="0"/>
+          </a:p>
+        </p:txBody>
+      </p:sp>
+      <p:sp>
+        <p:nvSpPr>
+          <p:cNvPr id="26" name="TextBox 25"/>
+          <p:cNvSpPr txBox="1"/>
+          <p:nvPr/>
+        </p:nvSpPr>
+        <p:spPr>
+          <a:xfrm>
+            <a:off x="6804248" y="6237312"/>
+            <a:ext cx="2160240" cy="369332"/>
+          </a:xfrm>
+          <a:prstGeom prst="rect">
+            <a:avLst/>
+          </a:prstGeom>
+          <a:noFill/>
+        </p:spPr>
+        <p:txBody>
+          <a:bodyPr wrap="square" rtlCol="0">
+            <a:spAutoFit/>
+          </a:bodyPr>
+          <a:lstStyle/>
+          <a:p>
+            <a:r>
+              <a:rPr lang="en-US" altLang="ko-KR" dirty="0" smtClean="0"/>
+              <a:t>192.168.185.16</a:t>
+            </a:r>
+            <a:endParaRPr lang="ko-KR" altLang="en-US" dirty="0"/>
+          </a:p>
+        </p:txBody>
+      </p:sp>
+      <p:sp>
+        <p:nvSpPr>
+          <p:cNvPr id="27" name="TextBox 26"/>
+          <p:cNvSpPr txBox="1"/>
+          <p:nvPr/>
+        </p:nvSpPr>
+        <p:spPr>
+          <a:xfrm>
+            <a:off x="611560" y="1844824"/>
+            <a:ext cx="2088232" cy="369332"/>
+          </a:xfrm>
+          <a:prstGeom prst="rect">
+            <a:avLst/>
+          </a:prstGeom>
+          <a:noFill/>
+        </p:spPr>
+        <p:txBody>
+          <a:bodyPr wrap="square" rtlCol="0">
+            <a:spAutoFit/>
+          </a:bodyPr>
+          <a:lstStyle/>
+          <a:p>
+            <a:r>
+              <a:rPr lang="en-US" altLang="ko-KR" dirty="0" smtClean="0"/>
+              <a:t>192.168.185.17</a:t>
+            </a:r>
+            <a:endParaRPr lang="ko-KR" altLang="en-US" dirty="0"/>
+          </a:p>
+        </p:txBody>
+      </p:sp>
+      <p:sp>
+        <p:nvSpPr>
+          <p:cNvPr id="28" name="TextBox 27"/>
+          <p:cNvSpPr txBox="1"/>
+          <p:nvPr/>
+        </p:nvSpPr>
+        <p:spPr>
+          <a:xfrm>
+            <a:off x="3419872" y="5589240"/>
+            <a:ext cx="2952328" cy="923330"/>
+          </a:xfrm>
+          <a:prstGeom prst="rect">
+            <a:avLst/>
+          </a:prstGeom>
+          <a:noFill/>
+        </p:spPr>
+        <p:txBody>
+          <a:bodyPr wrap="square" rtlCol="0">
+            <a:spAutoFit/>
+          </a:bodyPr>
+          <a:lstStyle/>
+          <a:p>
+            <a:r>
+              <a:rPr lang="en-US" altLang="ko-KR" dirty="0" smtClean="0"/>
+              <a:t>*User</a:t>
+            </a:r>
+            <a:r>
+              <a:rPr lang="ko-KR" altLang="en-US" dirty="0" smtClean="0"/>
+              <a:t>가 선택한 </a:t>
+            </a:r>
+            <a:r>
+              <a:rPr lang="en-US" altLang="ko-KR" dirty="0" smtClean="0"/>
+              <a:t>Machine 1 192.168.185.11</a:t>
+            </a:r>
+            <a:r>
+              <a:rPr lang="ko-KR" altLang="en-US" dirty="0" smtClean="0"/>
+              <a:t>에 접속 </a:t>
+            </a:r>
+            <a:r>
+              <a:rPr lang="en-US" altLang="ko-KR" dirty="0" smtClean="0"/>
+              <a:t>Service </a:t>
+            </a:r>
+            <a:r>
+              <a:rPr lang="ko-KR" altLang="en-US" dirty="0" smtClean="0"/>
+              <a:t>화면 </a:t>
+            </a:r>
+            <a:r>
+              <a:rPr lang="en-US" altLang="ko-KR" dirty="0" smtClean="0"/>
+              <a:t>Display</a:t>
+            </a:r>
+            <a:endParaRPr lang="ko-KR" altLang="en-US" dirty="0"/>
+          </a:p>
+        </p:txBody>
+      </p:sp>
+      <p:grpSp>
+        <p:nvGrpSpPr>
+          <p:cNvPr id="29" name="그룹 28"/>
+          <p:cNvGrpSpPr/>
+          <p:nvPr/>
+        </p:nvGrpSpPr>
+        <p:grpSpPr>
+          <a:xfrm>
+            <a:off x="2699792" y="1052736"/>
+            <a:ext cx="2231426" cy="4608512"/>
+            <a:chOff x="4067945" y="648993"/>
+            <a:chExt cx="2450558" cy="5022332"/>
+          </a:xfrm>
+        </p:grpSpPr>
+        <p:pic>
+          <p:nvPicPr>
+            <p:cNvPr id="30" name="Picture 6" descr="SM-A810S 블루 앞면"/>
+            <p:cNvPicPr>
+              <a:picLocks noChangeAspect="1" noChangeArrowheads="1"/>
+            </p:cNvPicPr>
+            <p:nvPr/>
+          </p:nvPicPr>
+          <p:blipFill rotWithShape="1">
+            <a:blip r:embed="rId2" cstate="print">
+              <a:clrChange>
+                <a:clrFrom>
+                  <a:srgbClr val="FFFFFF"/>
+                </a:clrFrom>
+                <a:clrTo>
+                  <a:srgbClr val="FFFFFF">
+                    <a:alpha val="0"/>
+                  </a:srgbClr>
+                </a:clrTo>
+              </a:clrChange>
+              <a:extLst>
+                <a:ext uri="{28A0092B-C50C-407E-A947-70E740481C1C}">
+                  <a14:useLocalDpi xmlns="" xmlns:a14="http://schemas.microsoft.com/office/drawing/2010/main" val="0"/>
+                </a:ext>
+              </a:extLst>
+            </a:blip>
+            <a:srcRect l="34307" t="1755" r="34468" b="2256"/>
+            <a:stretch/>
+          </p:blipFill>
+          <p:spPr bwMode="auto">
+            <a:xfrm>
+              <a:off x="4067945" y="648993"/>
+              <a:ext cx="2450558" cy="5022332"/>
+            </a:xfrm>
+            <a:prstGeom prst="rect">
+              <a:avLst/>
+            </a:prstGeom>
+            <a:noFill/>
+            <a:extLst>
+              <a:ext uri="{909E8E84-426E-40DD-AFC4-6F175D3DCCD1}">
+                <a14:hiddenFill xmlns="" xmlns:a14="http://schemas.microsoft.com/office/drawing/2010/main">
+                  <a:solidFill>
+                    <a:srgbClr val="FFFFFF"/>
+                  </a:solidFill>
+                </a14:hiddenFill>
+              </a:ext>
+            </a:extLst>
+          </p:spPr>
+        </p:pic>
+        <p:pic>
+          <p:nvPicPr>
+            <p:cNvPr id="31" name="Picture 4"/>
+            <p:cNvPicPr>
+              <a:picLocks noChangeAspect="1" noChangeArrowheads="1"/>
+            </p:cNvPicPr>
+            <p:nvPr/>
+          </p:nvPicPr>
+          <p:blipFill>
+            <a:blip r:embed="rId3" cstate="print">
+              <a:extLst>
+                <a:ext uri="{28A0092B-C50C-407E-A947-70E740481C1C}">
+                  <a14:useLocalDpi xmlns="" xmlns:a14="http://schemas.microsoft.com/office/drawing/2010/main" val="0"/>
+                </a:ext>
+              </a:extLst>
+            </a:blip>
+            <a:srcRect/>
+            <a:stretch>
+              <a:fillRect/>
+            </a:stretch>
+          </p:blipFill>
+          <p:spPr bwMode="auto">
+            <a:xfrm>
+              <a:off x="4111200" y="1124744"/>
+              <a:ext cx="2378550" cy="4078199"/>
+            </a:xfrm>
+            <a:prstGeom prst="rect">
+              <a:avLst/>
+            </a:prstGeom>
+            <a:noFill/>
+            <a:ln>
+              <a:noFill/>
+            </a:ln>
+            <a:extLst>
+              <a:ext uri="{909E8E84-426E-40DD-AFC4-6F175D3DCCD1}">
+                <a14:hiddenFill xmlns="" xmlns:a14="http://schemas.microsoft.com/office/drawing/2010/main">
+                  <a:solidFill>
+                    <a:schemeClr val="accent1"/>
+                  </a:solidFill>
+                </a14:hiddenFill>
+              </a:ext>
+              <a:ext uri="{91240B29-F687-4F45-9708-019B960494DF}">
+                <a14:hiddenLine xmlns="" xmlns:a14="http://schemas.microsoft.com/office/drawing/2010/main" w="9525">
+                  <a:solidFill>
+                    <a:schemeClr val="tx1"/>
+                  </a:solidFill>
+                  <a:miter lim="800000"/>
+                  <a:headEnd/>
+                  <a:tailEnd/>
+                </a14:hiddenLine>
+              </a:ext>
+            </a:extLst>
+          </p:spPr>
+        </p:pic>
+      </p:grpSp>
+      <p:pic>
+        <p:nvPicPr>
+          <p:cNvPr id="32" name="Picture 8" descr="런닝머신에 대한 이미지 검색결과">
+            <a:hlinkClick r:id="rId4"/>
+          </p:cNvPr>
+          <p:cNvPicPr>
+            <a:picLocks noChangeAspect="1" noChangeArrowheads="1"/>
+          </p:cNvPicPr>
+          <p:nvPr/>
+        </p:nvPicPr>
+        <p:blipFill>
+          <a:blip r:embed="rId5" cstate="print">
+            <a:clrChange>
+              <a:clrFrom>
+                <a:srgbClr val="FFFFFF"/>
+              </a:clrFrom>
+              <a:clrTo>
+                <a:srgbClr val="FFFFFF">
+                  <a:alpha val="0"/>
+                </a:srgbClr>
+              </a:clrTo>
+            </a:clrChange>
+            <a:extLst>
+              <a:ext uri="{28A0092B-C50C-407E-A947-70E740481C1C}">
+                <a14:useLocalDpi xmlns="" xmlns:a14="http://schemas.microsoft.com/office/drawing/2010/main" val="0"/>
+              </a:ext>
+            </a:extLst>
+          </a:blip>
+          <a:srcRect/>
+          <a:stretch>
+            <a:fillRect/>
+          </a:stretch>
+        </p:blipFill>
+        <p:spPr bwMode="auto">
+          <a:xfrm flipH="1">
+            <a:off x="4184451" y="3447393"/>
+            <a:ext cx="758982" cy="758982"/>
+          </a:xfrm>
+          <a:prstGeom prst="rect">
+            <a:avLst/>
+          </a:prstGeom>
+          <a:noFill/>
+          <a:extLst>
+            <a:ext uri="{909E8E84-426E-40DD-AFC4-6F175D3DCCD1}">
+              <a14:hiddenFill xmlns="" xmlns:a14="http://schemas.microsoft.com/office/drawing/2010/main">
+                <a:solidFill>
+                  <a:srgbClr val="FFFFFF"/>
+                </a:solidFill>
+              </a14:hiddenFill>
+            </a:ext>
+          </a:extLst>
+        </p:spPr>
+      </p:pic>
+      <p:pic>
+        <p:nvPicPr>
+          <p:cNvPr id="33" name="Picture 6" descr="걷기에 대한 이미지 검색결과">
+            <a:hlinkClick r:id="rId6"/>
+          </p:cNvPr>
+          <p:cNvPicPr>
+            <a:picLocks noChangeAspect="1" noChangeArrowheads="1"/>
+          </p:cNvPicPr>
+          <p:nvPr/>
+        </p:nvPicPr>
+        <p:blipFill>
+          <a:blip r:embed="rId7" cstate="print">
+            <a:clrChange>
+              <a:clrFrom>
+                <a:srgbClr val="FFFFFF"/>
+              </a:clrFrom>
+              <a:clrTo>
+                <a:srgbClr val="FFFFFF">
+                  <a:alpha val="0"/>
+                </a:srgbClr>
+              </a:clrTo>
+            </a:clrChange>
+            <a:extLst>
+              <a:ext uri="{28A0092B-C50C-407E-A947-70E740481C1C}">
+                <a14:useLocalDpi xmlns="" xmlns:a14="http://schemas.microsoft.com/office/drawing/2010/main" val="0"/>
+              </a:ext>
+            </a:extLst>
+          </a:blip>
+          <a:srcRect/>
+          <a:stretch>
+            <a:fillRect/>
+          </a:stretch>
+        </p:blipFill>
+        <p:spPr bwMode="auto">
+          <a:xfrm flipH="1">
+            <a:off x="3111567" y="3692904"/>
+            <a:ext cx="543780" cy="513471"/>
+          </a:xfrm>
+          <a:prstGeom prst="rect">
+            <a:avLst/>
+          </a:prstGeom>
+          <a:noFill/>
+          <a:extLst>
+            <a:ext uri="{909E8E84-426E-40DD-AFC4-6F175D3DCCD1}">
+              <a14:hiddenFill xmlns="" xmlns:a14="http://schemas.microsoft.com/office/drawing/2010/main">
+                <a:solidFill>
+                  <a:srgbClr val="FFFFFF"/>
+                </a:solidFill>
+              </a14:hiddenFill>
+            </a:ext>
+          </a:extLst>
+        </p:spPr>
+      </p:pic>
+    </p:spTree>
+  </p:cSld>
+  <p:clrMapOvr>
+    <a:masterClrMapping/>
+  </p:clrMapOvr>
+</p:sld>
+</file>
+
+<file path=ppt/slides/slide6.xml><?xml version="1.0" encoding="utf-8"?>
+<p:sld xmlns:a="http://schemas.openxmlformats.org/drawingml/2006/main" xmlns:r="http://schemas.openxmlformats.org/officeDocument/2006/relationships" xmlns:p="http://schemas.openxmlformats.org/presentationml/2006/main">
+  <p:cSld>
+    <p:spTree>
+      <p:nvGrpSpPr>
+        <p:cNvPr id="1" name=""/>
+        <p:cNvGrpSpPr/>
+        <p:nvPr/>
+      </p:nvGrpSpPr>
+      <p:grpSpPr>
+        <a:xfrm>
+          <a:off x="0" y="0"/>
+          <a:ext cx="0" cy="0"/>
+          <a:chOff x="0" y="0"/>
+          <a:chExt cx="0" cy="0"/>
+        </a:xfrm>
+      </p:grpSpPr>
+      <p:sp>
+        <p:nvSpPr>
+          <p:cNvPr id="2" name="제목 1"/>
+          <p:cNvSpPr>
+            <a:spLocks noGrp="1"/>
+          </p:cNvSpPr>
+          <p:nvPr>
+            <p:ph type="title"/>
+          </p:nvPr>
+        </p:nvSpPr>
+        <p:spPr/>
+        <p:txBody>
+          <a:bodyPr/>
+          <a:lstStyle/>
+          <a:p>
+            <a:r>
+              <a:rPr lang="en-US" altLang="ko-KR" dirty="0" smtClean="0"/>
+              <a:t>Machine</a:t>
+            </a:r>
+            <a:r>
+              <a:rPr lang="ko-KR" altLang="en-US" dirty="0" smtClean="0"/>
+              <a:t>의 구조</a:t>
+            </a:r>
+            <a:endParaRPr lang="ko-KR" altLang="en-US" dirty="0"/>
+          </a:p>
+        </p:txBody>
+      </p:sp>
+      <p:sp>
+        <p:nvSpPr>
+          <p:cNvPr id="4" name="모서리가 둥근 직사각형 3"/>
+          <p:cNvSpPr/>
+          <p:nvPr/>
+        </p:nvSpPr>
+        <p:spPr>
+          <a:xfrm>
+            <a:off x="1259632" y="1484784"/>
+            <a:ext cx="7128792" cy="4968552"/>
+          </a:xfrm>
+          <a:prstGeom prst="roundRect">
+            <a:avLst/>
+          </a:prstGeom>
+        </p:spPr>
+        <p:style>
+          <a:lnRef idx="2">
+            <a:schemeClr val="accent1">
+              <a:shade val="50000"/>
+            </a:schemeClr>
+          </a:lnRef>
+          <a:fillRef idx="1">
+            <a:schemeClr val="accent1"/>
+          </a:fillRef>
+          <a:effectRef idx="0">
+            <a:schemeClr val="accent1"/>
+          </a:effectRef>
+          <a:fontRef idx="minor">
+            <a:schemeClr val="lt1"/>
+          </a:fontRef>
+        </p:style>
+        <p:txBody>
+          <a:bodyPr rtlCol="0" anchor="ctr"/>
+          <a:lstStyle/>
+          <a:p>
+            <a:pPr algn="ctr"/>
+            <a:endParaRPr lang="ko-KR" altLang="en-US"/>
+          </a:p>
+        </p:txBody>
+      </p:sp>
+      <p:sp>
+        <p:nvSpPr>
+          <p:cNvPr id="5" name="타원 4"/>
+          <p:cNvSpPr/>
+          <p:nvPr/>
+        </p:nvSpPr>
+        <p:spPr>
+          <a:xfrm>
+            <a:off x="1403648" y="2564904"/>
+            <a:ext cx="2232248" cy="3240360"/>
+          </a:xfrm>
+          <a:prstGeom prst="ellipse">
+            <a:avLst/>
+          </a:prstGeom>
+        </p:spPr>
+        <p:style>
+          <a:lnRef idx="2">
+            <a:schemeClr val="accent1">
+              <a:shade val="50000"/>
+            </a:schemeClr>
+          </a:lnRef>
+          <a:fillRef idx="1">
+            <a:schemeClr val="accent1"/>
+          </a:fillRef>
+          <a:effectRef idx="0">
+            <a:schemeClr val="accent1"/>
+          </a:effectRef>
+          <a:fontRef idx="minor">
+            <a:schemeClr val="lt1"/>
+          </a:fontRef>
+        </p:style>
+        <p:txBody>
+          <a:bodyPr rtlCol="0" anchor="ctr"/>
+          <a:lstStyle/>
+          <a:p>
+            <a:pPr algn="ctr"/>
+            <a:r>
+              <a:rPr lang="en-US" altLang="ko-KR" dirty="0" smtClean="0"/>
+              <a:t>Esp8266</a:t>
+            </a:r>
+          </a:p>
+          <a:p>
+            <a:pPr algn="ctr"/>
+            <a:endParaRPr lang="en-US" altLang="ko-KR" dirty="0" smtClean="0"/>
+          </a:p>
+          <a:p>
+            <a:pPr algn="ctr"/>
+            <a:r>
+              <a:rPr lang="ko-KR" altLang="en-US" dirty="0" smtClean="0"/>
+              <a:t>소형 </a:t>
+            </a:r>
+            <a:endParaRPr lang="en-US" altLang="ko-KR" dirty="0" smtClean="0"/>
+          </a:p>
+          <a:p>
+            <a:pPr algn="ctr"/>
+            <a:r>
+              <a:rPr lang="en-US" altLang="ko-KR" dirty="0" smtClean="0"/>
+              <a:t>Web Server</a:t>
+            </a:r>
+          </a:p>
+          <a:p>
+            <a:pPr algn="ctr"/>
+            <a:endParaRPr lang="en-US" altLang="ko-KR" dirty="0" smtClean="0"/>
+          </a:p>
+          <a:p>
+            <a:pPr algn="ctr"/>
+            <a:r>
+              <a:rPr lang="en-US" altLang="ko-KR" dirty="0" smtClean="0"/>
+              <a:t>User I/F</a:t>
+            </a:r>
+            <a:endParaRPr lang="ko-KR" altLang="en-US" dirty="0"/>
+          </a:p>
+        </p:txBody>
+      </p:sp>
+      <p:sp>
+        <p:nvSpPr>
+          <p:cNvPr id="6" name="직사각형 5"/>
+          <p:cNvSpPr/>
+          <p:nvPr/>
+        </p:nvSpPr>
+        <p:spPr>
+          <a:xfrm>
+            <a:off x="5220072" y="2204864"/>
+            <a:ext cx="2520280" cy="3816424"/>
+          </a:xfrm>
+          <a:prstGeom prst="rect">
+            <a:avLst/>
+          </a:prstGeom>
+        </p:spPr>
+        <p:style>
+          <a:lnRef idx="2">
+            <a:schemeClr val="accent1">
+              <a:shade val="50000"/>
+            </a:schemeClr>
+          </a:lnRef>
+          <a:fillRef idx="1">
+            <a:schemeClr val="accent1"/>
+          </a:fillRef>
+          <a:effectRef idx="0">
+            <a:schemeClr val="accent1"/>
+          </a:effectRef>
+          <a:fontRef idx="minor">
+            <a:schemeClr val="lt1"/>
+          </a:fontRef>
+        </p:style>
+        <p:txBody>
+          <a:bodyPr rtlCol="0" anchor="ctr"/>
+          <a:lstStyle/>
+          <a:p>
+            <a:pPr algn="ctr"/>
+            <a:r>
+              <a:rPr lang="en-US" altLang="ko-KR" dirty="0" smtClean="0"/>
+              <a:t>System</a:t>
+            </a:r>
+          </a:p>
+          <a:p>
+            <a:pPr algn="ctr"/>
+            <a:r>
+              <a:rPr lang="en-US" altLang="ko-KR" dirty="0" smtClean="0"/>
+              <a:t>Main</a:t>
+            </a:r>
+            <a:endParaRPr lang="ko-KR" altLang="en-US" dirty="0"/>
+          </a:p>
+        </p:txBody>
+      </p:sp>
+      <p:sp>
+        <p:nvSpPr>
+          <p:cNvPr id="7" name="왼쪽/오른쪽 화살표 6"/>
+          <p:cNvSpPr/>
+          <p:nvPr/>
+        </p:nvSpPr>
+        <p:spPr>
+          <a:xfrm>
+            <a:off x="3779912" y="3717032"/>
+            <a:ext cx="1440160" cy="1008112"/>
+          </a:xfrm>
+          <a:prstGeom prst="leftRightArrow">
+            <a:avLst/>
+          </a:prstGeom>
+        </p:spPr>
+        <p:style>
+          <a:lnRef idx="2">
+            <a:schemeClr val="accent1">
+              <a:shade val="50000"/>
+            </a:schemeClr>
+          </a:lnRef>
+          <a:fillRef idx="1">
+            <a:schemeClr val="accent1"/>
+          </a:fillRef>
+          <a:effectRef idx="0">
+            <a:schemeClr val="accent1"/>
+          </a:effectRef>
+          <a:fontRef idx="minor">
+            <a:schemeClr val="lt1"/>
+          </a:fontRef>
+        </p:style>
+        <p:txBody>
+          <a:bodyPr rtlCol="0" anchor="ctr"/>
+          <a:lstStyle/>
+          <a:p>
+            <a:pPr algn="ctr"/>
+            <a:r>
+              <a:rPr lang="en-US" altLang="ko-KR" dirty="0" smtClean="0"/>
+              <a:t>UART</a:t>
+            </a:r>
+          </a:p>
+          <a:p>
+            <a:pPr algn="ctr"/>
+            <a:r>
+              <a:rPr lang="en-US" altLang="ko-KR" dirty="0" smtClean="0"/>
+              <a:t>115200</a:t>
             </a:r>
             <a:endParaRPr lang="ko-KR" altLang="en-US" dirty="0"/>
           </a:p>

--- a/세주Project/세주FA.pptx
+++ b/세주Project/세주FA.pptx
@@ -11,6 +11,7 @@
     <p:sldId id="260" r:id="rId5"/>
     <p:sldId id="261" r:id="rId6"/>
     <p:sldId id="262" r:id="rId7"/>
+    <p:sldId id="263" r:id="rId8"/>
   </p:sldIdLst>
   <p:sldSz cx="9144000" cy="6858000" type="screen4x3"/>
   <p:notesSz cx="7099300" cy="10234613"/>
@@ -294,7 +295,7 @@
             <a:fld id="{D7B154A1-150D-4721-82AC-FAF37F169962}" type="datetimeFigureOut">
               <a:rPr lang="ko-KR" altLang="en-US" smtClean="0"/>
               <a:pPr/>
-              <a:t>2018-04-18</a:t>
+              <a:t>2018-04-26</a:t>
             </a:fld>
             <a:endParaRPr lang="ko-KR" altLang="en-US" dirty="0"/>
           </a:p>
@@ -346,7 +347,7 @@
     </p:spTree>
     <p:extLst>
       <p:ext uri="{BB962C8B-B14F-4D97-AF65-F5344CB8AC3E}">
-        <p14:creationId xmlns="" xmlns:p14="http://schemas.microsoft.com/office/powerpoint/2010/main" val="985844547"/>
+        <p14:creationId xmlns:p14="http://schemas.microsoft.com/office/powerpoint/2010/main" xmlns="" val="985844547"/>
       </p:ext>
     </p:extLst>
   </p:cSld>
@@ -466,7 +467,7 @@
             <a:fld id="{D7B154A1-150D-4721-82AC-FAF37F169962}" type="datetimeFigureOut">
               <a:rPr lang="ko-KR" altLang="en-US" smtClean="0"/>
               <a:pPr/>
-              <a:t>2018-04-18</a:t>
+              <a:t>2018-04-26</a:t>
             </a:fld>
             <a:endParaRPr lang="ko-KR" altLang="en-US" dirty="0"/>
           </a:p>
@@ -518,7 +519,7 @@
     </p:spTree>
     <p:extLst>
       <p:ext uri="{BB962C8B-B14F-4D97-AF65-F5344CB8AC3E}">
-        <p14:creationId xmlns="" xmlns:p14="http://schemas.microsoft.com/office/powerpoint/2010/main" val="3644806493"/>
+        <p14:creationId xmlns:p14="http://schemas.microsoft.com/office/powerpoint/2010/main" xmlns="" val="3644806493"/>
       </p:ext>
     </p:extLst>
   </p:cSld>
@@ -648,7 +649,7 @@
             <a:fld id="{D7B154A1-150D-4721-82AC-FAF37F169962}" type="datetimeFigureOut">
               <a:rPr lang="ko-KR" altLang="en-US" smtClean="0"/>
               <a:pPr/>
-              <a:t>2018-04-18</a:t>
+              <a:t>2018-04-26</a:t>
             </a:fld>
             <a:endParaRPr lang="ko-KR" altLang="en-US" dirty="0"/>
           </a:p>
@@ -700,7 +701,7 @@
     </p:spTree>
     <p:extLst>
       <p:ext uri="{BB962C8B-B14F-4D97-AF65-F5344CB8AC3E}">
-        <p14:creationId xmlns="" xmlns:p14="http://schemas.microsoft.com/office/powerpoint/2010/main" val="226203664"/>
+        <p14:creationId xmlns:p14="http://schemas.microsoft.com/office/powerpoint/2010/main" xmlns="" val="226203664"/>
       </p:ext>
     </p:extLst>
   </p:cSld>
@@ -820,7 +821,7 @@
             <a:fld id="{D7B154A1-150D-4721-82AC-FAF37F169962}" type="datetimeFigureOut">
               <a:rPr lang="ko-KR" altLang="en-US" smtClean="0"/>
               <a:pPr/>
-              <a:t>2018-04-18</a:t>
+              <a:t>2018-04-26</a:t>
             </a:fld>
             <a:endParaRPr lang="ko-KR" altLang="en-US" dirty="0"/>
           </a:p>
@@ -872,7 +873,7 @@
     </p:spTree>
     <p:extLst>
       <p:ext uri="{BB962C8B-B14F-4D97-AF65-F5344CB8AC3E}">
-        <p14:creationId xmlns="" xmlns:p14="http://schemas.microsoft.com/office/powerpoint/2010/main" val="3176582477"/>
+        <p14:creationId xmlns:p14="http://schemas.microsoft.com/office/powerpoint/2010/main" xmlns="" val="3176582477"/>
       </p:ext>
     </p:extLst>
   </p:cSld>
@@ -1068,7 +1069,7 @@
             <a:fld id="{D7B154A1-150D-4721-82AC-FAF37F169962}" type="datetimeFigureOut">
               <a:rPr lang="ko-KR" altLang="en-US" smtClean="0"/>
               <a:pPr/>
-              <a:t>2018-04-18</a:t>
+              <a:t>2018-04-26</a:t>
             </a:fld>
             <a:endParaRPr lang="ko-KR" altLang="en-US" dirty="0"/>
           </a:p>
@@ -1120,7 +1121,7 @@
     </p:spTree>
     <p:extLst>
       <p:ext uri="{BB962C8B-B14F-4D97-AF65-F5344CB8AC3E}">
-        <p14:creationId xmlns="" xmlns:p14="http://schemas.microsoft.com/office/powerpoint/2010/main" val="2666503031"/>
+        <p14:creationId xmlns:p14="http://schemas.microsoft.com/office/powerpoint/2010/main" xmlns="" val="2666503031"/>
       </p:ext>
     </p:extLst>
   </p:cSld>
@@ -1358,7 +1359,7 @@
             <a:fld id="{D7B154A1-150D-4721-82AC-FAF37F169962}" type="datetimeFigureOut">
               <a:rPr lang="ko-KR" altLang="en-US" smtClean="0"/>
               <a:pPr/>
-              <a:t>2018-04-18</a:t>
+              <a:t>2018-04-26</a:t>
             </a:fld>
             <a:endParaRPr lang="ko-KR" altLang="en-US" dirty="0"/>
           </a:p>
@@ -1410,7 +1411,7 @@
     </p:spTree>
     <p:extLst>
       <p:ext uri="{BB962C8B-B14F-4D97-AF65-F5344CB8AC3E}">
-        <p14:creationId xmlns="" xmlns:p14="http://schemas.microsoft.com/office/powerpoint/2010/main" val="552621391"/>
+        <p14:creationId xmlns:p14="http://schemas.microsoft.com/office/powerpoint/2010/main" xmlns="" val="552621391"/>
       </p:ext>
     </p:extLst>
   </p:cSld>
@@ -1782,7 +1783,7 @@
             <a:fld id="{D7B154A1-150D-4721-82AC-FAF37F169962}" type="datetimeFigureOut">
               <a:rPr lang="ko-KR" altLang="en-US" smtClean="0"/>
               <a:pPr/>
-              <a:t>2018-04-18</a:t>
+              <a:t>2018-04-26</a:t>
             </a:fld>
             <a:endParaRPr lang="ko-KR" altLang="en-US" dirty="0"/>
           </a:p>
@@ -1834,7 +1835,7 @@
     </p:spTree>
     <p:extLst>
       <p:ext uri="{BB962C8B-B14F-4D97-AF65-F5344CB8AC3E}">
-        <p14:creationId xmlns="" xmlns:p14="http://schemas.microsoft.com/office/powerpoint/2010/main" val="1359549139"/>
+        <p14:creationId xmlns:p14="http://schemas.microsoft.com/office/powerpoint/2010/main" xmlns="" val="1359549139"/>
       </p:ext>
     </p:extLst>
   </p:cSld>
@@ -1902,7 +1903,7 @@
             <a:fld id="{D7B154A1-150D-4721-82AC-FAF37F169962}" type="datetimeFigureOut">
               <a:rPr lang="ko-KR" altLang="en-US" smtClean="0"/>
               <a:pPr/>
-              <a:t>2018-04-18</a:t>
+              <a:t>2018-04-26</a:t>
             </a:fld>
             <a:endParaRPr lang="ko-KR" altLang="en-US" dirty="0"/>
           </a:p>
@@ -1954,7 +1955,7 @@
     </p:spTree>
     <p:extLst>
       <p:ext uri="{BB962C8B-B14F-4D97-AF65-F5344CB8AC3E}">
-        <p14:creationId xmlns="" xmlns:p14="http://schemas.microsoft.com/office/powerpoint/2010/main" val="3317700926"/>
+        <p14:creationId xmlns:p14="http://schemas.microsoft.com/office/powerpoint/2010/main" xmlns="" val="3317700926"/>
       </p:ext>
     </p:extLst>
   </p:cSld>
@@ -1999,7 +2000,7 @@
             <a:fld id="{D7B154A1-150D-4721-82AC-FAF37F169962}" type="datetimeFigureOut">
               <a:rPr lang="ko-KR" altLang="en-US" smtClean="0"/>
               <a:pPr/>
-              <a:t>2018-04-18</a:t>
+              <a:t>2018-04-26</a:t>
             </a:fld>
             <a:endParaRPr lang="ko-KR" altLang="en-US" dirty="0"/>
           </a:p>
@@ -2051,7 +2052,7 @@
     </p:spTree>
     <p:extLst>
       <p:ext uri="{BB962C8B-B14F-4D97-AF65-F5344CB8AC3E}">
-        <p14:creationId xmlns="" xmlns:p14="http://schemas.microsoft.com/office/powerpoint/2010/main" val="4158918755"/>
+        <p14:creationId xmlns:p14="http://schemas.microsoft.com/office/powerpoint/2010/main" xmlns="" val="4158918755"/>
       </p:ext>
     </p:extLst>
   </p:cSld>
@@ -2278,7 +2279,7 @@
             <a:fld id="{D7B154A1-150D-4721-82AC-FAF37F169962}" type="datetimeFigureOut">
               <a:rPr lang="ko-KR" altLang="en-US" smtClean="0"/>
               <a:pPr/>
-              <a:t>2018-04-18</a:t>
+              <a:t>2018-04-26</a:t>
             </a:fld>
             <a:endParaRPr lang="ko-KR" altLang="en-US" dirty="0"/>
           </a:p>
@@ -2330,7 +2331,7 @@
     </p:spTree>
     <p:extLst>
       <p:ext uri="{BB962C8B-B14F-4D97-AF65-F5344CB8AC3E}">
-        <p14:creationId xmlns="" xmlns:p14="http://schemas.microsoft.com/office/powerpoint/2010/main" val="3316137834"/>
+        <p14:creationId xmlns:p14="http://schemas.microsoft.com/office/powerpoint/2010/main" xmlns="" val="3316137834"/>
       </p:ext>
     </p:extLst>
   </p:cSld>
@@ -2533,7 +2534,7 @@
             <a:fld id="{D7B154A1-150D-4721-82AC-FAF37F169962}" type="datetimeFigureOut">
               <a:rPr lang="ko-KR" altLang="en-US" smtClean="0"/>
               <a:pPr/>
-              <a:t>2018-04-18</a:t>
+              <a:t>2018-04-26</a:t>
             </a:fld>
             <a:endParaRPr lang="ko-KR" altLang="en-US" dirty="0"/>
           </a:p>
@@ -2585,7 +2586,7 @@
     </p:spTree>
     <p:extLst>
       <p:ext uri="{BB962C8B-B14F-4D97-AF65-F5344CB8AC3E}">
-        <p14:creationId xmlns="" xmlns:p14="http://schemas.microsoft.com/office/powerpoint/2010/main" val="3635219009"/>
+        <p14:creationId xmlns:p14="http://schemas.microsoft.com/office/powerpoint/2010/main" xmlns="" val="3635219009"/>
       </p:ext>
     </p:extLst>
   </p:cSld>
@@ -2748,7 +2749,7 @@
             <a:fld id="{D7B154A1-150D-4721-82AC-FAF37F169962}" type="datetimeFigureOut">
               <a:rPr lang="ko-KR" altLang="en-US" smtClean="0"/>
               <a:pPr/>
-              <a:t>2018-04-18</a:t>
+              <a:t>2018-04-26</a:t>
             </a:fld>
             <a:endParaRPr lang="ko-KR" altLang="en-US" dirty="0"/>
           </a:p>
@@ -2836,7 +2837,7 @@
     </p:spTree>
     <p:extLst>
       <p:ext uri="{BB962C8B-B14F-4D97-AF65-F5344CB8AC3E}">
-        <p14:creationId xmlns="" xmlns:p14="http://schemas.microsoft.com/office/powerpoint/2010/main" val="2070912887"/>
+        <p14:creationId xmlns:p14="http://schemas.microsoft.com/office/powerpoint/2010/main" xmlns="" val="2070912887"/>
       </p:ext>
     </p:extLst>
   </p:cSld>
@@ -3580,7 +3581,7 @@
               </a:clrChange>
               <a:extLst>
                 <a:ext uri="{28A0092B-C50C-407E-A947-70E740481C1C}">
-                  <a14:useLocalDpi xmlns="" xmlns:a14="http://schemas.microsoft.com/office/drawing/2010/main" val="0"/>
+                  <a14:useLocalDpi xmlns:a14="http://schemas.microsoft.com/office/drawing/2010/main" xmlns="" val="0"/>
                 </a:ext>
               </a:extLst>
             </a:blip>
@@ -3598,7 +3599,7 @@
             <a:noFill/>
             <a:extLst>
               <a:ext uri="{909E8E84-426E-40DD-AFC4-6F175D3DCCD1}">
-                <a14:hiddenFill xmlns="" xmlns:a14="http://schemas.microsoft.com/office/drawing/2010/main">
+                <a14:hiddenFill xmlns:a14="http://schemas.microsoft.com/office/drawing/2010/main" xmlns="">
                   <a:solidFill>
                     <a:srgbClr val="FFFFFF"/>
                   </a:solidFill>
@@ -3619,7 +3620,7 @@
             <a:blip r:embed="rId3" cstate="print">
               <a:extLst>
                 <a:ext uri="{28A0092B-C50C-407E-A947-70E740481C1C}">
-                  <a14:useLocalDpi xmlns="" xmlns:a14="http://schemas.microsoft.com/office/drawing/2010/main" val="0"/>
+                  <a14:useLocalDpi xmlns:a14="http://schemas.microsoft.com/office/drawing/2010/main" xmlns="" val="0"/>
                 </a:ext>
               </a:extLst>
             </a:blip>
@@ -3642,14 +3643,14 @@
             </a:ln>
             <a:extLst>
               <a:ext uri="{909E8E84-426E-40DD-AFC4-6F175D3DCCD1}">
-                <a14:hiddenFill xmlns="" xmlns:a14="http://schemas.microsoft.com/office/drawing/2010/main">
+                <a14:hiddenFill xmlns:a14="http://schemas.microsoft.com/office/drawing/2010/main" xmlns="">
                   <a:solidFill>
                     <a:schemeClr val="accent1"/>
                   </a:solidFill>
                 </a14:hiddenFill>
               </a:ext>
               <a:ext uri="{91240B29-F687-4F45-9708-019B960494DF}">
-                <a14:hiddenLine xmlns="" xmlns:a14="http://schemas.microsoft.com/office/drawing/2010/main" w="9525">
+                <a14:hiddenLine xmlns:a14="http://schemas.microsoft.com/office/drawing/2010/main" xmlns="" w="9525">
                   <a:solidFill>
                     <a:schemeClr val="tx1"/>
                   </a:solidFill>
@@ -3686,7 +3687,7 @@
             </a:clrChange>
             <a:extLst>
               <a:ext uri="{28A0092B-C50C-407E-A947-70E740481C1C}">
-                <a14:useLocalDpi xmlns="" xmlns:a14="http://schemas.microsoft.com/office/drawing/2010/main" val="0"/>
+                <a14:useLocalDpi xmlns:a14="http://schemas.microsoft.com/office/drawing/2010/main" xmlns="" val="0"/>
               </a:ext>
             </a:extLst>
           </a:blip>
@@ -3706,7 +3707,7 @@
           <a:noFill/>
           <a:extLst>
             <a:ext uri="{909E8E84-426E-40DD-AFC4-6F175D3DCCD1}">
-              <a14:hiddenFill xmlns="" xmlns:a14="http://schemas.microsoft.com/office/drawing/2010/main">
+              <a14:hiddenFill xmlns:a14="http://schemas.microsoft.com/office/drawing/2010/main" xmlns="">
                 <a:solidFill>
                   <a:srgbClr val="FFFFFF"/>
                 </a:solidFill>
@@ -3739,7 +3740,7 @@
             </a:clrChange>
             <a:extLst>
               <a:ext uri="{28A0092B-C50C-407E-A947-70E740481C1C}">
-                <a14:useLocalDpi xmlns="" xmlns:a14="http://schemas.microsoft.com/office/drawing/2010/main" val="0"/>
+                <a14:useLocalDpi xmlns:a14="http://schemas.microsoft.com/office/drawing/2010/main" xmlns="" val="0"/>
               </a:ext>
             </a:extLst>
           </a:blip>
@@ -3759,7 +3760,7 @@
           <a:noFill/>
           <a:extLst>
             <a:ext uri="{909E8E84-426E-40DD-AFC4-6F175D3DCCD1}">
-              <a14:hiddenFill xmlns="" xmlns:a14="http://schemas.microsoft.com/office/drawing/2010/main">
+              <a14:hiddenFill xmlns:a14="http://schemas.microsoft.com/office/drawing/2010/main" xmlns="">
                 <a:solidFill>
                   <a:srgbClr val="FFFFFF"/>
                 </a:solidFill>
@@ -3873,7 +3874,7 @@
     </p:spTree>
     <p:extLst>
       <p:ext uri="{BB962C8B-B14F-4D97-AF65-F5344CB8AC3E}">
-        <p14:creationId xmlns="" xmlns:p14="http://schemas.microsoft.com/office/powerpoint/2010/main" val="3165772712"/>
+        <p14:creationId xmlns:p14="http://schemas.microsoft.com/office/powerpoint/2010/main" xmlns="" val="3165772712"/>
       </p:ext>
     </p:extLst>
   </p:cSld>
@@ -7097,7 +7098,7 @@
               </a:clrChange>
               <a:extLst>
                 <a:ext uri="{28A0092B-C50C-407E-A947-70E740481C1C}">
-                  <a14:useLocalDpi xmlns="" xmlns:a14="http://schemas.microsoft.com/office/drawing/2010/main" val="0"/>
+                  <a14:useLocalDpi xmlns:a14="http://schemas.microsoft.com/office/drawing/2010/main" xmlns="" val="0"/>
                 </a:ext>
               </a:extLst>
             </a:blip>
@@ -7115,7 +7116,7 @@
             <a:noFill/>
             <a:extLst>
               <a:ext uri="{909E8E84-426E-40DD-AFC4-6F175D3DCCD1}">
-                <a14:hiddenFill xmlns="" xmlns:a14="http://schemas.microsoft.com/office/drawing/2010/main">
+                <a14:hiddenFill xmlns:a14="http://schemas.microsoft.com/office/drawing/2010/main" xmlns="">
                   <a:solidFill>
                     <a:srgbClr val="FFFFFF"/>
                   </a:solidFill>
@@ -7136,7 +7137,7 @@
             <a:blip r:embed="rId3" cstate="print">
               <a:extLst>
                 <a:ext uri="{28A0092B-C50C-407E-A947-70E740481C1C}">
-                  <a14:useLocalDpi xmlns="" xmlns:a14="http://schemas.microsoft.com/office/drawing/2010/main" val="0"/>
+                  <a14:useLocalDpi xmlns:a14="http://schemas.microsoft.com/office/drawing/2010/main" xmlns="" val="0"/>
                 </a:ext>
               </a:extLst>
             </a:blip>
@@ -7159,14 +7160,14 @@
             </a:ln>
             <a:extLst>
               <a:ext uri="{909E8E84-426E-40DD-AFC4-6F175D3DCCD1}">
-                <a14:hiddenFill xmlns="" xmlns:a14="http://schemas.microsoft.com/office/drawing/2010/main">
+                <a14:hiddenFill xmlns:a14="http://schemas.microsoft.com/office/drawing/2010/main" xmlns="">
                   <a:solidFill>
                     <a:schemeClr val="accent1"/>
                   </a:solidFill>
                 </a14:hiddenFill>
               </a:ext>
               <a:ext uri="{91240B29-F687-4F45-9708-019B960494DF}">
-                <a14:hiddenLine xmlns="" xmlns:a14="http://schemas.microsoft.com/office/drawing/2010/main" w="9525">
+                <a14:hiddenLine xmlns:a14="http://schemas.microsoft.com/office/drawing/2010/main" xmlns="" w="9525">
                   <a:solidFill>
                     <a:schemeClr val="tx1"/>
                   </a:solidFill>
@@ -7203,7 +7204,7 @@
             </a:clrChange>
             <a:extLst>
               <a:ext uri="{28A0092B-C50C-407E-A947-70E740481C1C}">
-                <a14:useLocalDpi xmlns="" xmlns:a14="http://schemas.microsoft.com/office/drawing/2010/main" val="0"/>
+                <a14:useLocalDpi xmlns:a14="http://schemas.microsoft.com/office/drawing/2010/main" xmlns="" val="0"/>
               </a:ext>
             </a:extLst>
           </a:blip>
@@ -7223,7 +7224,7 @@
           <a:noFill/>
           <a:extLst>
             <a:ext uri="{909E8E84-426E-40DD-AFC4-6F175D3DCCD1}">
-              <a14:hiddenFill xmlns="" xmlns:a14="http://schemas.microsoft.com/office/drawing/2010/main">
+              <a14:hiddenFill xmlns:a14="http://schemas.microsoft.com/office/drawing/2010/main" xmlns="">
                 <a:solidFill>
                   <a:srgbClr val="FFFFFF"/>
                 </a:solidFill>
@@ -7256,7 +7257,7 @@
             </a:clrChange>
             <a:extLst>
               <a:ext uri="{28A0092B-C50C-407E-A947-70E740481C1C}">
-                <a14:useLocalDpi xmlns="" xmlns:a14="http://schemas.microsoft.com/office/drawing/2010/main" val="0"/>
+                <a14:useLocalDpi xmlns:a14="http://schemas.microsoft.com/office/drawing/2010/main" xmlns="" val="0"/>
               </a:ext>
             </a:extLst>
           </a:blip>
@@ -7276,7 +7277,7 @@
           <a:noFill/>
           <a:extLst>
             <a:ext uri="{909E8E84-426E-40DD-AFC4-6F175D3DCCD1}">
-              <a14:hiddenFill xmlns="" xmlns:a14="http://schemas.microsoft.com/office/drawing/2010/main">
+              <a14:hiddenFill xmlns:a14="http://schemas.microsoft.com/office/drawing/2010/main" xmlns="">
                 <a:solidFill>
                   <a:srgbClr val="FFFFFF"/>
                 </a:solidFill>
@@ -7548,6 +7549,295 @@
             <a:r>
               <a:rPr lang="en-US" altLang="ko-KR" dirty="0" smtClean="0"/>
               <a:t>115200</a:t>
+            </a:r>
+            <a:endParaRPr lang="ko-KR" altLang="en-US" dirty="0"/>
+          </a:p>
+        </p:txBody>
+      </p:sp>
+    </p:spTree>
+  </p:cSld>
+  <p:clrMapOvr>
+    <a:masterClrMapping/>
+  </p:clrMapOvr>
+</p:sld>
+</file>
+
+<file path=ppt/slides/slide7.xml><?xml version="1.0" encoding="utf-8"?>
+<p:sld xmlns:a="http://schemas.openxmlformats.org/drawingml/2006/main" xmlns:r="http://schemas.openxmlformats.org/officeDocument/2006/relationships" xmlns:p="http://schemas.openxmlformats.org/presentationml/2006/main">
+  <p:cSld>
+    <p:spTree>
+      <p:nvGrpSpPr>
+        <p:cNvPr id="1" name=""/>
+        <p:cNvGrpSpPr/>
+        <p:nvPr/>
+      </p:nvGrpSpPr>
+      <p:grpSpPr>
+        <a:xfrm>
+          <a:off x="0" y="0"/>
+          <a:ext cx="0" cy="0"/>
+          <a:chOff x="0" y="0"/>
+          <a:chExt cx="0" cy="0"/>
+        </a:xfrm>
+      </p:grpSpPr>
+      <p:sp>
+        <p:nvSpPr>
+          <p:cNvPr id="2" name="제목 1"/>
+          <p:cNvSpPr>
+            <a:spLocks noGrp="1"/>
+          </p:cNvSpPr>
+          <p:nvPr>
+            <p:ph type="title"/>
+          </p:nvPr>
+        </p:nvSpPr>
+        <p:spPr/>
+        <p:txBody>
+          <a:bodyPr>
+            <a:normAutofit fontScale="90000"/>
+          </a:bodyPr>
+          <a:lstStyle/>
+          <a:p>
+            <a:r>
+              <a:rPr lang="en-US" altLang="ko-KR" dirty="0" err="1" smtClean="0"/>
+              <a:t>SejuFA</a:t>
+            </a:r>
+            <a:r>
+              <a:rPr lang="en-US" altLang="ko-KR" dirty="0" smtClean="0"/>
+              <a:t> Running Machine </a:t>
+            </a:r>
+            <a:r>
+              <a:rPr lang="ko-KR" altLang="en-US" dirty="0" smtClean="0"/>
+              <a:t>검토의견</a:t>
+            </a:r>
+            <a:endParaRPr lang="ko-KR" altLang="en-US" dirty="0"/>
+          </a:p>
+        </p:txBody>
+      </p:sp>
+      <p:sp>
+        <p:nvSpPr>
+          <p:cNvPr id="3" name="내용 개체 틀 2"/>
+          <p:cNvSpPr>
+            <a:spLocks noGrp="1"/>
+          </p:cNvSpPr>
+          <p:nvPr>
+            <p:ph idx="1"/>
+          </p:nvPr>
+        </p:nvSpPr>
+        <p:spPr/>
+        <p:txBody>
+          <a:bodyPr>
+            <a:normAutofit fontScale="77500" lnSpcReduction="20000"/>
+          </a:bodyPr>
+          <a:lstStyle/>
+          <a:p>
+            <a:r>
+              <a:rPr lang="ko-KR" altLang="en-US" dirty="0" smtClean="0"/>
+              <a:t>사용자 </a:t>
+            </a:r>
+            <a:r>
+              <a:rPr lang="en-US" altLang="ko-KR" dirty="0" err="1" smtClean="0"/>
+              <a:t>HandPhone</a:t>
+            </a:r>
+            <a:r>
+              <a:rPr lang="ko-KR" altLang="en-US" dirty="0" smtClean="0"/>
+              <a:t>의 </a:t>
+            </a:r>
+            <a:r>
+              <a:rPr lang="en-US" altLang="ko-KR" dirty="0" smtClean="0"/>
+              <a:t>App: </a:t>
+            </a:r>
+          </a:p>
+          <a:p>
+            <a:pPr lvl="1"/>
+            <a:r>
+              <a:rPr lang="en-US" altLang="ko-KR" dirty="0" smtClean="0"/>
+              <a:t>Web</a:t>
+            </a:r>
+            <a:r>
+              <a:rPr lang="ko-KR" altLang="en-US" dirty="0" smtClean="0"/>
+              <a:t>환경의 </a:t>
+            </a:r>
+            <a:r>
+              <a:rPr lang="en-US" altLang="ko-KR" dirty="0" smtClean="0"/>
+              <a:t>App</a:t>
+            </a:r>
+          </a:p>
+          <a:p>
+            <a:pPr lvl="1"/>
+            <a:r>
+              <a:rPr lang="ko-KR" altLang="en-US" dirty="0" smtClean="0"/>
+              <a:t>장점</a:t>
+            </a:r>
+            <a:r>
+              <a:rPr lang="en-US" altLang="ko-KR" dirty="0" smtClean="0"/>
+              <a:t>: </a:t>
+            </a:r>
+            <a:r>
+              <a:rPr lang="en-US" altLang="ko-KR" dirty="0" err="1" smtClean="0"/>
+              <a:t>HandPhone</a:t>
+            </a:r>
+            <a:r>
+              <a:rPr lang="ko-KR" altLang="en-US" dirty="0" err="1" smtClean="0"/>
+              <a:t>기종및</a:t>
+            </a:r>
+            <a:r>
+              <a:rPr lang="ko-KR" altLang="en-US" dirty="0" smtClean="0"/>
+              <a:t> </a:t>
+            </a:r>
+            <a:r>
+              <a:rPr lang="en-US" altLang="ko-KR" dirty="0" smtClean="0"/>
+              <a:t>Version</a:t>
+            </a:r>
+            <a:r>
+              <a:rPr lang="ko-KR" altLang="en-US" dirty="0" smtClean="0"/>
+              <a:t>에 따른 호환성</a:t>
+            </a:r>
+            <a:endParaRPr lang="en-US" altLang="ko-KR" dirty="0" smtClean="0"/>
+          </a:p>
+          <a:p>
+            <a:r>
+              <a:rPr lang="en-US" altLang="ko-KR" dirty="0" err="1" smtClean="0"/>
+              <a:t>HandPhone</a:t>
+            </a:r>
+            <a:r>
+              <a:rPr lang="en-US" altLang="ko-KR" dirty="0" smtClean="0"/>
+              <a:t> App</a:t>
+            </a:r>
+            <a:r>
+              <a:rPr lang="ko-KR" altLang="en-US" dirty="0" smtClean="0"/>
+              <a:t>과 </a:t>
+            </a:r>
+            <a:r>
+              <a:rPr lang="en-US" altLang="ko-KR" dirty="0" smtClean="0"/>
+              <a:t>Machine</a:t>
+            </a:r>
+            <a:r>
+              <a:rPr lang="ko-KR" altLang="en-US" dirty="0" smtClean="0"/>
+              <a:t>의 </a:t>
+            </a:r>
+            <a:r>
+              <a:rPr lang="en-US" altLang="ko-KR" dirty="0" smtClean="0"/>
+              <a:t>Interface:</a:t>
+            </a:r>
+          </a:p>
+          <a:p>
+            <a:pPr lvl="1"/>
+            <a:r>
+              <a:rPr lang="en-US" altLang="ko-KR" dirty="0" smtClean="0"/>
+              <a:t>Web Protocol</a:t>
+            </a:r>
+            <a:r>
+              <a:rPr lang="ko-KR" altLang="en-US" dirty="0" smtClean="0"/>
+              <a:t>에 의한 </a:t>
+            </a:r>
+            <a:r>
+              <a:rPr lang="en-US" altLang="ko-KR" dirty="0" smtClean="0"/>
+              <a:t>HTML</a:t>
+            </a:r>
+            <a:r>
+              <a:rPr lang="ko-KR" altLang="en-US" dirty="0" smtClean="0"/>
+              <a:t>기반 통신</a:t>
+            </a:r>
+            <a:endParaRPr lang="en-US" altLang="ko-KR" dirty="0" smtClean="0"/>
+          </a:p>
+          <a:p>
+            <a:pPr lvl="1"/>
+            <a:r>
+              <a:rPr lang="en-US" altLang="ko-KR" dirty="0" smtClean="0"/>
+              <a:t>Socket</a:t>
+            </a:r>
+            <a:r>
+              <a:rPr lang="ko-KR" altLang="en-US" dirty="0" smtClean="0"/>
+              <a:t>을 통한 </a:t>
+            </a:r>
+            <a:r>
+              <a:rPr lang="en-US" altLang="ko-KR" dirty="0" smtClean="0"/>
+              <a:t>Machine Data</a:t>
+            </a:r>
+            <a:r>
+              <a:rPr lang="ko-KR" altLang="en-US" dirty="0" smtClean="0"/>
+              <a:t>전송</a:t>
+            </a:r>
+            <a:endParaRPr lang="en-US" altLang="ko-KR" dirty="0" smtClean="0"/>
+          </a:p>
+          <a:p>
+            <a:pPr lvl="1"/>
+            <a:r>
+              <a:rPr lang="en-US" altLang="ko-KR" dirty="0" smtClean="0"/>
+              <a:t>Web</a:t>
+            </a:r>
+            <a:r>
+              <a:rPr lang="ko-KR" altLang="en-US" dirty="0" smtClean="0"/>
+              <a:t>개발자와 사전 협의 필요</a:t>
+            </a:r>
+            <a:endParaRPr lang="en-US" altLang="ko-KR" dirty="0" smtClean="0"/>
+          </a:p>
+          <a:p>
+            <a:r>
+              <a:rPr lang="en-US" altLang="ko-KR" dirty="0" smtClean="0"/>
+              <a:t>Machine</a:t>
+            </a:r>
+            <a:r>
+              <a:rPr lang="ko-KR" altLang="en-US" dirty="0" smtClean="0"/>
+              <a:t>내 </a:t>
+            </a:r>
+            <a:r>
+              <a:rPr lang="en-US" altLang="ko-KR" dirty="0" err="1" smtClean="0"/>
+              <a:t>Wifi</a:t>
+            </a:r>
+            <a:r>
+              <a:rPr lang="en-US" altLang="ko-KR" dirty="0" smtClean="0"/>
+              <a:t> Module</a:t>
+            </a:r>
+            <a:r>
+              <a:rPr lang="ko-KR" altLang="en-US" dirty="0" smtClean="0"/>
+              <a:t>과 </a:t>
+            </a:r>
+            <a:r>
+              <a:rPr lang="en-US" altLang="ko-KR" dirty="0" smtClean="0"/>
+              <a:t>Main System Interface:</a:t>
+            </a:r>
+          </a:p>
+          <a:p>
+            <a:pPr lvl="1"/>
+            <a:r>
+              <a:rPr lang="en-US" altLang="ko-KR" dirty="0" smtClean="0"/>
+              <a:t>UART: 115200bps(</a:t>
+            </a:r>
+            <a:r>
+              <a:rPr lang="en-US" altLang="ko-KR" dirty="0" err="1" smtClean="0"/>
+              <a:t>buadRate</a:t>
+            </a:r>
+            <a:r>
+              <a:rPr lang="en-US" altLang="ko-KR" dirty="0" smtClean="0"/>
+              <a:t>)</a:t>
+            </a:r>
+          </a:p>
+          <a:p>
+            <a:pPr lvl="1"/>
+            <a:r>
+              <a:rPr lang="en-US" altLang="ko-KR" dirty="0" smtClean="0"/>
+              <a:t>SOF(Start of Frame):’{‘, </a:t>
+            </a:r>
+          </a:p>
+          <a:p>
+            <a:pPr lvl="1"/>
+            <a:r>
+              <a:rPr lang="en-US" altLang="ko-KR" dirty="0" smtClean="0"/>
+              <a:t>EOH(End of Frame):’}’</a:t>
+            </a:r>
+          </a:p>
+          <a:p>
+            <a:pPr lvl="1"/>
+            <a:r>
+              <a:rPr lang="en-US" altLang="ko-KR" dirty="0" smtClean="0"/>
+              <a:t>Frame: 68bytes</a:t>
+            </a:r>
+          </a:p>
+          <a:p>
+            <a:pPr lvl="1"/>
+            <a:r>
+              <a:rPr lang="en-US" altLang="ko-KR" dirty="0" smtClean="0"/>
+              <a:t>Total: 70bytes</a:t>
             </a:r>
             <a:endParaRPr lang="ko-KR" altLang="en-US" dirty="0"/>
           </a:p>

--- a/세주Project/세주FA.pptx
+++ b/세주Project/세주FA.pptx
@@ -12,6 +12,13 @@
     <p:sldId id="261" r:id="rId6"/>
     <p:sldId id="262" r:id="rId7"/>
     <p:sldId id="263" r:id="rId8"/>
+    <p:sldId id="264" r:id="rId9"/>
+    <p:sldId id="265" r:id="rId10"/>
+    <p:sldId id="266" r:id="rId11"/>
+    <p:sldId id="267" r:id="rId12"/>
+    <p:sldId id="268" r:id="rId13"/>
+    <p:sldId id="269" r:id="rId14"/>
+    <p:sldId id="270" r:id="rId15"/>
   </p:sldIdLst>
   <p:sldSz cx="9144000" cy="6858000" type="screen4x3"/>
   <p:notesSz cx="7099300" cy="10234613"/>
@@ -295,7 +302,7 @@
             <a:fld id="{D7B154A1-150D-4721-82AC-FAF37F169962}" type="datetimeFigureOut">
               <a:rPr lang="ko-KR" altLang="en-US" smtClean="0"/>
               <a:pPr/>
-              <a:t>2018-04-26</a:t>
+              <a:t>2018-05-02</a:t>
             </a:fld>
             <a:endParaRPr lang="ko-KR" altLang="en-US" dirty="0"/>
           </a:p>
@@ -347,7 +354,7 @@
     </p:spTree>
     <p:extLst>
       <p:ext uri="{BB962C8B-B14F-4D97-AF65-F5344CB8AC3E}">
-        <p14:creationId xmlns:p14="http://schemas.microsoft.com/office/powerpoint/2010/main" xmlns="" val="985844547"/>
+        <p14:creationId xmlns="" xmlns:p14="http://schemas.microsoft.com/office/powerpoint/2010/main" val="985844547"/>
       </p:ext>
     </p:extLst>
   </p:cSld>
@@ -467,7 +474,7 @@
             <a:fld id="{D7B154A1-150D-4721-82AC-FAF37F169962}" type="datetimeFigureOut">
               <a:rPr lang="ko-KR" altLang="en-US" smtClean="0"/>
               <a:pPr/>
-              <a:t>2018-04-26</a:t>
+              <a:t>2018-05-02</a:t>
             </a:fld>
             <a:endParaRPr lang="ko-KR" altLang="en-US" dirty="0"/>
           </a:p>
@@ -519,7 +526,7 @@
     </p:spTree>
     <p:extLst>
       <p:ext uri="{BB962C8B-B14F-4D97-AF65-F5344CB8AC3E}">
-        <p14:creationId xmlns:p14="http://schemas.microsoft.com/office/powerpoint/2010/main" xmlns="" val="3644806493"/>
+        <p14:creationId xmlns="" xmlns:p14="http://schemas.microsoft.com/office/powerpoint/2010/main" val="3644806493"/>
       </p:ext>
     </p:extLst>
   </p:cSld>
@@ -649,7 +656,7 @@
             <a:fld id="{D7B154A1-150D-4721-82AC-FAF37F169962}" type="datetimeFigureOut">
               <a:rPr lang="ko-KR" altLang="en-US" smtClean="0"/>
               <a:pPr/>
-              <a:t>2018-04-26</a:t>
+              <a:t>2018-05-02</a:t>
             </a:fld>
             <a:endParaRPr lang="ko-KR" altLang="en-US" dirty="0"/>
           </a:p>
@@ -701,7 +708,7 @@
     </p:spTree>
     <p:extLst>
       <p:ext uri="{BB962C8B-B14F-4D97-AF65-F5344CB8AC3E}">
-        <p14:creationId xmlns:p14="http://schemas.microsoft.com/office/powerpoint/2010/main" xmlns="" val="226203664"/>
+        <p14:creationId xmlns="" xmlns:p14="http://schemas.microsoft.com/office/powerpoint/2010/main" val="226203664"/>
       </p:ext>
     </p:extLst>
   </p:cSld>
@@ -821,7 +828,7 @@
             <a:fld id="{D7B154A1-150D-4721-82AC-FAF37F169962}" type="datetimeFigureOut">
               <a:rPr lang="ko-KR" altLang="en-US" smtClean="0"/>
               <a:pPr/>
-              <a:t>2018-04-26</a:t>
+              <a:t>2018-05-02</a:t>
             </a:fld>
             <a:endParaRPr lang="ko-KR" altLang="en-US" dirty="0"/>
           </a:p>
@@ -873,7 +880,7 @@
     </p:spTree>
     <p:extLst>
       <p:ext uri="{BB962C8B-B14F-4D97-AF65-F5344CB8AC3E}">
-        <p14:creationId xmlns:p14="http://schemas.microsoft.com/office/powerpoint/2010/main" xmlns="" val="3176582477"/>
+        <p14:creationId xmlns="" xmlns:p14="http://schemas.microsoft.com/office/powerpoint/2010/main" val="3176582477"/>
       </p:ext>
     </p:extLst>
   </p:cSld>
@@ -1069,7 +1076,7 @@
             <a:fld id="{D7B154A1-150D-4721-82AC-FAF37F169962}" type="datetimeFigureOut">
               <a:rPr lang="ko-KR" altLang="en-US" smtClean="0"/>
               <a:pPr/>
-              <a:t>2018-04-26</a:t>
+              <a:t>2018-05-02</a:t>
             </a:fld>
             <a:endParaRPr lang="ko-KR" altLang="en-US" dirty="0"/>
           </a:p>
@@ -1121,7 +1128,7 @@
     </p:spTree>
     <p:extLst>
       <p:ext uri="{BB962C8B-B14F-4D97-AF65-F5344CB8AC3E}">
-        <p14:creationId xmlns:p14="http://schemas.microsoft.com/office/powerpoint/2010/main" xmlns="" val="2666503031"/>
+        <p14:creationId xmlns="" xmlns:p14="http://schemas.microsoft.com/office/powerpoint/2010/main" val="2666503031"/>
       </p:ext>
     </p:extLst>
   </p:cSld>
@@ -1359,7 +1366,7 @@
             <a:fld id="{D7B154A1-150D-4721-82AC-FAF37F169962}" type="datetimeFigureOut">
               <a:rPr lang="ko-KR" altLang="en-US" smtClean="0"/>
               <a:pPr/>
-              <a:t>2018-04-26</a:t>
+              <a:t>2018-05-02</a:t>
             </a:fld>
             <a:endParaRPr lang="ko-KR" altLang="en-US" dirty="0"/>
           </a:p>
@@ -1411,7 +1418,7 @@
     </p:spTree>
     <p:extLst>
       <p:ext uri="{BB962C8B-B14F-4D97-AF65-F5344CB8AC3E}">
-        <p14:creationId xmlns:p14="http://schemas.microsoft.com/office/powerpoint/2010/main" xmlns="" val="552621391"/>
+        <p14:creationId xmlns="" xmlns:p14="http://schemas.microsoft.com/office/powerpoint/2010/main" val="552621391"/>
       </p:ext>
     </p:extLst>
   </p:cSld>
@@ -1783,7 +1790,7 @@
             <a:fld id="{D7B154A1-150D-4721-82AC-FAF37F169962}" type="datetimeFigureOut">
               <a:rPr lang="ko-KR" altLang="en-US" smtClean="0"/>
               <a:pPr/>
-              <a:t>2018-04-26</a:t>
+              <a:t>2018-05-02</a:t>
             </a:fld>
             <a:endParaRPr lang="ko-KR" altLang="en-US" dirty="0"/>
           </a:p>
@@ -1835,7 +1842,7 @@
     </p:spTree>
     <p:extLst>
       <p:ext uri="{BB962C8B-B14F-4D97-AF65-F5344CB8AC3E}">
-        <p14:creationId xmlns:p14="http://schemas.microsoft.com/office/powerpoint/2010/main" xmlns="" val="1359549139"/>
+        <p14:creationId xmlns="" xmlns:p14="http://schemas.microsoft.com/office/powerpoint/2010/main" val="1359549139"/>
       </p:ext>
     </p:extLst>
   </p:cSld>
@@ -1903,7 +1910,7 @@
             <a:fld id="{D7B154A1-150D-4721-82AC-FAF37F169962}" type="datetimeFigureOut">
               <a:rPr lang="ko-KR" altLang="en-US" smtClean="0"/>
               <a:pPr/>
-              <a:t>2018-04-26</a:t>
+              <a:t>2018-05-02</a:t>
             </a:fld>
             <a:endParaRPr lang="ko-KR" altLang="en-US" dirty="0"/>
           </a:p>
@@ -1955,7 +1962,7 @@
     </p:spTree>
     <p:extLst>
       <p:ext uri="{BB962C8B-B14F-4D97-AF65-F5344CB8AC3E}">
-        <p14:creationId xmlns:p14="http://schemas.microsoft.com/office/powerpoint/2010/main" xmlns="" val="3317700926"/>
+        <p14:creationId xmlns="" xmlns:p14="http://schemas.microsoft.com/office/powerpoint/2010/main" val="3317700926"/>
       </p:ext>
     </p:extLst>
   </p:cSld>
@@ -2000,7 +2007,7 @@
             <a:fld id="{D7B154A1-150D-4721-82AC-FAF37F169962}" type="datetimeFigureOut">
               <a:rPr lang="ko-KR" altLang="en-US" smtClean="0"/>
               <a:pPr/>
-              <a:t>2018-04-26</a:t>
+              <a:t>2018-05-02</a:t>
             </a:fld>
             <a:endParaRPr lang="ko-KR" altLang="en-US" dirty="0"/>
           </a:p>
@@ -2052,7 +2059,7 @@
     </p:spTree>
     <p:extLst>
       <p:ext uri="{BB962C8B-B14F-4D97-AF65-F5344CB8AC3E}">
-        <p14:creationId xmlns:p14="http://schemas.microsoft.com/office/powerpoint/2010/main" xmlns="" val="4158918755"/>
+        <p14:creationId xmlns="" xmlns:p14="http://schemas.microsoft.com/office/powerpoint/2010/main" val="4158918755"/>
       </p:ext>
     </p:extLst>
   </p:cSld>
@@ -2279,7 +2286,7 @@
             <a:fld id="{D7B154A1-150D-4721-82AC-FAF37F169962}" type="datetimeFigureOut">
               <a:rPr lang="ko-KR" altLang="en-US" smtClean="0"/>
               <a:pPr/>
-              <a:t>2018-04-26</a:t>
+              <a:t>2018-05-02</a:t>
             </a:fld>
             <a:endParaRPr lang="ko-KR" altLang="en-US" dirty="0"/>
           </a:p>
@@ -2331,7 +2338,7 @@
     </p:spTree>
     <p:extLst>
       <p:ext uri="{BB962C8B-B14F-4D97-AF65-F5344CB8AC3E}">
-        <p14:creationId xmlns:p14="http://schemas.microsoft.com/office/powerpoint/2010/main" xmlns="" val="3316137834"/>
+        <p14:creationId xmlns="" xmlns:p14="http://schemas.microsoft.com/office/powerpoint/2010/main" val="3316137834"/>
       </p:ext>
     </p:extLst>
   </p:cSld>
@@ -2534,7 +2541,7 @@
             <a:fld id="{D7B154A1-150D-4721-82AC-FAF37F169962}" type="datetimeFigureOut">
               <a:rPr lang="ko-KR" altLang="en-US" smtClean="0"/>
               <a:pPr/>
-              <a:t>2018-04-26</a:t>
+              <a:t>2018-05-02</a:t>
             </a:fld>
             <a:endParaRPr lang="ko-KR" altLang="en-US" dirty="0"/>
           </a:p>
@@ -2586,7 +2593,7 @@
     </p:spTree>
     <p:extLst>
       <p:ext uri="{BB962C8B-B14F-4D97-AF65-F5344CB8AC3E}">
-        <p14:creationId xmlns:p14="http://schemas.microsoft.com/office/powerpoint/2010/main" xmlns="" val="3635219009"/>
+        <p14:creationId xmlns="" xmlns:p14="http://schemas.microsoft.com/office/powerpoint/2010/main" val="3635219009"/>
       </p:ext>
     </p:extLst>
   </p:cSld>
@@ -2749,7 +2756,7 @@
             <a:fld id="{D7B154A1-150D-4721-82AC-FAF37F169962}" type="datetimeFigureOut">
               <a:rPr lang="ko-KR" altLang="en-US" smtClean="0"/>
               <a:pPr/>
-              <a:t>2018-04-26</a:t>
+              <a:t>2018-05-02</a:t>
             </a:fld>
             <a:endParaRPr lang="ko-KR" altLang="en-US" dirty="0"/>
           </a:p>
@@ -2837,7 +2844,7 @@
     </p:spTree>
     <p:extLst>
       <p:ext uri="{BB962C8B-B14F-4D97-AF65-F5344CB8AC3E}">
-        <p14:creationId xmlns:p14="http://schemas.microsoft.com/office/powerpoint/2010/main" xmlns="" val="2070912887"/>
+        <p14:creationId xmlns="" xmlns:p14="http://schemas.microsoft.com/office/powerpoint/2010/main" val="2070912887"/>
       </p:ext>
     </p:extLst>
   </p:cSld>
@@ -3581,7 +3588,7 @@
               </a:clrChange>
               <a:extLst>
                 <a:ext uri="{28A0092B-C50C-407E-A947-70E740481C1C}">
-                  <a14:useLocalDpi xmlns:a14="http://schemas.microsoft.com/office/drawing/2010/main" xmlns="" val="0"/>
+                  <a14:useLocalDpi xmlns="" xmlns:a14="http://schemas.microsoft.com/office/drawing/2010/main" val="0"/>
                 </a:ext>
               </a:extLst>
             </a:blip>
@@ -3599,7 +3606,7 @@
             <a:noFill/>
             <a:extLst>
               <a:ext uri="{909E8E84-426E-40DD-AFC4-6F175D3DCCD1}">
-                <a14:hiddenFill xmlns:a14="http://schemas.microsoft.com/office/drawing/2010/main" xmlns="">
+                <a14:hiddenFill xmlns="" xmlns:a14="http://schemas.microsoft.com/office/drawing/2010/main">
                   <a:solidFill>
                     <a:srgbClr val="FFFFFF"/>
                   </a:solidFill>
@@ -3620,7 +3627,7 @@
             <a:blip r:embed="rId3" cstate="print">
               <a:extLst>
                 <a:ext uri="{28A0092B-C50C-407E-A947-70E740481C1C}">
-                  <a14:useLocalDpi xmlns:a14="http://schemas.microsoft.com/office/drawing/2010/main" xmlns="" val="0"/>
+                  <a14:useLocalDpi xmlns="" xmlns:a14="http://schemas.microsoft.com/office/drawing/2010/main" val="0"/>
                 </a:ext>
               </a:extLst>
             </a:blip>
@@ -3643,14 +3650,14 @@
             </a:ln>
             <a:extLst>
               <a:ext uri="{909E8E84-426E-40DD-AFC4-6F175D3DCCD1}">
-                <a14:hiddenFill xmlns:a14="http://schemas.microsoft.com/office/drawing/2010/main" xmlns="">
+                <a14:hiddenFill xmlns="" xmlns:a14="http://schemas.microsoft.com/office/drawing/2010/main">
                   <a:solidFill>
                     <a:schemeClr val="accent1"/>
                   </a:solidFill>
                 </a14:hiddenFill>
               </a:ext>
               <a:ext uri="{91240B29-F687-4F45-9708-019B960494DF}">
-                <a14:hiddenLine xmlns:a14="http://schemas.microsoft.com/office/drawing/2010/main" xmlns="" w="9525">
+                <a14:hiddenLine xmlns="" xmlns:a14="http://schemas.microsoft.com/office/drawing/2010/main" w="9525">
                   <a:solidFill>
                     <a:schemeClr val="tx1"/>
                   </a:solidFill>
@@ -3687,7 +3694,7 @@
             </a:clrChange>
             <a:extLst>
               <a:ext uri="{28A0092B-C50C-407E-A947-70E740481C1C}">
-                <a14:useLocalDpi xmlns:a14="http://schemas.microsoft.com/office/drawing/2010/main" xmlns="" val="0"/>
+                <a14:useLocalDpi xmlns="" xmlns:a14="http://schemas.microsoft.com/office/drawing/2010/main" val="0"/>
               </a:ext>
             </a:extLst>
           </a:blip>
@@ -3707,7 +3714,7 @@
           <a:noFill/>
           <a:extLst>
             <a:ext uri="{909E8E84-426E-40DD-AFC4-6F175D3DCCD1}">
-              <a14:hiddenFill xmlns:a14="http://schemas.microsoft.com/office/drawing/2010/main" xmlns="">
+              <a14:hiddenFill xmlns="" xmlns:a14="http://schemas.microsoft.com/office/drawing/2010/main">
                 <a:solidFill>
                   <a:srgbClr val="FFFFFF"/>
                 </a:solidFill>
@@ -3740,7 +3747,7 @@
             </a:clrChange>
             <a:extLst>
               <a:ext uri="{28A0092B-C50C-407E-A947-70E740481C1C}">
-                <a14:useLocalDpi xmlns:a14="http://schemas.microsoft.com/office/drawing/2010/main" xmlns="" val="0"/>
+                <a14:useLocalDpi xmlns="" xmlns:a14="http://schemas.microsoft.com/office/drawing/2010/main" val="0"/>
               </a:ext>
             </a:extLst>
           </a:blip>
@@ -3760,7 +3767,7 @@
           <a:noFill/>
           <a:extLst>
             <a:ext uri="{909E8E84-426E-40DD-AFC4-6F175D3DCCD1}">
-              <a14:hiddenFill xmlns:a14="http://schemas.microsoft.com/office/drawing/2010/main" xmlns="">
+              <a14:hiddenFill xmlns="" xmlns:a14="http://schemas.microsoft.com/office/drawing/2010/main">
                 <a:solidFill>
                   <a:srgbClr val="FFFFFF"/>
                 </a:solidFill>
@@ -3874,9 +3881,1413 @@
     </p:spTree>
     <p:extLst>
       <p:ext uri="{BB962C8B-B14F-4D97-AF65-F5344CB8AC3E}">
-        <p14:creationId xmlns:p14="http://schemas.microsoft.com/office/powerpoint/2010/main" xmlns="" val="3165772712"/>
+        <p14:creationId xmlns="" xmlns:p14="http://schemas.microsoft.com/office/powerpoint/2010/main" val="3165772712"/>
       </p:ext>
     </p:extLst>
+  </p:cSld>
+  <p:clrMapOvr>
+    <a:masterClrMapping/>
+  </p:clrMapOvr>
+</p:sld>
+</file>
+
+<file path=ppt/slides/slide10.xml><?xml version="1.0" encoding="utf-8"?>
+<p:sld xmlns:a="http://schemas.openxmlformats.org/drawingml/2006/main" xmlns:r="http://schemas.openxmlformats.org/officeDocument/2006/relationships" xmlns:p="http://schemas.openxmlformats.org/presentationml/2006/main">
+  <p:cSld>
+    <p:spTree>
+      <p:nvGrpSpPr>
+        <p:cNvPr id="1" name=""/>
+        <p:cNvGrpSpPr/>
+        <p:nvPr/>
+      </p:nvGrpSpPr>
+      <p:grpSpPr>
+        <a:xfrm>
+          <a:off x="0" y="0"/>
+          <a:ext cx="0" cy="0"/>
+          <a:chOff x="0" y="0"/>
+          <a:chExt cx="0" cy="0"/>
+        </a:xfrm>
+      </p:grpSpPr>
+      <p:sp>
+        <p:nvSpPr>
+          <p:cNvPr id="2" name="제목 1"/>
+          <p:cNvSpPr>
+            <a:spLocks noGrp="1"/>
+          </p:cNvSpPr>
+          <p:nvPr>
+            <p:ph type="title"/>
+          </p:nvPr>
+        </p:nvSpPr>
+        <p:spPr/>
+        <p:txBody>
+          <a:bodyPr/>
+          <a:lstStyle/>
+          <a:p>
+            <a:r>
+              <a:rPr lang="en-US" altLang="ko-KR" dirty="0" smtClean="0"/>
+              <a:t>Esp8266 </a:t>
+            </a:r>
+            <a:r>
+              <a:rPr lang="ko-KR" altLang="en-US" dirty="0" smtClean="0"/>
+              <a:t>종류</a:t>
+            </a:r>
+            <a:r>
+              <a:rPr lang="en-US" altLang="ko-KR" dirty="0" smtClean="0"/>
+              <a:t>(2)</a:t>
+            </a:r>
+            <a:endParaRPr lang="ko-KR" altLang="en-US" dirty="0"/>
+          </a:p>
+        </p:txBody>
+      </p:sp>
+      <p:sp>
+        <p:nvSpPr>
+          <p:cNvPr id="5" name="TextBox 4"/>
+          <p:cNvSpPr txBox="1"/>
+          <p:nvPr/>
+        </p:nvSpPr>
+        <p:spPr>
+          <a:xfrm>
+            <a:off x="4499992" y="1700808"/>
+            <a:ext cx="3960440" cy="923330"/>
+          </a:xfrm>
+          <a:prstGeom prst="rect">
+            <a:avLst/>
+          </a:prstGeom>
+          <a:noFill/>
+        </p:spPr>
+        <p:txBody>
+          <a:bodyPr wrap="square" rtlCol="0">
+            <a:spAutoFit/>
+          </a:bodyPr>
+          <a:lstStyle/>
+          <a:p>
+            <a:r>
+              <a:rPr lang="en-US" altLang="ko-KR" dirty="0" smtClean="0"/>
+              <a:t>Module Name(</a:t>
+            </a:r>
+            <a:r>
+              <a:rPr lang="ko-KR" altLang="en-US" dirty="0" err="1" smtClean="0"/>
+              <a:t>디바이스마트</a:t>
+            </a:r>
+            <a:r>
+              <a:rPr lang="en-US" altLang="ko-KR" dirty="0" smtClean="0"/>
+              <a:t> </a:t>
+            </a:r>
+            <a:r>
+              <a:rPr lang="ko-KR" altLang="en-US" dirty="0" smtClean="0"/>
+              <a:t>기준</a:t>
+            </a:r>
+            <a:r>
+              <a:rPr lang="en-US" altLang="ko-KR" dirty="0" smtClean="0"/>
+              <a:t>):</a:t>
+            </a:r>
+          </a:p>
+          <a:p>
+            <a:r>
+              <a:rPr lang="en-US" altLang="ko-KR" dirty="0" err="1" smtClean="0"/>
+              <a:t>WeMos</a:t>
+            </a:r>
+            <a:r>
+              <a:rPr lang="en-US" altLang="ko-KR" dirty="0" smtClean="0"/>
+              <a:t> </a:t>
+            </a:r>
+            <a:r>
+              <a:rPr lang="en-US" altLang="ko-KR" b="1" dirty="0" smtClean="0"/>
+              <a:t>[</a:t>
+            </a:r>
+            <a:r>
+              <a:rPr lang="ko-KR" altLang="en-US" b="1" dirty="0" smtClean="0"/>
+              <a:t>정품</a:t>
+            </a:r>
+            <a:r>
+              <a:rPr lang="en-US" altLang="ko-KR" b="1" dirty="0" smtClean="0"/>
+              <a:t>] </a:t>
+            </a:r>
+            <a:r>
+              <a:rPr lang="en-US" altLang="ko-KR" b="1" dirty="0" err="1" smtClean="0"/>
+              <a:t>WeMos</a:t>
+            </a:r>
+            <a:r>
+              <a:rPr lang="en-US" altLang="ko-KR" b="1" dirty="0" smtClean="0"/>
+              <a:t> D1 mini V3.0.0 ESP8266 </a:t>
+            </a:r>
+            <a:r>
+              <a:rPr lang="en-US" altLang="ko-KR" b="1" dirty="0" err="1" smtClean="0"/>
+              <a:t>WiFi</a:t>
+            </a:r>
+            <a:r>
+              <a:rPr lang="en-US" altLang="ko-KR" b="1" dirty="0" smtClean="0"/>
+              <a:t> </a:t>
+            </a:r>
+            <a:r>
+              <a:rPr lang="en-US" altLang="ko-KR" b="1" dirty="0" err="1" smtClean="0"/>
+              <a:t>IoT</a:t>
+            </a:r>
+            <a:r>
+              <a:rPr lang="en-US" altLang="ko-KR" b="1" dirty="0" smtClean="0"/>
+              <a:t> </a:t>
+            </a:r>
+            <a:r>
+              <a:rPr lang="ko-KR" altLang="en-US" b="1" dirty="0" smtClean="0"/>
+              <a:t>개발보드</a:t>
+            </a:r>
+            <a:endParaRPr lang="ko-KR" altLang="en-US" dirty="0"/>
+          </a:p>
+        </p:txBody>
+      </p:sp>
+      <p:sp>
+        <p:nvSpPr>
+          <p:cNvPr id="6" name="TextBox 5"/>
+          <p:cNvSpPr txBox="1"/>
+          <p:nvPr/>
+        </p:nvSpPr>
+        <p:spPr>
+          <a:xfrm>
+            <a:off x="4572000" y="3068960"/>
+            <a:ext cx="3744416" cy="923330"/>
+          </a:xfrm>
+          <a:prstGeom prst="rect">
+            <a:avLst/>
+          </a:prstGeom>
+          <a:noFill/>
+        </p:spPr>
+        <p:txBody>
+          <a:bodyPr wrap="square" rtlCol="0">
+            <a:spAutoFit/>
+          </a:bodyPr>
+          <a:lstStyle/>
+          <a:p>
+            <a:r>
+              <a:rPr lang="en-US" altLang="ko-KR" dirty="0" smtClean="0"/>
+              <a:t>Site URL:</a:t>
+            </a:r>
+          </a:p>
+          <a:p>
+            <a:r>
+              <a:rPr lang="en-US" altLang="ko-KR" dirty="0" smtClean="0"/>
+              <a:t>http://www.devicemart.co.kr/1327519</a:t>
+            </a:r>
+            <a:endParaRPr lang="ko-KR" altLang="en-US" dirty="0"/>
+          </a:p>
+        </p:txBody>
+      </p:sp>
+      <p:sp>
+        <p:nvSpPr>
+          <p:cNvPr id="8" name="TextBox 7"/>
+          <p:cNvSpPr txBox="1"/>
+          <p:nvPr/>
+        </p:nvSpPr>
+        <p:spPr>
+          <a:xfrm>
+            <a:off x="4572000" y="4221088"/>
+            <a:ext cx="3888432" cy="1200329"/>
+          </a:xfrm>
+          <a:prstGeom prst="rect">
+            <a:avLst/>
+          </a:prstGeom>
+          <a:noFill/>
+        </p:spPr>
+        <p:txBody>
+          <a:bodyPr wrap="square" rtlCol="0">
+            <a:spAutoFit/>
+          </a:bodyPr>
+          <a:lstStyle/>
+          <a:p>
+            <a:r>
+              <a:rPr lang="ko-KR" altLang="en-US" dirty="0" smtClean="0"/>
+              <a:t>용도</a:t>
+            </a:r>
+            <a:r>
+              <a:rPr lang="en-US" altLang="ko-KR" dirty="0" smtClean="0"/>
+              <a:t>:</a:t>
+            </a:r>
+          </a:p>
+          <a:p>
+            <a:r>
+              <a:rPr lang="ko-KR" altLang="en-US" dirty="0" smtClean="0"/>
+              <a:t>사업용</a:t>
+            </a:r>
+            <a:r>
+              <a:rPr lang="en-US" altLang="ko-KR" dirty="0" smtClean="0"/>
+              <a:t>: </a:t>
+            </a:r>
+            <a:r>
+              <a:rPr lang="ko-KR" altLang="en-US" dirty="0" smtClean="0"/>
+              <a:t>가능</a:t>
+            </a:r>
+            <a:r>
+              <a:rPr lang="en-US" altLang="ko-KR" dirty="0" smtClean="0"/>
+              <a:t>, </a:t>
+            </a:r>
+            <a:r>
+              <a:rPr lang="ko-KR" altLang="en-US" dirty="0" smtClean="0"/>
+              <a:t>조립 </a:t>
+            </a:r>
+            <a:r>
+              <a:rPr lang="en-US" altLang="ko-KR" dirty="0" smtClean="0"/>
+              <a:t>Pin</a:t>
+            </a:r>
+            <a:r>
+              <a:rPr lang="ko-KR" altLang="en-US" dirty="0" smtClean="0"/>
+              <a:t>이 필요함</a:t>
+            </a:r>
+            <a:endParaRPr lang="en-US" altLang="ko-KR" dirty="0" smtClean="0"/>
+          </a:p>
+          <a:p>
+            <a:r>
+              <a:rPr lang="ko-KR" altLang="en-US" dirty="0" err="1" smtClean="0"/>
+              <a:t>개발시</a:t>
+            </a:r>
+            <a:r>
+              <a:rPr lang="en-US" altLang="ko-KR" dirty="0" smtClean="0"/>
+              <a:t>: </a:t>
+            </a:r>
+            <a:r>
+              <a:rPr lang="ko-KR" altLang="en-US" dirty="0" smtClean="0"/>
+              <a:t>용이함</a:t>
+            </a:r>
+            <a:r>
+              <a:rPr lang="en-US" altLang="ko-KR" dirty="0" smtClean="0"/>
+              <a:t>, </a:t>
+            </a:r>
+            <a:r>
+              <a:rPr lang="ko-KR" altLang="en-US" dirty="0" smtClean="0"/>
+              <a:t>직접 </a:t>
+            </a:r>
+            <a:r>
+              <a:rPr lang="en-US" altLang="ko-KR" dirty="0" smtClean="0"/>
+              <a:t>PC</a:t>
+            </a:r>
+            <a:r>
+              <a:rPr lang="ko-KR" altLang="en-US" dirty="0" smtClean="0"/>
+              <a:t>연결 가능</a:t>
+            </a:r>
+            <a:endParaRPr lang="en-US" altLang="ko-KR" dirty="0" smtClean="0"/>
+          </a:p>
+          <a:p>
+            <a:r>
+              <a:rPr lang="en-US" altLang="ko-KR" dirty="0" smtClean="0"/>
+              <a:t>(by USB)</a:t>
+            </a:r>
+          </a:p>
+        </p:txBody>
+      </p:sp>
+      <p:pic>
+        <p:nvPicPr>
+          <p:cNvPr id="9" name="내용 개체 틀 8" descr="Sample2.jpg"/>
+          <p:cNvPicPr>
+            <a:picLocks noGrp="1" noChangeAspect="1"/>
+          </p:cNvPicPr>
+          <p:nvPr>
+            <p:ph idx="1"/>
+          </p:nvPr>
+        </p:nvPicPr>
+        <p:blipFill>
+          <a:blip r:embed="rId2" cstate="print"/>
+          <a:stretch>
+            <a:fillRect/>
+          </a:stretch>
+        </p:blipFill>
+        <p:spPr>
+          <a:xfrm>
+            <a:off x="467544" y="1628800"/>
+            <a:ext cx="3394472" cy="4525963"/>
+          </a:xfrm>
+        </p:spPr>
+      </p:pic>
+    </p:spTree>
+  </p:cSld>
+  <p:clrMapOvr>
+    <a:masterClrMapping/>
+  </p:clrMapOvr>
+</p:sld>
+</file>
+
+<file path=ppt/slides/slide11.xml><?xml version="1.0" encoding="utf-8"?>
+<p:sld xmlns:a="http://schemas.openxmlformats.org/drawingml/2006/main" xmlns:r="http://schemas.openxmlformats.org/officeDocument/2006/relationships" xmlns:p="http://schemas.openxmlformats.org/presentationml/2006/main">
+  <p:cSld>
+    <p:spTree>
+      <p:nvGrpSpPr>
+        <p:cNvPr id="1" name=""/>
+        <p:cNvGrpSpPr/>
+        <p:nvPr/>
+      </p:nvGrpSpPr>
+      <p:grpSpPr>
+        <a:xfrm>
+          <a:off x="0" y="0"/>
+          <a:ext cx="0" cy="0"/>
+          <a:chOff x="0" y="0"/>
+          <a:chExt cx="0" cy="0"/>
+        </a:xfrm>
+      </p:grpSpPr>
+      <p:sp>
+        <p:nvSpPr>
+          <p:cNvPr id="2" name="제목 1"/>
+          <p:cNvSpPr>
+            <a:spLocks noGrp="1"/>
+          </p:cNvSpPr>
+          <p:nvPr>
+            <p:ph type="title"/>
+          </p:nvPr>
+        </p:nvSpPr>
+        <p:spPr/>
+        <p:txBody>
+          <a:bodyPr/>
+          <a:lstStyle/>
+          <a:p>
+            <a:r>
+              <a:rPr lang="en-US" altLang="ko-KR" dirty="0" smtClean="0"/>
+              <a:t>Esp8266 </a:t>
+            </a:r>
+            <a:r>
+              <a:rPr lang="ko-KR" altLang="en-US" dirty="0" smtClean="0"/>
+              <a:t>종류</a:t>
+            </a:r>
+            <a:r>
+              <a:rPr lang="en-US" altLang="ko-KR" dirty="0" smtClean="0"/>
+              <a:t>(3)</a:t>
+            </a:r>
+            <a:endParaRPr lang="ko-KR" altLang="en-US" dirty="0"/>
+          </a:p>
+        </p:txBody>
+      </p:sp>
+      <p:sp>
+        <p:nvSpPr>
+          <p:cNvPr id="5" name="TextBox 4"/>
+          <p:cNvSpPr txBox="1"/>
+          <p:nvPr/>
+        </p:nvSpPr>
+        <p:spPr>
+          <a:xfrm>
+            <a:off x="4499992" y="1700808"/>
+            <a:ext cx="3960440" cy="923330"/>
+          </a:xfrm>
+          <a:prstGeom prst="rect">
+            <a:avLst/>
+          </a:prstGeom>
+          <a:noFill/>
+        </p:spPr>
+        <p:txBody>
+          <a:bodyPr wrap="square" rtlCol="0">
+            <a:spAutoFit/>
+          </a:bodyPr>
+          <a:lstStyle/>
+          <a:p>
+            <a:r>
+              <a:rPr lang="en-US" altLang="ko-KR" dirty="0" smtClean="0"/>
+              <a:t>Module Name(</a:t>
+            </a:r>
+            <a:r>
+              <a:rPr lang="ko-KR" altLang="en-US" dirty="0" err="1" smtClean="0"/>
+              <a:t>디바이스마트</a:t>
+            </a:r>
+            <a:r>
+              <a:rPr lang="en-US" altLang="ko-KR" dirty="0" smtClean="0"/>
+              <a:t> </a:t>
+            </a:r>
+            <a:r>
+              <a:rPr lang="ko-KR" altLang="en-US" dirty="0" smtClean="0"/>
+              <a:t>기준</a:t>
+            </a:r>
+            <a:r>
+              <a:rPr lang="en-US" altLang="ko-KR" dirty="0" smtClean="0"/>
+              <a:t>):</a:t>
+            </a:r>
+          </a:p>
+          <a:p>
+            <a:r>
+              <a:rPr lang="en-US" altLang="ko-KR" dirty="0" err="1" smtClean="0"/>
+              <a:t>WeMos</a:t>
+            </a:r>
+            <a:r>
+              <a:rPr lang="en-US" altLang="ko-KR" dirty="0" smtClean="0"/>
+              <a:t> </a:t>
+            </a:r>
+            <a:r>
+              <a:rPr lang="en-US" altLang="ko-KR" b="1" dirty="0" smtClean="0"/>
+              <a:t>[</a:t>
+            </a:r>
+            <a:r>
+              <a:rPr lang="ko-KR" altLang="en-US" b="1" dirty="0" smtClean="0"/>
+              <a:t>정품</a:t>
+            </a:r>
+            <a:r>
+              <a:rPr lang="en-US" altLang="ko-KR" b="1" dirty="0" smtClean="0"/>
+              <a:t>] </a:t>
+            </a:r>
+            <a:r>
+              <a:rPr lang="en-US" altLang="ko-KR" b="1" dirty="0" err="1" smtClean="0"/>
+              <a:t>WeMos</a:t>
+            </a:r>
+            <a:r>
+              <a:rPr lang="en-US" altLang="ko-KR" b="1" dirty="0" smtClean="0"/>
+              <a:t> D1 mini V3.0.0 ESP8266 </a:t>
+            </a:r>
+            <a:r>
+              <a:rPr lang="en-US" altLang="ko-KR" b="1" dirty="0" err="1" smtClean="0"/>
+              <a:t>WiFi</a:t>
+            </a:r>
+            <a:r>
+              <a:rPr lang="en-US" altLang="ko-KR" b="1" dirty="0" smtClean="0"/>
+              <a:t> </a:t>
+            </a:r>
+            <a:r>
+              <a:rPr lang="en-US" altLang="ko-KR" b="1" dirty="0" err="1" smtClean="0"/>
+              <a:t>IoT</a:t>
+            </a:r>
+            <a:r>
+              <a:rPr lang="en-US" altLang="ko-KR" b="1" dirty="0" smtClean="0"/>
+              <a:t> </a:t>
+            </a:r>
+            <a:r>
+              <a:rPr lang="ko-KR" altLang="en-US" b="1" dirty="0" smtClean="0"/>
+              <a:t>개발보드</a:t>
+            </a:r>
+            <a:endParaRPr lang="ko-KR" altLang="en-US" dirty="0"/>
+          </a:p>
+        </p:txBody>
+      </p:sp>
+      <p:sp>
+        <p:nvSpPr>
+          <p:cNvPr id="6" name="TextBox 5"/>
+          <p:cNvSpPr txBox="1"/>
+          <p:nvPr/>
+        </p:nvSpPr>
+        <p:spPr>
+          <a:xfrm>
+            <a:off x="4572000" y="3068960"/>
+            <a:ext cx="3744416" cy="923330"/>
+          </a:xfrm>
+          <a:prstGeom prst="rect">
+            <a:avLst/>
+          </a:prstGeom>
+          <a:noFill/>
+        </p:spPr>
+        <p:txBody>
+          <a:bodyPr wrap="square" rtlCol="0">
+            <a:spAutoFit/>
+          </a:bodyPr>
+          <a:lstStyle/>
+          <a:p>
+            <a:r>
+              <a:rPr lang="en-US" altLang="ko-KR" dirty="0" smtClean="0"/>
+              <a:t>Site URL:</a:t>
+            </a:r>
+          </a:p>
+          <a:p>
+            <a:r>
+              <a:rPr lang="en-US" altLang="ko-KR" dirty="0" smtClean="0"/>
+              <a:t>http://www.devicemart.co.kr/1327519</a:t>
+            </a:r>
+            <a:endParaRPr lang="ko-KR" altLang="en-US" dirty="0"/>
+          </a:p>
+        </p:txBody>
+      </p:sp>
+      <p:sp>
+        <p:nvSpPr>
+          <p:cNvPr id="8" name="TextBox 7"/>
+          <p:cNvSpPr txBox="1"/>
+          <p:nvPr/>
+        </p:nvSpPr>
+        <p:spPr>
+          <a:xfrm>
+            <a:off x="4572000" y="4221088"/>
+            <a:ext cx="3888432" cy="1200329"/>
+          </a:xfrm>
+          <a:prstGeom prst="rect">
+            <a:avLst/>
+          </a:prstGeom>
+          <a:noFill/>
+        </p:spPr>
+        <p:txBody>
+          <a:bodyPr wrap="square" rtlCol="0">
+            <a:spAutoFit/>
+          </a:bodyPr>
+          <a:lstStyle/>
+          <a:p>
+            <a:r>
+              <a:rPr lang="ko-KR" altLang="en-US" dirty="0" smtClean="0"/>
+              <a:t>용도</a:t>
+            </a:r>
+            <a:r>
+              <a:rPr lang="en-US" altLang="ko-KR" dirty="0" smtClean="0"/>
+              <a:t>:</a:t>
+            </a:r>
+          </a:p>
+          <a:p>
+            <a:r>
+              <a:rPr lang="ko-KR" altLang="en-US" dirty="0" smtClean="0"/>
+              <a:t>사업용</a:t>
+            </a:r>
+            <a:r>
+              <a:rPr lang="en-US" altLang="ko-KR" dirty="0" smtClean="0"/>
+              <a:t>: </a:t>
+            </a:r>
+            <a:r>
+              <a:rPr lang="ko-KR" altLang="en-US" dirty="0" smtClean="0"/>
+              <a:t>가능</a:t>
+            </a:r>
+            <a:r>
+              <a:rPr lang="en-US" altLang="ko-KR" dirty="0" smtClean="0"/>
+              <a:t>, </a:t>
+            </a:r>
+            <a:r>
+              <a:rPr lang="ko-KR" altLang="en-US" dirty="0" smtClean="0"/>
+              <a:t>조립 </a:t>
+            </a:r>
+            <a:r>
+              <a:rPr lang="en-US" altLang="ko-KR" dirty="0" smtClean="0"/>
+              <a:t>Pin</a:t>
+            </a:r>
+            <a:r>
+              <a:rPr lang="ko-KR" altLang="en-US" dirty="0" smtClean="0"/>
+              <a:t>이 필요함</a:t>
+            </a:r>
+            <a:endParaRPr lang="en-US" altLang="ko-KR" dirty="0" smtClean="0"/>
+          </a:p>
+          <a:p>
+            <a:r>
+              <a:rPr lang="ko-KR" altLang="en-US" dirty="0" err="1" smtClean="0"/>
+              <a:t>개발시</a:t>
+            </a:r>
+            <a:r>
+              <a:rPr lang="en-US" altLang="ko-KR" dirty="0" smtClean="0"/>
+              <a:t>: </a:t>
+            </a:r>
+            <a:r>
+              <a:rPr lang="ko-KR" altLang="en-US" dirty="0" smtClean="0"/>
+              <a:t>용이함</a:t>
+            </a:r>
+            <a:r>
+              <a:rPr lang="en-US" altLang="ko-KR" dirty="0" smtClean="0"/>
+              <a:t>, </a:t>
+            </a:r>
+            <a:r>
+              <a:rPr lang="ko-KR" altLang="en-US" dirty="0" smtClean="0"/>
+              <a:t>직접 </a:t>
+            </a:r>
+            <a:r>
+              <a:rPr lang="en-US" altLang="ko-KR" dirty="0" smtClean="0"/>
+              <a:t>PC</a:t>
+            </a:r>
+            <a:r>
+              <a:rPr lang="ko-KR" altLang="en-US" dirty="0" smtClean="0"/>
+              <a:t>연결 가능</a:t>
+            </a:r>
+            <a:endParaRPr lang="en-US" altLang="ko-KR" dirty="0" smtClean="0"/>
+          </a:p>
+          <a:p>
+            <a:r>
+              <a:rPr lang="en-US" altLang="ko-KR" dirty="0" smtClean="0"/>
+              <a:t>(by USB)</a:t>
+            </a:r>
+          </a:p>
+        </p:txBody>
+      </p:sp>
+      <p:pic>
+        <p:nvPicPr>
+          <p:cNvPr id="10" name="내용 개체 틀 9" descr="Sample3.jpg"/>
+          <p:cNvPicPr>
+            <a:picLocks noGrp="1" noChangeAspect="1"/>
+          </p:cNvPicPr>
+          <p:nvPr>
+            <p:ph idx="1"/>
+          </p:nvPr>
+        </p:nvPicPr>
+        <p:blipFill>
+          <a:blip r:embed="rId2" cstate="print"/>
+          <a:stretch>
+            <a:fillRect/>
+          </a:stretch>
+        </p:blipFill>
+        <p:spPr>
+          <a:xfrm>
+            <a:off x="539552" y="1628800"/>
+            <a:ext cx="3394472" cy="4525963"/>
+          </a:xfrm>
+        </p:spPr>
+      </p:pic>
+    </p:spTree>
+  </p:cSld>
+  <p:clrMapOvr>
+    <a:masterClrMapping/>
+  </p:clrMapOvr>
+</p:sld>
+</file>
+
+<file path=ppt/slides/slide12.xml><?xml version="1.0" encoding="utf-8"?>
+<p:sld xmlns:a="http://schemas.openxmlformats.org/drawingml/2006/main" xmlns:r="http://schemas.openxmlformats.org/officeDocument/2006/relationships" xmlns:p="http://schemas.openxmlformats.org/presentationml/2006/main">
+  <p:cSld>
+    <p:spTree>
+      <p:nvGrpSpPr>
+        <p:cNvPr id="1" name=""/>
+        <p:cNvGrpSpPr/>
+        <p:nvPr/>
+      </p:nvGrpSpPr>
+      <p:grpSpPr>
+        <a:xfrm>
+          <a:off x="0" y="0"/>
+          <a:ext cx="0" cy="0"/>
+          <a:chOff x="0" y="0"/>
+          <a:chExt cx="0" cy="0"/>
+        </a:xfrm>
+      </p:grpSpPr>
+      <p:sp>
+        <p:nvSpPr>
+          <p:cNvPr id="2" name="제목 1"/>
+          <p:cNvSpPr>
+            <a:spLocks noGrp="1"/>
+          </p:cNvSpPr>
+          <p:nvPr>
+            <p:ph type="title"/>
+          </p:nvPr>
+        </p:nvSpPr>
+        <p:spPr/>
+        <p:txBody>
+          <a:bodyPr/>
+          <a:lstStyle/>
+          <a:p>
+            <a:r>
+              <a:rPr lang="en-US" altLang="ko-KR" dirty="0" smtClean="0"/>
+              <a:t>Esp8266 </a:t>
+            </a:r>
+            <a:r>
+              <a:rPr lang="ko-KR" altLang="en-US" dirty="0" smtClean="0"/>
+              <a:t>종류</a:t>
+            </a:r>
+            <a:r>
+              <a:rPr lang="en-US" altLang="ko-KR" dirty="0" smtClean="0"/>
+              <a:t>(3)</a:t>
+            </a:r>
+            <a:endParaRPr lang="ko-KR" altLang="en-US" dirty="0"/>
+          </a:p>
+        </p:txBody>
+      </p:sp>
+      <p:sp>
+        <p:nvSpPr>
+          <p:cNvPr id="5" name="TextBox 4"/>
+          <p:cNvSpPr txBox="1"/>
+          <p:nvPr/>
+        </p:nvSpPr>
+        <p:spPr>
+          <a:xfrm>
+            <a:off x="4499992" y="1700808"/>
+            <a:ext cx="3960440" cy="923330"/>
+          </a:xfrm>
+          <a:prstGeom prst="rect">
+            <a:avLst/>
+          </a:prstGeom>
+          <a:noFill/>
+        </p:spPr>
+        <p:txBody>
+          <a:bodyPr wrap="square" rtlCol="0">
+            <a:spAutoFit/>
+          </a:bodyPr>
+          <a:lstStyle/>
+          <a:p>
+            <a:r>
+              <a:rPr lang="en-US" altLang="ko-KR" dirty="0" smtClean="0"/>
+              <a:t>Module Name(</a:t>
+            </a:r>
+            <a:r>
+              <a:rPr lang="ko-KR" altLang="en-US" dirty="0" err="1" smtClean="0"/>
+              <a:t>디바이스마트</a:t>
+            </a:r>
+            <a:r>
+              <a:rPr lang="en-US" altLang="ko-KR" dirty="0" smtClean="0"/>
+              <a:t> </a:t>
+            </a:r>
+            <a:r>
+              <a:rPr lang="ko-KR" altLang="en-US" dirty="0" smtClean="0"/>
+              <a:t>기준</a:t>
+            </a:r>
+            <a:r>
+              <a:rPr lang="en-US" altLang="ko-KR" dirty="0" smtClean="0"/>
+              <a:t>):</a:t>
+            </a:r>
+          </a:p>
+          <a:p>
+            <a:r>
+              <a:rPr lang="en-US" altLang="ko-KR" dirty="0" smtClean="0"/>
+              <a:t>SZH </a:t>
+            </a:r>
+            <a:r>
+              <a:rPr lang="en-US" altLang="ko-KR" b="1" dirty="0" err="1" smtClean="0"/>
+              <a:t>NodeMCU</a:t>
+            </a:r>
+            <a:r>
+              <a:rPr lang="en-US" altLang="ko-KR" b="1" dirty="0" smtClean="0"/>
+              <a:t> V2 ESP-12N </a:t>
+            </a:r>
+            <a:r>
+              <a:rPr lang="ko-KR" altLang="en-US" b="1" dirty="0" err="1" smtClean="0"/>
+              <a:t>와이파이</a:t>
+            </a:r>
+            <a:r>
+              <a:rPr lang="ko-KR" altLang="en-US" b="1" dirty="0" smtClean="0"/>
+              <a:t> 개발보드 </a:t>
+            </a:r>
+            <a:r>
+              <a:rPr lang="en-US" altLang="ko-KR" b="1" dirty="0" smtClean="0"/>
+              <a:t>[SZH-WFBB-017]</a:t>
+            </a:r>
+            <a:endParaRPr lang="ko-KR" altLang="en-US" dirty="0"/>
+          </a:p>
+        </p:txBody>
+      </p:sp>
+      <p:sp>
+        <p:nvSpPr>
+          <p:cNvPr id="6" name="TextBox 5"/>
+          <p:cNvSpPr txBox="1"/>
+          <p:nvPr/>
+        </p:nvSpPr>
+        <p:spPr>
+          <a:xfrm>
+            <a:off x="4572000" y="3068960"/>
+            <a:ext cx="3744416" cy="923330"/>
+          </a:xfrm>
+          <a:prstGeom prst="rect">
+            <a:avLst/>
+          </a:prstGeom>
+          <a:noFill/>
+        </p:spPr>
+        <p:txBody>
+          <a:bodyPr wrap="square" rtlCol="0">
+            <a:spAutoFit/>
+          </a:bodyPr>
+          <a:lstStyle/>
+          <a:p>
+            <a:r>
+              <a:rPr lang="en-US" altLang="ko-KR" dirty="0" smtClean="0"/>
+              <a:t>Site URL:</a:t>
+            </a:r>
+          </a:p>
+          <a:p>
+            <a:r>
+              <a:rPr lang="en-US" altLang="ko-KR" dirty="0" smtClean="0"/>
+              <a:t>http://www.devicemart.co.kr/1322088</a:t>
+            </a:r>
+            <a:endParaRPr lang="ko-KR" altLang="en-US" dirty="0"/>
+          </a:p>
+        </p:txBody>
+      </p:sp>
+      <p:sp>
+        <p:nvSpPr>
+          <p:cNvPr id="8" name="TextBox 7"/>
+          <p:cNvSpPr txBox="1"/>
+          <p:nvPr/>
+        </p:nvSpPr>
+        <p:spPr>
+          <a:xfrm>
+            <a:off x="4572000" y="4221088"/>
+            <a:ext cx="3888432" cy="1200329"/>
+          </a:xfrm>
+          <a:prstGeom prst="rect">
+            <a:avLst/>
+          </a:prstGeom>
+          <a:noFill/>
+        </p:spPr>
+        <p:txBody>
+          <a:bodyPr wrap="square" rtlCol="0">
+            <a:spAutoFit/>
+          </a:bodyPr>
+          <a:lstStyle/>
+          <a:p>
+            <a:r>
+              <a:rPr lang="ko-KR" altLang="en-US" dirty="0" smtClean="0"/>
+              <a:t>용도</a:t>
+            </a:r>
+            <a:r>
+              <a:rPr lang="en-US" altLang="ko-KR" dirty="0" smtClean="0"/>
+              <a:t>:</a:t>
+            </a:r>
+          </a:p>
+          <a:p>
+            <a:r>
+              <a:rPr lang="ko-KR" altLang="en-US" dirty="0" smtClean="0"/>
+              <a:t>사업용</a:t>
+            </a:r>
+            <a:r>
+              <a:rPr lang="en-US" altLang="ko-KR" dirty="0" smtClean="0"/>
+              <a:t>: </a:t>
+            </a:r>
+            <a:r>
+              <a:rPr lang="ko-KR" altLang="en-US" dirty="0" smtClean="0"/>
+              <a:t>가능</a:t>
+            </a:r>
+            <a:r>
+              <a:rPr lang="en-US" altLang="ko-KR" dirty="0" smtClean="0"/>
+              <a:t>, </a:t>
+            </a:r>
+            <a:r>
+              <a:rPr lang="ko-KR" altLang="en-US" dirty="0" smtClean="0"/>
+              <a:t>조립 </a:t>
+            </a:r>
+            <a:r>
+              <a:rPr lang="en-US" altLang="ko-KR" dirty="0" smtClean="0"/>
+              <a:t>Pin</a:t>
+            </a:r>
+            <a:r>
+              <a:rPr lang="ko-KR" altLang="en-US" dirty="0" err="1" smtClean="0"/>
+              <a:t>숫놈</a:t>
+            </a:r>
+            <a:r>
+              <a:rPr lang="ko-KR" altLang="en-US" dirty="0" smtClean="0"/>
+              <a:t> 있음</a:t>
+            </a:r>
+            <a:endParaRPr lang="en-US" altLang="ko-KR" dirty="0" smtClean="0"/>
+          </a:p>
+          <a:p>
+            <a:r>
+              <a:rPr lang="ko-KR" altLang="en-US" dirty="0" err="1" smtClean="0"/>
+              <a:t>개발시</a:t>
+            </a:r>
+            <a:r>
+              <a:rPr lang="en-US" altLang="ko-KR" dirty="0" smtClean="0"/>
+              <a:t>: </a:t>
+            </a:r>
+            <a:r>
+              <a:rPr lang="ko-KR" altLang="en-US" dirty="0" smtClean="0"/>
+              <a:t>용이함</a:t>
+            </a:r>
+            <a:r>
+              <a:rPr lang="en-US" altLang="ko-KR" dirty="0" smtClean="0"/>
+              <a:t>, </a:t>
+            </a:r>
+            <a:r>
+              <a:rPr lang="ko-KR" altLang="en-US" dirty="0" smtClean="0"/>
+              <a:t>직접 </a:t>
+            </a:r>
+            <a:r>
+              <a:rPr lang="en-US" altLang="ko-KR" dirty="0" smtClean="0"/>
+              <a:t>PC</a:t>
+            </a:r>
+            <a:r>
+              <a:rPr lang="ko-KR" altLang="en-US" dirty="0" smtClean="0"/>
+              <a:t>연결 가능</a:t>
+            </a:r>
+            <a:endParaRPr lang="en-US" altLang="ko-KR" dirty="0" smtClean="0"/>
+          </a:p>
+          <a:p>
+            <a:r>
+              <a:rPr lang="en-US" altLang="ko-KR" dirty="0" smtClean="0"/>
+              <a:t>(by USB)</a:t>
+            </a:r>
+          </a:p>
+        </p:txBody>
+      </p:sp>
+      <p:pic>
+        <p:nvPicPr>
+          <p:cNvPr id="10" name="내용 개체 틀 9" descr="Sample3.jpg"/>
+          <p:cNvPicPr>
+            <a:picLocks noGrp="1" noChangeAspect="1"/>
+          </p:cNvPicPr>
+          <p:nvPr>
+            <p:ph idx="1"/>
+          </p:nvPr>
+        </p:nvPicPr>
+        <p:blipFill>
+          <a:blip r:embed="rId2" cstate="print"/>
+          <a:stretch>
+            <a:fillRect/>
+          </a:stretch>
+        </p:blipFill>
+        <p:spPr>
+          <a:xfrm>
+            <a:off x="539552" y="1628800"/>
+            <a:ext cx="3394472" cy="4525963"/>
+          </a:xfrm>
+        </p:spPr>
+      </p:pic>
+      <p:sp>
+        <p:nvSpPr>
+          <p:cNvPr id="7" name="TextBox 6"/>
+          <p:cNvSpPr txBox="1"/>
+          <p:nvPr/>
+        </p:nvSpPr>
+        <p:spPr>
+          <a:xfrm>
+            <a:off x="4572000" y="5661248"/>
+            <a:ext cx="4320480" cy="646331"/>
+          </a:xfrm>
+          <a:prstGeom prst="rect">
+            <a:avLst/>
+          </a:prstGeom>
+          <a:noFill/>
+        </p:spPr>
+        <p:txBody>
+          <a:bodyPr wrap="square" rtlCol="0">
+            <a:spAutoFit/>
+          </a:bodyPr>
+          <a:lstStyle/>
+          <a:p>
+            <a:r>
+              <a:rPr lang="ko-KR" altLang="en-US" dirty="0" smtClean="0"/>
+              <a:t>참고</a:t>
+            </a:r>
+            <a:r>
+              <a:rPr lang="en-US" altLang="ko-KR" dirty="0" smtClean="0"/>
+              <a:t>: </a:t>
+            </a:r>
+          </a:p>
+          <a:p>
+            <a:r>
+              <a:rPr lang="en-US" altLang="ko-KR" dirty="0" smtClean="0"/>
+              <a:t>Display Led</a:t>
+            </a:r>
+            <a:r>
+              <a:rPr lang="ko-KR" altLang="en-US" dirty="0" smtClean="0"/>
+              <a:t>는 추가 작업으로 이루어짐</a:t>
+            </a:r>
+            <a:endParaRPr lang="ko-KR" altLang="en-US" dirty="0"/>
+          </a:p>
+        </p:txBody>
+      </p:sp>
+    </p:spTree>
+  </p:cSld>
+  <p:clrMapOvr>
+    <a:masterClrMapping/>
+  </p:clrMapOvr>
+</p:sld>
+</file>
+
+<file path=ppt/slides/slide13.xml><?xml version="1.0" encoding="utf-8"?>
+<p:sld xmlns:a="http://schemas.openxmlformats.org/drawingml/2006/main" xmlns:r="http://schemas.openxmlformats.org/officeDocument/2006/relationships" xmlns:p="http://schemas.openxmlformats.org/presentationml/2006/main">
+  <p:cSld>
+    <p:spTree>
+      <p:nvGrpSpPr>
+        <p:cNvPr id="1" name=""/>
+        <p:cNvGrpSpPr/>
+        <p:nvPr/>
+      </p:nvGrpSpPr>
+      <p:grpSpPr>
+        <a:xfrm>
+          <a:off x="0" y="0"/>
+          <a:ext cx="0" cy="0"/>
+          <a:chOff x="0" y="0"/>
+          <a:chExt cx="0" cy="0"/>
+        </a:xfrm>
+      </p:grpSpPr>
+      <p:sp>
+        <p:nvSpPr>
+          <p:cNvPr id="2" name="제목 1"/>
+          <p:cNvSpPr>
+            <a:spLocks noGrp="1"/>
+          </p:cNvSpPr>
+          <p:nvPr>
+            <p:ph type="title"/>
+          </p:nvPr>
+        </p:nvSpPr>
+        <p:spPr/>
+        <p:txBody>
+          <a:bodyPr/>
+          <a:lstStyle/>
+          <a:p>
+            <a:r>
+              <a:rPr lang="en-US" altLang="ko-KR" dirty="0" smtClean="0"/>
+              <a:t>Esp8266 </a:t>
+            </a:r>
+            <a:r>
+              <a:rPr lang="ko-KR" altLang="en-US" dirty="0" smtClean="0"/>
+              <a:t>종류</a:t>
+            </a:r>
+            <a:r>
+              <a:rPr lang="en-US" altLang="ko-KR" dirty="0" smtClean="0"/>
+              <a:t>(3)</a:t>
+            </a:r>
+            <a:endParaRPr lang="ko-KR" altLang="en-US" dirty="0"/>
+          </a:p>
+        </p:txBody>
+      </p:sp>
+      <p:pic>
+        <p:nvPicPr>
+          <p:cNvPr id="12" name="내용 개체 틀 11" descr="Sample3_1.jpg"/>
+          <p:cNvPicPr>
+            <a:picLocks noGrp="1" noChangeAspect="1"/>
+          </p:cNvPicPr>
+          <p:nvPr>
+            <p:ph idx="1"/>
+          </p:nvPr>
+        </p:nvPicPr>
+        <p:blipFill>
+          <a:blip r:embed="rId2" cstate="print"/>
+          <a:stretch>
+            <a:fillRect/>
+          </a:stretch>
+        </p:blipFill>
+        <p:spPr>
+          <a:xfrm>
+            <a:off x="1554691" y="1600200"/>
+            <a:ext cx="6034617" cy="4525963"/>
+          </a:xfrm>
+        </p:spPr>
+      </p:pic>
+    </p:spTree>
+  </p:cSld>
+  <p:clrMapOvr>
+    <a:masterClrMapping/>
+  </p:clrMapOvr>
+</p:sld>
+</file>
+
+<file path=ppt/slides/slide14.xml><?xml version="1.0" encoding="utf-8"?>
+<p:sld xmlns:a="http://schemas.openxmlformats.org/drawingml/2006/main" xmlns:r="http://schemas.openxmlformats.org/officeDocument/2006/relationships" xmlns:p="http://schemas.openxmlformats.org/presentationml/2006/main">
+  <p:cSld>
+    <p:spTree>
+      <p:nvGrpSpPr>
+        <p:cNvPr id="1" name=""/>
+        <p:cNvGrpSpPr/>
+        <p:nvPr/>
+      </p:nvGrpSpPr>
+      <p:grpSpPr>
+        <a:xfrm>
+          <a:off x="0" y="0"/>
+          <a:ext cx="0" cy="0"/>
+          <a:chOff x="0" y="0"/>
+          <a:chExt cx="0" cy="0"/>
+        </a:xfrm>
+      </p:grpSpPr>
+      <p:sp>
+        <p:nvSpPr>
+          <p:cNvPr id="2" name="제목 1"/>
+          <p:cNvSpPr>
+            <a:spLocks noGrp="1"/>
+          </p:cNvSpPr>
+          <p:nvPr>
+            <p:ph type="title"/>
+          </p:nvPr>
+        </p:nvSpPr>
+        <p:spPr/>
+        <p:txBody>
+          <a:bodyPr/>
+          <a:lstStyle/>
+          <a:p>
+            <a:r>
+              <a:rPr lang="ko-KR" altLang="en-US" dirty="0" smtClean="0"/>
+              <a:t>추가 </a:t>
+            </a:r>
+            <a:r>
+              <a:rPr lang="en-US" altLang="ko-KR" dirty="0" smtClean="0"/>
+              <a:t>Module: Esp-32s</a:t>
+            </a:r>
+            <a:endParaRPr lang="ko-KR" altLang="en-US" dirty="0"/>
+          </a:p>
+        </p:txBody>
+      </p:sp>
+      <p:sp>
+        <p:nvSpPr>
+          <p:cNvPr id="5" name="TextBox 4"/>
+          <p:cNvSpPr txBox="1"/>
+          <p:nvPr/>
+        </p:nvSpPr>
+        <p:spPr>
+          <a:xfrm>
+            <a:off x="4499992" y="1700808"/>
+            <a:ext cx="3960440" cy="1200329"/>
+          </a:xfrm>
+          <a:prstGeom prst="rect">
+            <a:avLst/>
+          </a:prstGeom>
+          <a:noFill/>
+        </p:spPr>
+        <p:txBody>
+          <a:bodyPr wrap="square" rtlCol="0">
+            <a:spAutoFit/>
+          </a:bodyPr>
+          <a:lstStyle/>
+          <a:p>
+            <a:r>
+              <a:rPr lang="en-US" altLang="ko-KR" dirty="0" smtClean="0"/>
+              <a:t>Module Name(</a:t>
+            </a:r>
+            <a:r>
+              <a:rPr lang="ko-KR" altLang="en-US" dirty="0" err="1" smtClean="0"/>
+              <a:t>디바이스마트</a:t>
+            </a:r>
+            <a:r>
+              <a:rPr lang="en-US" altLang="ko-KR" dirty="0" smtClean="0"/>
+              <a:t> </a:t>
+            </a:r>
+            <a:r>
+              <a:rPr lang="ko-KR" altLang="en-US" dirty="0" smtClean="0"/>
+              <a:t>기준</a:t>
+            </a:r>
+            <a:r>
+              <a:rPr lang="en-US" altLang="ko-KR" dirty="0" smtClean="0"/>
+              <a:t>):</a:t>
+            </a:r>
+          </a:p>
+          <a:p>
+            <a:r>
+              <a:rPr lang="en-US" altLang="ko-KR" dirty="0" smtClean="0"/>
+              <a:t>Ai-Thinker </a:t>
+            </a:r>
+            <a:r>
+              <a:rPr lang="en-US" altLang="ko-KR" b="1" dirty="0" smtClean="0"/>
+              <a:t>[</a:t>
+            </a:r>
+            <a:r>
+              <a:rPr lang="ko-KR" altLang="en-US" b="1" dirty="0" smtClean="0"/>
+              <a:t>정품</a:t>
+            </a:r>
+            <a:r>
+              <a:rPr lang="en-US" altLang="ko-KR" b="1" dirty="0" smtClean="0"/>
+              <a:t>] ESP-32S </a:t>
+            </a:r>
+            <a:r>
+              <a:rPr lang="en-US" altLang="ko-KR" b="1" dirty="0" err="1" smtClean="0"/>
+              <a:t>NodeMCU</a:t>
+            </a:r>
+            <a:r>
+              <a:rPr lang="en-US" altLang="ko-KR" b="1" dirty="0" smtClean="0"/>
+              <a:t> </a:t>
+            </a:r>
+            <a:r>
+              <a:rPr lang="en-US" altLang="ko-KR" b="1" dirty="0" err="1" smtClean="0"/>
+              <a:t>Lua</a:t>
+            </a:r>
+            <a:r>
+              <a:rPr lang="en-US" altLang="ko-KR" b="1" dirty="0" smtClean="0"/>
+              <a:t> </a:t>
+            </a:r>
+            <a:r>
+              <a:rPr lang="en-US" altLang="ko-KR" b="1" dirty="0" err="1" smtClean="0"/>
+              <a:t>WiFi</a:t>
+            </a:r>
+            <a:r>
+              <a:rPr lang="en-US" altLang="ko-KR" b="1" dirty="0" smtClean="0"/>
+              <a:t> </a:t>
+            </a:r>
+            <a:r>
+              <a:rPr lang="ko-KR" altLang="en-US" b="1" dirty="0" smtClean="0"/>
+              <a:t>시리얼 </a:t>
+            </a:r>
+            <a:r>
+              <a:rPr lang="ko-KR" altLang="en-US" b="1" dirty="0" err="1" smtClean="0"/>
+              <a:t>와이파이</a:t>
+            </a:r>
+            <a:r>
+              <a:rPr lang="ko-KR" altLang="en-US" b="1" dirty="0" smtClean="0"/>
+              <a:t> 모듈</a:t>
+            </a:r>
+            <a:endParaRPr lang="ko-KR" altLang="en-US" dirty="0"/>
+          </a:p>
+        </p:txBody>
+      </p:sp>
+      <p:sp>
+        <p:nvSpPr>
+          <p:cNvPr id="6" name="TextBox 5"/>
+          <p:cNvSpPr txBox="1"/>
+          <p:nvPr/>
+        </p:nvSpPr>
+        <p:spPr>
+          <a:xfrm>
+            <a:off x="4572000" y="3068960"/>
+            <a:ext cx="3744416" cy="923330"/>
+          </a:xfrm>
+          <a:prstGeom prst="rect">
+            <a:avLst/>
+          </a:prstGeom>
+          <a:noFill/>
+        </p:spPr>
+        <p:txBody>
+          <a:bodyPr wrap="square" rtlCol="0">
+            <a:spAutoFit/>
+          </a:bodyPr>
+          <a:lstStyle/>
+          <a:p>
+            <a:r>
+              <a:rPr lang="en-US" altLang="ko-KR" dirty="0" smtClean="0"/>
+              <a:t>Site URL:</a:t>
+            </a:r>
+          </a:p>
+          <a:p>
+            <a:r>
+              <a:rPr lang="en-US" altLang="ko-KR" dirty="0" smtClean="0"/>
+              <a:t>http://www.devicemart.co.kr/1381615</a:t>
+            </a:r>
+            <a:endParaRPr lang="ko-KR" altLang="en-US" dirty="0"/>
+          </a:p>
+        </p:txBody>
+      </p:sp>
+      <p:sp>
+        <p:nvSpPr>
+          <p:cNvPr id="8" name="TextBox 7"/>
+          <p:cNvSpPr txBox="1"/>
+          <p:nvPr/>
+        </p:nvSpPr>
+        <p:spPr>
+          <a:xfrm>
+            <a:off x="4572000" y="4221088"/>
+            <a:ext cx="3888432" cy="1200329"/>
+          </a:xfrm>
+          <a:prstGeom prst="rect">
+            <a:avLst/>
+          </a:prstGeom>
+          <a:noFill/>
+        </p:spPr>
+        <p:txBody>
+          <a:bodyPr wrap="square" rtlCol="0">
+            <a:spAutoFit/>
+          </a:bodyPr>
+          <a:lstStyle/>
+          <a:p>
+            <a:r>
+              <a:rPr lang="ko-KR" altLang="en-US" dirty="0" smtClean="0"/>
+              <a:t>용도</a:t>
+            </a:r>
+            <a:r>
+              <a:rPr lang="en-US" altLang="ko-KR" dirty="0" smtClean="0"/>
+              <a:t>:</a:t>
+            </a:r>
+          </a:p>
+          <a:p>
+            <a:r>
+              <a:rPr lang="ko-KR" altLang="en-US" dirty="0" smtClean="0"/>
+              <a:t>사업용</a:t>
+            </a:r>
+            <a:r>
+              <a:rPr lang="en-US" altLang="ko-KR" dirty="0" smtClean="0"/>
+              <a:t>: </a:t>
+            </a:r>
+            <a:r>
+              <a:rPr lang="ko-KR" altLang="en-US" dirty="0" smtClean="0"/>
+              <a:t>가능</a:t>
+            </a:r>
+            <a:r>
+              <a:rPr lang="en-US" altLang="ko-KR" dirty="0" smtClean="0"/>
+              <a:t>, </a:t>
+            </a:r>
+            <a:r>
+              <a:rPr lang="ko-KR" altLang="en-US" dirty="0" smtClean="0"/>
+              <a:t>조립 </a:t>
+            </a:r>
+            <a:r>
+              <a:rPr lang="en-US" altLang="ko-KR" dirty="0" smtClean="0"/>
+              <a:t>Pin</a:t>
+            </a:r>
+            <a:r>
+              <a:rPr lang="ko-KR" altLang="en-US" dirty="0" err="1" smtClean="0"/>
+              <a:t>숫놈</a:t>
+            </a:r>
+            <a:r>
+              <a:rPr lang="ko-KR" altLang="en-US" dirty="0" smtClean="0"/>
+              <a:t> 있음</a:t>
+            </a:r>
+            <a:endParaRPr lang="en-US" altLang="ko-KR" dirty="0" smtClean="0"/>
+          </a:p>
+          <a:p>
+            <a:r>
+              <a:rPr lang="ko-KR" altLang="en-US" dirty="0" err="1" smtClean="0"/>
+              <a:t>개발시</a:t>
+            </a:r>
+            <a:r>
+              <a:rPr lang="en-US" altLang="ko-KR" dirty="0" smtClean="0"/>
+              <a:t>: </a:t>
+            </a:r>
+            <a:r>
+              <a:rPr lang="ko-KR" altLang="en-US" dirty="0" smtClean="0"/>
+              <a:t>용이함</a:t>
+            </a:r>
+            <a:r>
+              <a:rPr lang="en-US" altLang="ko-KR" dirty="0" smtClean="0"/>
+              <a:t>, </a:t>
+            </a:r>
+            <a:r>
+              <a:rPr lang="ko-KR" altLang="en-US" dirty="0" smtClean="0"/>
+              <a:t>직접 </a:t>
+            </a:r>
+            <a:r>
+              <a:rPr lang="en-US" altLang="ko-KR" dirty="0" smtClean="0"/>
+              <a:t>PC</a:t>
+            </a:r>
+            <a:r>
+              <a:rPr lang="ko-KR" altLang="en-US" dirty="0" smtClean="0"/>
+              <a:t>연결 가능</a:t>
+            </a:r>
+            <a:endParaRPr lang="en-US" altLang="ko-KR" dirty="0" smtClean="0"/>
+          </a:p>
+          <a:p>
+            <a:r>
+              <a:rPr lang="en-US" altLang="ko-KR" dirty="0" smtClean="0"/>
+              <a:t>(by USB)</a:t>
+            </a:r>
+          </a:p>
+        </p:txBody>
+      </p:sp>
+      <p:sp>
+        <p:nvSpPr>
+          <p:cNvPr id="7" name="TextBox 6"/>
+          <p:cNvSpPr txBox="1"/>
+          <p:nvPr/>
+        </p:nvSpPr>
+        <p:spPr>
+          <a:xfrm>
+            <a:off x="4572000" y="5661248"/>
+            <a:ext cx="4320480" cy="646331"/>
+          </a:xfrm>
+          <a:prstGeom prst="rect">
+            <a:avLst/>
+          </a:prstGeom>
+          <a:noFill/>
+        </p:spPr>
+        <p:txBody>
+          <a:bodyPr wrap="square" rtlCol="0">
+            <a:spAutoFit/>
+          </a:bodyPr>
+          <a:lstStyle/>
+          <a:p>
+            <a:r>
+              <a:rPr lang="ko-KR" altLang="en-US" dirty="0" smtClean="0"/>
+              <a:t>참고</a:t>
+            </a:r>
+            <a:r>
+              <a:rPr lang="en-US" altLang="ko-KR" dirty="0" smtClean="0"/>
+              <a:t>: </a:t>
+            </a:r>
+          </a:p>
+          <a:p>
+            <a:r>
+              <a:rPr lang="ko-KR" altLang="en-US" dirty="0" smtClean="0"/>
+              <a:t>기능이 월등히 좋음</a:t>
+            </a:r>
+            <a:r>
+              <a:rPr lang="en-US" altLang="ko-KR" dirty="0" smtClean="0"/>
+              <a:t>, </a:t>
+            </a:r>
+            <a:r>
+              <a:rPr lang="ko-KR" altLang="en-US" dirty="0" smtClean="0"/>
+              <a:t>올해 마스터 예정</a:t>
+            </a:r>
+            <a:endParaRPr lang="ko-KR" altLang="en-US" dirty="0"/>
+          </a:p>
+        </p:txBody>
+      </p:sp>
+      <p:pic>
+        <p:nvPicPr>
+          <p:cNvPr id="11" name="그림 10" descr="Sample4.png"/>
+          <p:cNvPicPr>
+            <a:picLocks noChangeAspect="1"/>
+          </p:cNvPicPr>
+          <p:nvPr/>
+        </p:nvPicPr>
+        <p:blipFill>
+          <a:blip r:embed="rId2" cstate="print"/>
+          <a:stretch>
+            <a:fillRect/>
+          </a:stretch>
+        </p:blipFill>
+        <p:spPr>
+          <a:xfrm>
+            <a:off x="899593" y="1052736"/>
+            <a:ext cx="3384375" cy="5353798"/>
+          </a:xfrm>
+          <a:prstGeom prst="rect">
+            <a:avLst/>
+          </a:prstGeom>
+        </p:spPr>
+      </p:pic>
+    </p:spTree>
   </p:cSld>
   <p:clrMapOvr>
     <a:masterClrMapping/>
@@ -7098,7 +8509,7 @@
               </a:clrChange>
               <a:extLst>
                 <a:ext uri="{28A0092B-C50C-407E-A947-70E740481C1C}">
-                  <a14:useLocalDpi xmlns:a14="http://schemas.microsoft.com/office/drawing/2010/main" xmlns="" val="0"/>
+                  <a14:useLocalDpi xmlns="" xmlns:a14="http://schemas.microsoft.com/office/drawing/2010/main" val="0"/>
                 </a:ext>
               </a:extLst>
             </a:blip>
@@ -7116,7 +8527,7 @@
             <a:noFill/>
             <a:extLst>
               <a:ext uri="{909E8E84-426E-40DD-AFC4-6F175D3DCCD1}">
-                <a14:hiddenFill xmlns:a14="http://schemas.microsoft.com/office/drawing/2010/main" xmlns="">
+                <a14:hiddenFill xmlns="" xmlns:a14="http://schemas.microsoft.com/office/drawing/2010/main">
                   <a:solidFill>
                     <a:srgbClr val="FFFFFF"/>
                   </a:solidFill>
@@ -7137,7 +8548,7 @@
             <a:blip r:embed="rId3" cstate="print">
               <a:extLst>
                 <a:ext uri="{28A0092B-C50C-407E-A947-70E740481C1C}">
-                  <a14:useLocalDpi xmlns:a14="http://schemas.microsoft.com/office/drawing/2010/main" xmlns="" val="0"/>
+                  <a14:useLocalDpi xmlns="" xmlns:a14="http://schemas.microsoft.com/office/drawing/2010/main" val="0"/>
                 </a:ext>
               </a:extLst>
             </a:blip>
@@ -7160,14 +8571,14 @@
             </a:ln>
             <a:extLst>
               <a:ext uri="{909E8E84-426E-40DD-AFC4-6F175D3DCCD1}">
-                <a14:hiddenFill xmlns:a14="http://schemas.microsoft.com/office/drawing/2010/main" xmlns="">
+                <a14:hiddenFill xmlns="" xmlns:a14="http://schemas.microsoft.com/office/drawing/2010/main">
                   <a:solidFill>
                     <a:schemeClr val="accent1"/>
                   </a:solidFill>
                 </a14:hiddenFill>
               </a:ext>
               <a:ext uri="{91240B29-F687-4F45-9708-019B960494DF}">
-                <a14:hiddenLine xmlns:a14="http://schemas.microsoft.com/office/drawing/2010/main" xmlns="" w="9525">
+                <a14:hiddenLine xmlns="" xmlns:a14="http://schemas.microsoft.com/office/drawing/2010/main" w="9525">
                   <a:solidFill>
                     <a:schemeClr val="tx1"/>
                   </a:solidFill>
@@ -7204,7 +8615,7 @@
             </a:clrChange>
             <a:extLst>
               <a:ext uri="{28A0092B-C50C-407E-A947-70E740481C1C}">
-                <a14:useLocalDpi xmlns:a14="http://schemas.microsoft.com/office/drawing/2010/main" xmlns="" val="0"/>
+                <a14:useLocalDpi xmlns="" xmlns:a14="http://schemas.microsoft.com/office/drawing/2010/main" val="0"/>
               </a:ext>
             </a:extLst>
           </a:blip>
@@ -7224,7 +8635,7 @@
           <a:noFill/>
           <a:extLst>
             <a:ext uri="{909E8E84-426E-40DD-AFC4-6F175D3DCCD1}">
-              <a14:hiddenFill xmlns:a14="http://schemas.microsoft.com/office/drawing/2010/main" xmlns="">
+              <a14:hiddenFill xmlns="" xmlns:a14="http://schemas.microsoft.com/office/drawing/2010/main">
                 <a:solidFill>
                   <a:srgbClr val="FFFFFF"/>
                 </a:solidFill>
@@ -7257,7 +8668,7 @@
             </a:clrChange>
             <a:extLst>
               <a:ext uri="{28A0092B-C50C-407E-A947-70E740481C1C}">
-                <a14:useLocalDpi xmlns:a14="http://schemas.microsoft.com/office/drawing/2010/main" xmlns="" val="0"/>
+                <a14:useLocalDpi xmlns="" xmlns:a14="http://schemas.microsoft.com/office/drawing/2010/main" val="0"/>
               </a:ext>
             </a:extLst>
           </a:blip>
@@ -7277,7 +8688,7 @@
           <a:noFill/>
           <a:extLst>
             <a:ext uri="{909E8E84-426E-40DD-AFC4-6F175D3DCCD1}">
-              <a14:hiddenFill xmlns:a14="http://schemas.microsoft.com/office/drawing/2010/main" xmlns="">
+              <a14:hiddenFill xmlns="" xmlns:a14="http://schemas.microsoft.com/office/drawing/2010/main">
                 <a:solidFill>
                   <a:srgbClr val="FFFFFF"/>
                 </a:solidFill>
@@ -7838,6 +9249,364 @@
             <a:r>
               <a:rPr lang="en-US" altLang="ko-KR" dirty="0" smtClean="0"/>
               <a:t>Total: 70bytes</a:t>
+            </a:r>
+            <a:endParaRPr lang="ko-KR" altLang="en-US" dirty="0"/>
+          </a:p>
+        </p:txBody>
+      </p:sp>
+    </p:spTree>
+  </p:cSld>
+  <p:clrMapOvr>
+    <a:masterClrMapping/>
+  </p:clrMapOvr>
+</p:sld>
+</file>
+
+<file path=ppt/slides/slide8.xml><?xml version="1.0" encoding="utf-8"?>
+<p:sld xmlns:a="http://schemas.openxmlformats.org/drawingml/2006/main" xmlns:r="http://schemas.openxmlformats.org/officeDocument/2006/relationships" xmlns:p="http://schemas.openxmlformats.org/presentationml/2006/main">
+  <p:cSld>
+    <p:spTree>
+      <p:nvGrpSpPr>
+        <p:cNvPr id="1" name=""/>
+        <p:cNvGrpSpPr/>
+        <p:nvPr/>
+      </p:nvGrpSpPr>
+      <p:grpSpPr>
+        <a:xfrm>
+          <a:off x="0" y="0"/>
+          <a:ext cx="0" cy="0"/>
+          <a:chOff x="0" y="0"/>
+          <a:chExt cx="0" cy="0"/>
+        </a:xfrm>
+      </p:grpSpPr>
+      <p:sp>
+        <p:nvSpPr>
+          <p:cNvPr id="2" name="제목 1"/>
+          <p:cNvSpPr>
+            <a:spLocks noGrp="1"/>
+          </p:cNvSpPr>
+          <p:nvPr>
+            <p:ph type="title"/>
+          </p:nvPr>
+        </p:nvSpPr>
+        <p:spPr/>
+        <p:txBody>
+          <a:bodyPr/>
+          <a:lstStyle/>
+          <a:p>
+            <a:r>
+              <a:rPr lang="en-US" altLang="ko-KR" dirty="0" smtClean="0"/>
+              <a:t>Esp8266 </a:t>
+            </a:r>
+            <a:r>
+              <a:rPr lang="ko-KR" altLang="en-US" dirty="0" smtClean="0"/>
+              <a:t>종류</a:t>
+            </a:r>
+            <a:r>
+              <a:rPr lang="en-US" altLang="ko-KR" dirty="0" smtClean="0"/>
+              <a:t>(1)</a:t>
+            </a:r>
+            <a:endParaRPr lang="ko-KR" altLang="en-US" dirty="0"/>
+          </a:p>
+        </p:txBody>
+      </p:sp>
+      <p:pic>
+        <p:nvPicPr>
+          <p:cNvPr id="4" name="내용 개체 틀 3" descr="Sample1.jpg"/>
+          <p:cNvPicPr>
+            <a:picLocks noGrp="1" noChangeAspect="1"/>
+          </p:cNvPicPr>
+          <p:nvPr>
+            <p:ph idx="1"/>
+          </p:nvPr>
+        </p:nvPicPr>
+        <p:blipFill>
+          <a:blip r:embed="rId2" cstate="print"/>
+          <a:stretch>
+            <a:fillRect/>
+          </a:stretch>
+        </p:blipFill>
+        <p:spPr>
+          <a:xfrm>
+            <a:off x="683568" y="1556792"/>
+            <a:ext cx="3394472" cy="4525963"/>
+          </a:xfrm>
+        </p:spPr>
+      </p:pic>
+      <p:sp>
+        <p:nvSpPr>
+          <p:cNvPr id="5" name="TextBox 4"/>
+          <p:cNvSpPr txBox="1"/>
+          <p:nvPr/>
+        </p:nvSpPr>
+        <p:spPr>
+          <a:xfrm>
+            <a:off x="4499992" y="1700808"/>
+            <a:ext cx="3744416" cy="923330"/>
+          </a:xfrm>
+          <a:prstGeom prst="rect">
+            <a:avLst/>
+          </a:prstGeom>
+          <a:noFill/>
+        </p:spPr>
+        <p:txBody>
+          <a:bodyPr wrap="square" rtlCol="0">
+            <a:spAutoFit/>
+          </a:bodyPr>
+          <a:lstStyle/>
+          <a:p>
+            <a:r>
+              <a:rPr lang="en-US" altLang="ko-KR" dirty="0" smtClean="0"/>
+              <a:t>Module Name(</a:t>
+            </a:r>
+            <a:r>
+              <a:rPr lang="ko-KR" altLang="en-US" dirty="0" err="1" smtClean="0"/>
+              <a:t>디바이스마트</a:t>
+            </a:r>
+            <a:r>
+              <a:rPr lang="en-US" altLang="ko-KR" dirty="0" smtClean="0"/>
+              <a:t> </a:t>
+            </a:r>
+            <a:r>
+              <a:rPr lang="ko-KR" altLang="en-US" dirty="0" smtClean="0"/>
+              <a:t>기준</a:t>
+            </a:r>
+            <a:r>
+              <a:rPr lang="en-US" altLang="ko-KR" dirty="0" smtClean="0"/>
+              <a:t>):</a:t>
+            </a:r>
+          </a:p>
+          <a:p>
+            <a:r>
+              <a:rPr lang="en-US" altLang="ko-KR" dirty="0" smtClean="0"/>
+              <a:t>ESP8266 </a:t>
+            </a:r>
+            <a:r>
+              <a:rPr lang="ko-KR" altLang="en-US" dirty="0" smtClean="0"/>
+              <a:t>시리얼 </a:t>
+            </a:r>
+            <a:r>
+              <a:rPr lang="ko-KR" altLang="en-US" dirty="0" err="1" smtClean="0"/>
+              <a:t>와이파이</a:t>
+            </a:r>
+            <a:r>
+              <a:rPr lang="ko-KR" altLang="en-US" dirty="0" smtClean="0"/>
+              <a:t> 모듈 </a:t>
+            </a:r>
+            <a:r>
+              <a:rPr lang="en-US" altLang="ko-KR" dirty="0" smtClean="0"/>
+              <a:t>ESP-12E [SZH-EK043]</a:t>
+            </a:r>
+            <a:endParaRPr lang="ko-KR" altLang="en-US" dirty="0"/>
+          </a:p>
+        </p:txBody>
+      </p:sp>
+      <p:sp>
+        <p:nvSpPr>
+          <p:cNvPr id="6" name="TextBox 5"/>
+          <p:cNvSpPr txBox="1"/>
+          <p:nvPr/>
+        </p:nvSpPr>
+        <p:spPr>
+          <a:xfrm>
+            <a:off x="4572000" y="3068960"/>
+            <a:ext cx="3744416" cy="923330"/>
+          </a:xfrm>
+          <a:prstGeom prst="rect">
+            <a:avLst/>
+          </a:prstGeom>
+          <a:noFill/>
+        </p:spPr>
+        <p:txBody>
+          <a:bodyPr wrap="square" rtlCol="0">
+            <a:spAutoFit/>
+          </a:bodyPr>
+          <a:lstStyle/>
+          <a:p>
+            <a:r>
+              <a:rPr lang="en-US" altLang="ko-KR" dirty="0" smtClean="0"/>
+              <a:t>Site URL:</a:t>
+            </a:r>
+          </a:p>
+          <a:p>
+            <a:r>
+              <a:rPr lang="en-US" altLang="ko-KR" dirty="0" smtClean="0"/>
+              <a:t>http</a:t>
+            </a:r>
+            <a:r>
+              <a:rPr lang="en-US" altLang="ko-KR" dirty="0" smtClean="0"/>
+              <a:t>://www.devicemart.co.kr/1279337</a:t>
+            </a:r>
+            <a:endParaRPr lang="ko-KR" altLang="en-US" dirty="0"/>
+          </a:p>
+        </p:txBody>
+      </p:sp>
+      <p:sp>
+        <p:nvSpPr>
+          <p:cNvPr id="8" name="TextBox 7"/>
+          <p:cNvSpPr txBox="1"/>
+          <p:nvPr/>
+        </p:nvSpPr>
+        <p:spPr>
+          <a:xfrm>
+            <a:off x="4572000" y="4221088"/>
+            <a:ext cx="3888432" cy="923330"/>
+          </a:xfrm>
+          <a:prstGeom prst="rect">
+            <a:avLst/>
+          </a:prstGeom>
+          <a:noFill/>
+        </p:spPr>
+        <p:txBody>
+          <a:bodyPr wrap="square" rtlCol="0">
+            <a:spAutoFit/>
+          </a:bodyPr>
+          <a:lstStyle/>
+          <a:p>
+            <a:r>
+              <a:rPr lang="ko-KR" altLang="en-US" dirty="0" smtClean="0"/>
+              <a:t>용도</a:t>
+            </a:r>
+            <a:r>
+              <a:rPr lang="en-US" altLang="ko-KR" dirty="0" smtClean="0"/>
+              <a:t>:</a:t>
+            </a:r>
+          </a:p>
+          <a:p>
+            <a:r>
+              <a:rPr lang="ko-KR" altLang="en-US" dirty="0" smtClean="0"/>
+              <a:t>사업용</a:t>
+            </a:r>
+            <a:r>
+              <a:rPr lang="en-US" altLang="ko-KR" dirty="0" smtClean="0"/>
+              <a:t>: SMD Type</a:t>
+            </a:r>
+          </a:p>
+          <a:p>
+            <a:r>
+              <a:rPr lang="en-US" altLang="ko-KR" dirty="0" smtClean="0"/>
+              <a:t>* </a:t>
+            </a:r>
+            <a:r>
+              <a:rPr lang="ko-KR" altLang="en-US" dirty="0" smtClean="0"/>
+              <a:t>일반 기능 </a:t>
+            </a:r>
+            <a:r>
+              <a:rPr lang="en-US" altLang="ko-KR" dirty="0" smtClean="0"/>
+              <a:t>Test</a:t>
+            </a:r>
+            <a:r>
+              <a:rPr lang="ko-KR" altLang="en-US" dirty="0" smtClean="0"/>
+              <a:t>용으로는 부적합</a:t>
+            </a:r>
+            <a:endParaRPr lang="ko-KR" altLang="en-US" dirty="0"/>
+          </a:p>
+        </p:txBody>
+      </p:sp>
+    </p:spTree>
+  </p:cSld>
+  <p:clrMapOvr>
+    <a:masterClrMapping/>
+  </p:clrMapOvr>
+</p:sld>
+</file>
+
+<file path=ppt/slides/slide9.xml><?xml version="1.0" encoding="utf-8"?>
+<p:sld xmlns:a="http://schemas.openxmlformats.org/drawingml/2006/main" xmlns:r="http://schemas.openxmlformats.org/officeDocument/2006/relationships" xmlns:p="http://schemas.openxmlformats.org/presentationml/2006/main">
+  <p:cSld>
+    <p:spTree>
+      <p:nvGrpSpPr>
+        <p:cNvPr id="1" name=""/>
+        <p:cNvGrpSpPr/>
+        <p:nvPr/>
+      </p:nvGrpSpPr>
+      <p:grpSpPr>
+        <a:xfrm>
+          <a:off x="0" y="0"/>
+          <a:ext cx="0" cy="0"/>
+          <a:chOff x="0" y="0"/>
+          <a:chExt cx="0" cy="0"/>
+        </a:xfrm>
+      </p:grpSpPr>
+      <p:sp>
+        <p:nvSpPr>
+          <p:cNvPr id="2" name="제목 1"/>
+          <p:cNvSpPr>
+            <a:spLocks noGrp="1"/>
+          </p:cNvSpPr>
+          <p:nvPr>
+            <p:ph type="title"/>
+          </p:nvPr>
+        </p:nvSpPr>
+        <p:spPr/>
+        <p:txBody>
+          <a:bodyPr/>
+          <a:lstStyle/>
+          <a:p>
+            <a:r>
+              <a:rPr lang="en-US" altLang="ko-KR" dirty="0" smtClean="0"/>
+              <a:t>Esp8266 </a:t>
+            </a:r>
+            <a:r>
+              <a:rPr lang="ko-KR" altLang="en-US" dirty="0" smtClean="0"/>
+              <a:t>종류</a:t>
+            </a:r>
+            <a:r>
+              <a:rPr lang="en-US" altLang="ko-KR" dirty="0" smtClean="0"/>
+              <a:t>(1)</a:t>
+            </a:r>
+            <a:endParaRPr lang="ko-KR" altLang="en-US" dirty="0"/>
+          </a:p>
+        </p:txBody>
+      </p:sp>
+      <p:pic>
+        <p:nvPicPr>
+          <p:cNvPr id="9" name="내용 개체 틀 8" descr="Sample1_1.jpg"/>
+          <p:cNvPicPr>
+            <a:picLocks noGrp="1" noChangeAspect="1"/>
+          </p:cNvPicPr>
+          <p:nvPr>
+            <p:ph idx="1"/>
+          </p:nvPr>
+        </p:nvPicPr>
+        <p:blipFill>
+          <a:blip r:embed="rId2" cstate="print"/>
+          <a:stretch>
+            <a:fillRect/>
+          </a:stretch>
+        </p:blipFill>
+        <p:spPr>
+          <a:xfrm>
+            <a:off x="539552" y="1628800"/>
+            <a:ext cx="6034617" cy="4525963"/>
+          </a:xfrm>
+        </p:spPr>
+      </p:pic>
+      <p:sp>
+        <p:nvSpPr>
+          <p:cNvPr id="10" name="TextBox 9"/>
+          <p:cNvSpPr txBox="1"/>
+          <p:nvPr/>
+        </p:nvSpPr>
+        <p:spPr>
+          <a:xfrm>
+            <a:off x="6732240" y="1772816"/>
+            <a:ext cx="1728192" cy="646331"/>
+          </a:xfrm>
+          <a:prstGeom prst="rect">
+            <a:avLst/>
+          </a:prstGeom>
+          <a:noFill/>
+        </p:spPr>
+        <p:txBody>
+          <a:bodyPr wrap="square" rtlCol="0">
+            <a:spAutoFit/>
+          </a:bodyPr>
+          <a:lstStyle/>
+          <a:p>
+            <a:r>
+              <a:rPr lang="ko-KR" altLang="en-US" dirty="0" smtClean="0"/>
+              <a:t>이런 추가 작업필요</a:t>
             </a:r>
             <a:endParaRPr lang="ko-KR" altLang="en-US" dirty="0"/>
           </a:p>
